--- a/GreenAcademy/Bootstrap In Actions.pptx
+++ b/GreenAcademy/Bootstrap In Actions.pptx
@@ -5,7 +5,7 @@
     <p:sldMasterId id="2147483648" r:id="rId1"/>
   </p:sldMasterIdLst>
   <p:notesMasterIdLst>
-    <p:notesMasterId r:id="rId15"/>
+    <p:notesMasterId r:id="rId28"/>
   </p:notesMasterIdLst>
   <p:sldIdLst>
     <p:sldId id="256" r:id="rId2"/>
@@ -14,13 +14,26 @@
     <p:sldId id="260" r:id="rId5"/>
     <p:sldId id="261" r:id="rId6"/>
     <p:sldId id="264" r:id="rId7"/>
-    <p:sldId id="265" r:id="rId8"/>
-    <p:sldId id="267" r:id="rId9"/>
-    <p:sldId id="269" r:id="rId10"/>
-    <p:sldId id="266" r:id="rId11"/>
-    <p:sldId id="268" r:id="rId12"/>
-    <p:sldId id="262" r:id="rId13"/>
-    <p:sldId id="263" r:id="rId14"/>
+    <p:sldId id="275" r:id="rId8"/>
+    <p:sldId id="271" r:id="rId9"/>
+    <p:sldId id="272" r:id="rId10"/>
+    <p:sldId id="273" r:id="rId11"/>
+    <p:sldId id="276" r:id="rId12"/>
+    <p:sldId id="274" r:id="rId13"/>
+    <p:sldId id="278" r:id="rId14"/>
+    <p:sldId id="277" r:id="rId15"/>
+    <p:sldId id="279" r:id="rId16"/>
+    <p:sldId id="280" r:id="rId17"/>
+    <p:sldId id="270" r:id="rId18"/>
+    <p:sldId id="265" r:id="rId19"/>
+    <p:sldId id="267" r:id="rId20"/>
+    <p:sldId id="269" r:id="rId21"/>
+    <p:sldId id="268" r:id="rId22"/>
+    <p:sldId id="281" r:id="rId23"/>
+    <p:sldId id="284" r:id="rId24"/>
+    <p:sldId id="288" r:id="rId25"/>
+    <p:sldId id="286" r:id="rId26"/>
+    <p:sldId id="287" r:id="rId27"/>
   </p:sldIdLst>
   <p:sldSz cx="12192000" cy="6858000"/>
   <p:notesSz cx="6858000" cy="9144000"/>
@@ -212,7 +225,7 @@
           <a:p>
             <a:fld id="{9C407A0C-1AC5-4551-9D9E-038133B501A9}" type="datetimeFigureOut">
               <a:rPr lang="en-US" smtClean="0"/>
-              <a:t>06/19/2018</a:t>
+              <a:t>6/26/2018</a:t>
             </a:fld>
             <a:endParaRPr lang="en-US"/>
           </a:p>
@@ -523,6 +536,11 @@
           <a:bodyPr/>
           <a:lstStyle/>
           <a:p>
+            <a:pPr lvl="1"/>
+            <a:r>
+              <a:rPr lang="en-US" dirty="0" smtClean="0"/>
+              <a:t>https://www.youtube.com/watch?v=6d_4sd_l7rQ</a:t>
+            </a:r>
             <a:endParaRPr lang="en-US" dirty="0"/>
           </a:p>
         </p:txBody>
@@ -554,6 +572,272 @@
     <p:extLst>
       <p:ext uri="{BB962C8B-B14F-4D97-AF65-F5344CB8AC3E}">
         <p14:creationId xmlns:p14="http://schemas.microsoft.com/office/powerpoint/2010/main" val="1355333619"/>
+      </p:ext>
+    </p:extLst>
+  </p:cSld>
+  <p:clrMapOvr>
+    <a:masterClrMapping/>
+  </p:clrMapOvr>
+</p:notes>
+</file>
+
+<file path=ppt/notesSlides/notesSlide10.xml><?xml version="1.0" encoding="utf-8"?>
+<p:notes xmlns:a="http://schemas.openxmlformats.org/drawingml/2006/main" xmlns:r="http://schemas.openxmlformats.org/officeDocument/2006/relationships" xmlns:p="http://schemas.openxmlformats.org/presentationml/2006/main">
+  <p:cSld>
+    <p:spTree>
+      <p:nvGrpSpPr>
+        <p:cNvPr id="1" name=""/>
+        <p:cNvGrpSpPr/>
+        <p:nvPr/>
+      </p:nvGrpSpPr>
+      <p:grpSpPr>
+        <a:xfrm>
+          <a:off x="0" y="0"/>
+          <a:ext cx="0" cy="0"/>
+          <a:chOff x="0" y="0"/>
+          <a:chExt cx="0" cy="0"/>
+        </a:xfrm>
+      </p:grpSpPr>
+      <p:sp>
+        <p:nvSpPr>
+          <p:cNvPr id="2" name="Slide Image Placeholder 1"/>
+          <p:cNvSpPr>
+            <a:spLocks noGrp="1" noRot="1" noChangeAspect="1"/>
+          </p:cNvSpPr>
+          <p:nvPr>
+            <p:ph type="sldImg"/>
+          </p:nvPr>
+        </p:nvSpPr>
+        <p:spPr/>
+      </p:sp>
+      <p:sp>
+        <p:nvSpPr>
+          <p:cNvPr id="3" name="Notes Placeholder 2"/>
+          <p:cNvSpPr>
+            <a:spLocks noGrp="1"/>
+          </p:cNvSpPr>
+          <p:nvPr>
+            <p:ph type="body" idx="1"/>
+          </p:nvPr>
+        </p:nvSpPr>
+        <p:spPr/>
+        <p:txBody>
+          <a:bodyPr/>
+          <a:lstStyle/>
+          <a:p>
+            <a:endParaRPr lang="en-US" dirty="0"/>
+          </a:p>
+        </p:txBody>
+      </p:sp>
+      <p:sp>
+        <p:nvSpPr>
+          <p:cNvPr id="4" name="Slide Number Placeholder 3"/>
+          <p:cNvSpPr>
+            <a:spLocks noGrp="1"/>
+          </p:cNvSpPr>
+          <p:nvPr>
+            <p:ph type="sldNum" sz="quarter" idx="10"/>
+          </p:nvPr>
+        </p:nvSpPr>
+        <p:spPr/>
+        <p:txBody>
+          <a:bodyPr/>
+          <a:lstStyle/>
+          <a:p>
+            <a:fld id="{65DFC82C-87F9-41F8-A480-2C5AF52AFFAB}" type="slidenum">
+              <a:rPr lang="en-US" smtClean="0"/>
+              <a:t>19</a:t>
+            </a:fld>
+            <a:endParaRPr lang="en-US"/>
+          </a:p>
+        </p:txBody>
+      </p:sp>
+    </p:spTree>
+    <p:extLst>
+      <p:ext uri="{BB962C8B-B14F-4D97-AF65-F5344CB8AC3E}">
+        <p14:creationId xmlns:p14="http://schemas.microsoft.com/office/powerpoint/2010/main" val="2137479534"/>
+      </p:ext>
+    </p:extLst>
+  </p:cSld>
+  <p:clrMapOvr>
+    <a:masterClrMapping/>
+  </p:clrMapOvr>
+</p:notes>
+</file>
+
+<file path=ppt/notesSlides/notesSlide11.xml><?xml version="1.0" encoding="utf-8"?>
+<p:notes xmlns:a="http://schemas.openxmlformats.org/drawingml/2006/main" xmlns:r="http://schemas.openxmlformats.org/officeDocument/2006/relationships" xmlns:p="http://schemas.openxmlformats.org/presentationml/2006/main">
+  <p:cSld>
+    <p:spTree>
+      <p:nvGrpSpPr>
+        <p:cNvPr id="1" name=""/>
+        <p:cNvGrpSpPr/>
+        <p:nvPr/>
+      </p:nvGrpSpPr>
+      <p:grpSpPr>
+        <a:xfrm>
+          <a:off x="0" y="0"/>
+          <a:ext cx="0" cy="0"/>
+          <a:chOff x="0" y="0"/>
+          <a:chExt cx="0" cy="0"/>
+        </a:xfrm>
+      </p:grpSpPr>
+      <p:sp>
+        <p:nvSpPr>
+          <p:cNvPr id="2" name="Slide Image Placeholder 1"/>
+          <p:cNvSpPr>
+            <a:spLocks noGrp="1" noRot="1" noChangeAspect="1"/>
+          </p:cNvSpPr>
+          <p:nvPr>
+            <p:ph type="sldImg"/>
+          </p:nvPr>
+        </p:nvSpPr>
+        <p:spPr/>
+      </p:sp>
+      <p:sp>
+        <p:nvSpPr>
+          <p:cNvPr id="3" name="Notes Placeholder 2"/>
+          <p:cNvSpPr>
+            <a:spLocks noGrp="1"/>
+          </p:cNvSpPr>
+          <p:nvPr>
+            <p:ph type="body" idx="1"/>
+          </p:nvPr>
+        </p:nvSpPr>
+        <p:spPr/>
+        <p:txBody>
+          <a:bodyPr/>
+          <a:lstStyle/>
+          <a:p>
+            <a:r>
+              <a:rPr lang="en-US" dirty="0" smtClean="0"/>
+              <a:t>https://getbootstrap.com/docs/4.1/components/dropdowns/</a:t>
+            </a:r>
+          </a:p>
+          <a:p>
+            <a:r>
+              <a:rPr lang="en-US" dirty="0" smtClean="0"/>
+              <a:t>https://bootsnipp.com</a:t>
+            </a:r>
+            <a:endParaRPr lang="en-US" dirty="0"/>
+          </a:p>
+        </p:txBody>
+      </p:sp>
+      <p:sp>
+        <p:nvSpPr>
+          <p:cNvPr id="4" name="Slide Number Placeholder 3"/>
+          <p:cNvSpPr>
+            <a:spLocks noGrp="1"/>
+          </p:cNvSpPr>
+          <p:nvPr>
+            <p:ph type="sldNum" sz="quarter" idx="10"/>
+          </p:nvPr>
+        </p:nvSpPr>
+        <p:spPr/>
+        <p:txBody>
+          <a:bodyPr/>
+          <a:lstStyle/>
+          <a:p>
+            <a:fld id="{65DFC82C-87F9-41F8-A480-2C5AF52AFFAB}" type="slidenum">
+              <a:rPr lang="en-US" smtClean="0"/>
+              <a:t>20</a:t>
+            </a:fld>
+            <a:endParaRPr lang="en-US"/>
+          </a:p>
+        </p:txBody>
+      </p:sp>
+    </p:spTree>
+    <p:extLst>
+      <p:ext uri="{BB962C8B-B14F-4D97-AF65-F5344CB8AC3E}">
+        <p14:creationId xmlns:p14="http://schemas.microsoft.com/office/powerpoint/2010/main" val="2698632155"/>
+      </p:ext>
+    </p:extLst>
+  </p:cSld>
+  <p:clrMapOvr>
+    <a:masterClrMapping/>
+  </p:clrMapOvr>
+</p:notes>
+</file>
+
+<file path=ppt/notesSlides/notesSlide12.xml><?xml version="1.0" encoding="utf-8"?>
+<p:notes xmlns:a="http://schemas.openxmlformats.org/drawingml/2006/main" xmlns:r="http://schemas.openxmlformats.org/officeDocument/2006/relationships" xmlns:p="http://schemas.openxmlformats.org/presentationml/2006/main">
+  <p:cSld>
+    <p:spTree>
+      <p:nvGrpSpPr>
+        <p:cNvPr id="1" name=""/>
+        <p:cNvGrpSpPr/>
+        <p:nvPr/>
+      </p:nvGrpSpPr>
+      <p:grpSpPr>
+        <a:xfrm>
+          <a:off x="0" y="0"/>
+          <a:ext cx="0" cy="0"/>
+          <a:chOff x="0" y="0"/>
+          <a:chExt cx="0" cy="0"/>
+        </a:xfrm>
+      </p:grpSpPr>
+      <p:sp>
+        <p:nvSpPr>
+          <p:cNvPr id="2" name="Slide Image Placeholder 1"/>
+          <p:cNvSpPr>
+            <a:spLocks noGrp="1" noRot="1" noChangeAspect="1"/>
+          </p:cNvSpPr>
+          <p:nvPr>
+            <p:ph type="sldImg"/>
+          </p:nvPr>
+        </p:nvSpPr>
+        <p:spPr/>
+      </p:sp>
+      <p:sp>
+        <p:nvSpPr>
+          <p:cNvPr id="3" name="Notes Placeholder 2"/>
+          <p:cNvSpPr>
+            <a:spLocks noGrp="1"/>
+          </p:cNvSpPr>
+          <p:nvPr>
+            <p:ph type="body" idx="1"/>
+          </p:nvPr>
+        </p:nvSpPr>
+        <p:spPr/>
+        <p:txBody>
+          <a:bodyPr/>
+          <a:lstStyle/>
+          <a:p>
+            <a:r>
+              <a:rPr lang="en-US" dirty="0" smtClean="0"/>
+              <a:t>https://getbootstrap.com/docs/4.1/components/alerts/</a:t>
+            </a:r>
+            <a:endParaRPr lang="en-US" dirty="0"/>
+          </a:p>
+        </p:txBody>
+      </p:sp>
+      <p:sp>
+        <p:nvSpPr>
+          <p:cNvPr id="4" name="Slide Number Placeholder 3"/>
+          <p:cNvSpPr>
+            <a:spLocks noGrp="1"/>
+          </p:cNvSpPr>
+          <p:nvPr>
+            <p:ph type="sldNum" sz="quarter" idx="10"/>
+          </p:nvPr>
+        </p:nvSpPr>
+        <p:spPr/>
+        <p:txBody>
+          <a:bodyPr/>
+          <a:lstStyle/>
+          <a:p>
+            <a:fld id="{65DFC82C-87F9-41F8-A480-2C5AF52AFFAB}" type="slidenum">
+              <a:rPr lang="en-US" smtClean="0"/>
+              <a:t>24</a:t>
+            </a:fld>
+            <a:endParaRPr lang="en-US"/>
+          </a:p>
+        </p:txBody>
+      </p:sp>
+    </p:spTree>
+    <p:extLst>
+      <p:ext uri="{BB962C8B-B14F-4D97-AF65-F5344CB8AC3E}">
+        <p14:creationId xmlns:p14="http://schemas.microsoft.com/office/powerpoint/2010/main" val="2391055825"/>
       </p:ext>
     </p:extLst>
   </p:cSld>
@@ -628,7 +912,7 @@
           <a:p>
             <a:fld id="{65DFC82C-87F9-41F8-A480-2C5AF52AFFAB}" type="slidenum">
               <a:rPr lang="en-US" smtClean="0"/>
-              <a:t>8</a:t>
+              <a:t>7</a:t>
             </a:fld>
             <a:endParaRPr lang="en-US"/>
           </a:p>
@@ -637,7 +921,7 @@
     </p:spTree>
     <p:extLst>
       <p:ext uri="{BB962C8B-B14F-4D97-AF65-F5344CB8AC3E}">
-        <p14:creationId xmlns:p14="http://schemas.microsoft.com/office/powerpoint/2010/main" val="2137479534"/>
+        <p14:creationId xmlns:p14="http://schemas.microsoft.com/office/powerpoint/2010/main" val="1812005017"/>
       </p:ext>
     </p:extLst>
   </p:cSld>
@@ -712,6 +996,90 @@
           <a:p>
             <a:fld id="{65DFC82C-87F9-41F8-A480-2C5AF52AFFAB}" type="slidenum">
               <a:rPr lang="en-US" smtClean="0"/>
+              <a:t>8</a:t>
+            </a:fld>
+            <a:endParaRPr lang="en-US"/>
+          </a:p>
+        </p:txBody>
+      </p:sp>
+    </p:spTree>
+    <p:extLst>
+      <p:ext uri="{BB962C8B-B14F-4D97-AF65-F5344CB8AC3E}">
+        <p14:creationId xmlns:p14="http://schemas.microsoft.com/office/powerpoint/2010/main" val="3711088998"/>
+      </p:ext>
+    </p:extLst>
+  </p:cSld>
+  <p:clrMapOvr>
+    <a:masterClrMapping/>
+  </p:clrMapOvr>
+</p:notes>
+</file>
+
+<file path=ppt/notesSlides/notesSlide4.xml><?xml version="1.0" encoding="utf-8"?>
+<p:notes xmlns:a="http://schemas.openxmlformats.org/drawingml/2006/main" xmlns:r="http://schemas.openxmlformats.org/officeDocument/2006/relationships" xmlns:p="http://schemas.openxmlformats.org/presentationml/2006/main">
+  <p:cSld>
+    <p:spTree>
+      <p:nvGrpSpPr>
+        <p:cNvPr id="1" name=""/>
+        <p:cNvGrpSpPr/>
+        <p:nvPr/>
+      </p:nvGrpSpPr>
+      <p:grpSpPr>
+        <a:xfrm>
+          <a:off x="0" y="0"/>
+          <a:ext cx="0" cy="0"/>
+          <a:chOff x="0" y="0"/>
+          <a:chExt cx="0" cy="0"/>
+        </a:xfrm>
+      </p:grpSpPr>
+      <p:sp>
+        <p:nvSpPr>
+          <p:cNvPr id="2" name="Slide Image Placeholder 1"/>
+          <p:cNvSpPr>
+            <a:spLocks noGrp="1" noRot="1" noChangeAspect="1"/>
+          </p:cNvSpPr>
+          <p:nvPr>
+            <p:ph type="sldImg"/>
+          </p:nvPr>
+        </p:nvSpPr>
+        <p:spPr/>
+      </p:sp>
+      <p:sp>
+        <p:nvSpPr>
+          <p:cNvPr id="3" name="Notes Placeholder 2"/>
+          <p:cNvSpPr>
+            <a:spLocks noGrp="1"/>
+          </p:cNvSpPr>
+          <p:nvPr>
+            <p:ph type="body" idx="1"/>
+          </p:nvPr>
+        </p:nvSpPr>
+        <p:spPr/>
+        <p:txBody>
+          <a:bodyPr/>
+          <a:lstStyle/>
+          <a:p>
+            <a:endParaRPr lang="en-US" dirty="0"/>
+          </a:p>
+        </p:txBody>
+      </p:sp>
+      <p:sp>
+        <p:nvSpPr>
+          <p:cNvPr id="4" name="Slide Number Placeholder 3"/>
+          <p:cNvSpPr>
+            <a:spLocks noGrp="1"/>
+          </p:cNvSpPr>
+          <p:nvPr>
+            <p:ph type="sldNum" sz="quarter" idx="10"/>
+          </p:nvPr>
+        </p:nvSpPr>
+        <p:spPr/>
+        <p:txBody>
+          <a:bodyPr/>
+          <a:lstStyle/>
+          <a:p>
+            <a:fld id="{65DFC82C-87F9-41F8-A480-2C5AF52AFFAB}" type="slidenum">
+              <a:rPr lang="en-US" smtClean="0"/>
               <a:t>9</a:t>
             </a:fld>
             <a:endParaRPr lang="en-US"/>
@@ -721,7 +1089,427 @@
     </p:spTree>
     <p:extLst>
       <p:ext uri="{BB962C8B-B14F-4D97-AF65-F5344CB8AC3E}">
-        <p14:creationId xmlns:p14="http://schemas.microsoft.com/office/powerpoint/2010/main" val="2698632155"/>
+        <p14:creationId xmlns:p14="http://schemas.microsoft.com/office/powerpoint/2010/main" val="1456580661"/>
+      </p:ext>
+    </p:extLst>
+  </p:cSld>
+  <p:clrMapOvr>
+    <a:masterClrMapping/>
+  </p:clrMapOvr>
+</p:notes>
+</file>
+
+<file path=ppt/notesSlides/notesSlide5.xml><?xml version="1.0" encoding="utf-8"?>
+<p:notes xmlns:a="http://schemas.openxmlformats.org/drawingml/2006/main" xmlns:r="http://schemas.openxmlformats.org/officeDocument/2006/relationships" xmlns:p="http://schemas.openxmlformats.org/presentationml/2006/main">
+  <p:cSld>
+    <p:spTree>
+      <p:nvGrpSpPr>
+        <p:cNvPr id="1" name=""/>
+        <p:cNvGrpSpPr/>
+        <p:nvPr/>
+      </p:nvGrpSpPr>
+      <p:grpSpPr>
+        <a:xfrm>
+          <a:off x="0" y="0"/>
+          <a:ext cx="0" cy="0"/>
+          <a:chOff x="0" y="0"/>
+          <a:chExt cx="0" cy="0"/>
+        </a:xfrm>
+      </p:grpSpPr>
+      <p:sp>
+        <p:nvSpPr>
+          <p:cNvPr id="2" name="Slide Image Placeholder 1"/>
+          <p:cNvSpPr>
+            <a:spLocks noGrp="1" noRot="1" noChangeAspect="1"/>
+          </p:cNvSpPr>
+          <p:nvPr>
+            <p:ph type="sldImg"/>
+          </p:nvPr>
+        </p:nvSpPr>
+        <p:spPr/>
+      </p:sp>
+      <p:sp>
+        <p:nvSpPr>
+          <p:cNvPr id="3" name="Notes Placeholder 2"/>
+          <p:cNvSpPr>
+            <a:spLocks noGrp="1"/>
+          </p:cNvSpPr>
+          <p:nvPr>
+            <p:ph type="body" idx="1"/>
+          </p:nvPr>
+        </p:nvSpPr>
+        <p:spPr/>
+        <p:txBody>
+          <a:bodyPr/>
+          <a:lstStyle/>
+          <a:p>
+            <a:endParaRPr lang="en-US" dirty="0"/>
+          </a:p>
+        </p:txBody>
+      </p:sp>
+      <p:sp>
+        <p:nvSpPr>
+          <p:cNvPr id="4" name="Slide Number Placeholder 3"/>
+          <p:cNvSpPr>
+            <a:spLocks noGrp="1"/>
+          </p:cNvSpPr>
+          <p:nvPr>
+            <p:ph type="sldNum" sz="quarter" idx="10"/>
+          </p:nvPr>
+        </p:nvSpPr>
+        <p:spPr/>
+        <p:txBody>
+          <a:bodyPr/>
+          <a:lstStyle/>
+          <a:p>
+            <a:fld id="{65DFC82C-87F9-41F8-A480-2C5AF52AFFAB}" type="slidenum">
+              <a:rPr lang="en-US" smtClean="0"/>
+              <a:t>10</a:t>
+            </a:fld>
+            <a:endParaRPr lang="en-US"/>
+          </a:p>
+        </p:txBody>
+      </p:sp>
+    </p:spTree>
+    <p:extLst>
+      <p:ext uri="{BB962C8B-B14F-4D97-AF65-F5344CB8AC3E}">
+        <p14:creationId xmlns:p14="http://schemas.microsoft.com/office/powerpoint/2010/main" val="839769958"/>
+      </p:ext>
+    </p:extLst>
+  </p:cSld>
+  <p:clrMapOvr>
+    <a:masterClrMapping/>
+  </p:clrMapOvr>
+</p:notes>
+</file>
+
+<file path=ppt/notesSlides/notesSlide6.xml><?xml version="1.0" encoding="utf-8"?>
+<p:notes xmlns:a="http://schemas.openxmlformats.org/drawingml/2006/main" xmlns:r="http://schemas.openxmlformats.org/officeDocument/2006/relationships" xmlns:p="http://schemas.openxmlformats.org/presentationml/2006/main">
+  <p:cSld>
+    <p:spTree>
+      <p:nvGrpSpPr>
+        <p:cNvPr id="1" name=""/>
+        <p:cNvGrpSpPr/>
+        <p:nvPr/>
+      </p:nvGrpSpPr>
+      <p:grpSpPr>
+        <a:xfrm>
+          <a:off x="0" y="0"/>
+          <a:ext cx="0" cy="0"/>
+          <a:chOff x="0" y="0"/>
+          <a:chExt cx="0" cy="0"/>
+        </a:xfrm>
+      </p:grpSpPr>
+      <p:sp>
+        <p:nvSpPr>
+          <p:cNvPr id="2" name="Slide Image Placeholder 1"/>
+          <p:cNvSpPr>
+            <a:spLocks noGrp="1" noRot="1" noChangeAspect="1"/>
+          </p:cNvSpPr>
+          <p:nvPr>
+            <p:ph type="sldImg"/>
+          </p:nvPr>
+        </p:nvSpPr>
+        <p:spPr/>
+      </p:sp>
+      <p:sp>
+        <p:nvSpPr>
+          <p:cNvPr id="3" name="Notes Placeholder 2"/>
+          <p:cNvSpPr>
+            <a:spLocks noGrp="1"/>
+          </p:cNvSpPr>
+          <p:nvPr>
+            <p:ph type="body" idx="1"/>
+          </p:nvPr>
+        </p:nvSpPr>
+        <p:spPr/>
+        <p:txBody>
+          <a:bodyPr/>
+          <a:lstStyle/>
+          <a:p>
+            <a:endParaRPr lang="en-US" dirty="0"/>
+          </a:p>
+        </p:txBody>
+      </p:sp>
+      <p:sp>
+        <p:nvSpPr>
+          <p:cNvPr id="4" name="Slide Number Placeholder 3"/>
+          <p:cNvSpPr>
+            <a:spLocks noGrp="1"/>
+          </p:cNvSpPr>
+          <p:nvPr>
+            <p:ph type="sldNum" sz="quarter" idx="10"/>
+          </p:nvPr>
+        </p:nvSpPr>
+        <p:spPr/>
+        <p:txBody>
+          <a:bodyPr/>
+          <a:lstStyle/>
+          <a:p>
+            <a:fld id="{65DFC82C-87F9-41F8-A480-2C5AF52AFFAB}" type="slidenum">
+              <a:rPr lang="en-US" smtClean="0"/>
+              <a:t>11</a:t>
+            </a:fld>
+            <a:endParaRPr lang="en-US"/>
+          </a:p>
+        </p:txBody>
+      </p:sp>
+    </p:spTree>
+    <p:extLst>
+      <p:ext uri="{BB962C8B-B14F-4D97-AF65-F5344CB8AC3E}">
+        <p14:creationId xmlns:p14="http://schemas.microsoft.com/office/powerpoint/2010/main" val="1729691877"/>
+      </p:ext>
+    </p:extLst>
+  </p:cSld>
+  <p:clrMapOvr>
+    <a:masterClrMapping/>
+  </p:clrMapOvr>
+</p:notes>
+</file>
+
+<file path=ppt/notesSlides/notesSlide7.xml><?xml version="1.0" encoding="utf-8"?>
+<p:notes xmlns:a="http://schemas.openxmlformats.org/drawingml/2006/main" xmlns:r="http://schemas.openxmlformats.org/officeDocument/2006/relationships" xmlns:p="http://schemas.openxmlformats.org/presentationml/2006/main">
+  <p:cSld>
+    <p:spTree>
+      <p:nvGrpSpPr>
+        <p:cNvPr id="1" name=""/>
+        <p:cNvGrpSpPr/>
+        <p:nvPr/>
+      </p:nvGrpSpPr>
+      <p:grpSpPr>
+        <a:xfrm>
+          <a:off x="0" y="0"/>
+          <a:ext cx="0" cy="0"/>
+          <a:chOff x="0" y="0"/>
+          <a:chExt cx="0" cy="0"/>
+        </a:xfrm>
+      </p:grpSpPr>
+      <p:sp>
+        <p:nvSpPr>
+          <p:cNvPr id="2" name="Slide Image Placeholder 1"/>
+          <p:cNvSpPr>
+            <a:spLocks noGrp="1" noRot="1" noChangeAspect="1"/>
+          </p:cNvSpPr>
+          <p:nvPr>
+            <p:ph type="sldImg"/>
+          </p:nvPr>
+        </p:nvSpPr>
+        <p:spPr/>
+      </p:sp>
+      <p:sp>
+        <p:nvSpPr>
+          <p:cNvPr id="3" name="Notes Placeholder 2"/>
+          <p:cNvSpPr>
+            <a:spLocks noGrp="1"/>
+          </p:cNvSpPr>
+          <p:nvPr>
+            <p:ph type="body" idx="1"/>
+          </p:nvPr>
+        </p:nvSpPr>
+        <p:spPr/>
+        <p:txBody>
+          <a:bodyPr/>
+          <a:lstStyle/>
+          <a:p>
+            <a:endParaRPr lang="en-US" dirty="0"/>
+          </a:p>
+        </p:txBody>
+      </p:sp>
+      <p:sp>
+        <p:nvSpPr>
+          <p:cNvPr id="4" name="Slide Number Placeholder 3"/>
+          <p:cNvSpPr>
+            <a:spLocks noGrp="1"/>
+          </p:cNvSpPr>
+          <p:nvPr>
+            <p:ph type="sldNum" sz="quarter" idx="10"/>
+          </p:nvPr>
+        </p:nvSpPr>
+        <p:spPr/>
+        <p:txBody>
+          <a:bodyPr/>
+          <a:lstStyle/>
+          <a:p>
+            <a:fld id="{65DFC82C-87F9-41F8-A480-2C5AF52AFFAB}" type="slidenum">
+              <a:rPr lang="en-US" smtClean="0"/>
+              <a:t>12</a:t>
+            </a:fld>
+            <a:endParaRPr lang="en-US"/>
+          </a:p>
+        </p:txBody>
+      </p:sp>
+    </p:spTree>
+    <p:extLst>
+      <p:ext uri="{BB962C8B-B14F-4D97-AF65-F5344CB8AC3E}">
+        <p14:creationId xmlns:p14="http://schemas.microsoft.com/office/powerpoint/2010/main" val="4071516312"/>
+      </p:ext>
+    </p:extLst>
+  </p:cSld>
+  <p:clrMapOvr>
+    <a:masterClrMapping/>
+  </p:clrMapOvr>
+</p:notes>
+</file>
+
+<file path=ppt/notesSlides/notesSlide8.xml><?xml version="1.0" encoding="utf-8"?>
+<p:notes xmlns:a="http://schemas.openxmlformats.org/drawingml/2006/main" xmlns:r="http://schemas.openxmlformats.org/officeDocument/2006/relationships" xmlns:p="http://schemas.openxmlformats.org/presentationml/2006/main">
+  <p:cSld>
+    <p:spTree>
+      <p:nvGrpSpPr>
+        <p:cNvPr id="1" name=""/>
+        <p:cNvGrpSpPr/>
+        <p:nvPr/>
+      </p:nvGrpSpPr>
+      <p:grpSpPr>
+        <a:xfrm>
+          <a:off x="0" y="0"/>
+          <a:ext cx="0" cy="0"/>
+          <a:chOff x="0" y="0"/>
+          <a:chExt cx="0" cy="0"/>
+        </a:xfrm>
+      </p:grpSpPr>
+      <p:sp>
+        <p:nvSpPr>
+          <p:cNvPr id="2" name="Slide Image Placeholder 1"/>
+          <p:cNvSpPr>
+            <a:spLocks noGrp="1" noRot="1" noChangeAspect="1"/>
+          </p:cNvSpPr>
+          <p:nvPr>
+            <p:ph type="sldImg"/>
+          </p:nvPr>
+        </p:nvSpPr>
+        <p:spPr/>
+      </p:sp>
+      <p:sp>
+        <p:nvSpPr>
+          <p:cNvPr id="3" name="Notes Placeholder 2"/>
+          <p:cNvSpPr>
+            <a:spLocks noGrp="1"/>
+          </p:cNvSpPr>
+          <p:nvPr>
+            <p:ph type="body" idx="1"/>
+          </p:nvPr>
+        </p:nvSpPr>
+        <p:spPr/>
+        <p:txBody>
+          <a:bodyPr/>
+          <a:lstStyle/>
+          <a:p>
+            <a:endParaRPr lang="en-US" dirty="0"/>
+          </a:p>
+        </p:txBody>
+      </p:sp>
+      <p:sp>
+        <p:nvSpPr>
+          <p:cNvPr id="4" name="Slide Number Placeholder 3"/>
+          <p:cNvSpPr>
+            <a:spLocks noGrp="1"/>
+          </p:cNvSpPr>
+          <p:nvPr>
+            <p:ph type="sldNum" sz="quarter" idx="10"/>
+          </p:nvPr>
+        </p:nvSpPr>
+        <p:spPr/>
+        <p:txBody>
+          <a:bodyPr/>
+          <a:lstStyle/>
+          <a:p>
+            <a:fld id="{65DFC82C-87F9-41F8-A480-2C5AF52AFFAB}" type="slidenum">
+              <a:rPr lang="en-US" smtClean="0"/>
+              <a:t>13</a:t>
+            </a:fld>
+            <a:endParaRPr lang="en-US"/>
+          </a:p>
+        </p:txBody>
+      </p:sp>
+    </p:spTree>
+    <p:extLst>
+      <p:ext uri="{BB962C8B-B14F-4D97-AF65-F5344CB8AC3E}">
+        <p14:creationId xmlns:p14="http://schemas.microsoft.com/office/powerpoint/2010/main" val="2639090533"/>
+      </p:ext>
+    </p:extLst>
+  </p:cSld>
+  <p:clrMapOvr>
+    <a:masterClrMapping/>
+  </p:clrMapOvr>
+</p:notes>
+</file>
+
+<file path=ppt/notesSlides/notesSlide9.xml><?xml version="1.0" encoding="utf-8"?>
+<p:notes xmlns:a="http://schemas.openxmlformats.org/drawingml/2006/main" xmlns:r="http://schemas.openxmlformats.org/officeDocument/2006/relationships" xmlns:p="http://schemas.openxmlformats.org/presentationml/2006/main">
+  <p:cSld>
+    <p:spTree>
+      <p:nvGrpSpPr>
+        <p:cNvPr id="1" name=""/>
+        <p:cNvGrpSpPr/>
+        <p:nvPr/>
+      </p:nvGrpSpPr>
+      <p:grpSpPr>
+        <a:xfrm>
+          <a:off x="0" y="0"/>
+          <a:ext cx="0" cy="0"/>
+          <a:chOff x="0" y="0"/>
+          <a:chExt cx="0" cy="0"/>
+        </a:xfrm>
+      </p:grpSpPr>
+      <p:sp>
+        <p:nvSpPr>
+          <p:cNvPr id="2" name="Slide Image Placeholder 1"/>
+          <p:cNvSpPr>
+            <a:spLocks noGrp="1" noRot="1" noChangeAspect="1"/>
+          </p:cNvSpPr>
+          <p:nvPr>
+            <p:ph type="sldImg"/>
+          </p:nvPr>
+        </p:nvSpPr>
+        <p:spPr/>
+      </p:sp>
+      <p:sp>
+        <p:nvSpPr>
+          <p:cNvPr id="3" name="Notes Placeholder 2"/>
+          <p:cNvSpPr>
+            <a:spLocks noGrp="1"/>
+          </p:cNvSpPr>
+          <p:nvPr>
+            <p:ph type="body" idx="1"/>
+          </p:nvPr>
+        </p:nvSpPr>
+        <p:spPr/>
+        <p:txBody>
+          <a:bodyPr/>
+          <a:lstStyle/>
+          <a:p>
+            <a:endParaRPr lang="en-US" dirty="0"/>
+          </a:p>
+        </p:txBody>
+      </p:sp>
+      <p:sp>
+        <p:nvSpPr>
+          <p:cNvPr id="4" name="Slide Number Placeholder 3"/>
+          <p:cNvSpPr>
+            <a:spLocks noGrp="1"/>
+          </p:cNvSpPr>
+          <p:nvPr>
+            <p:ph type="sldNum" sz="quarter" idx="10"/>
+          </p:nvPr>
+        </p:nvSpPr>
+        <p:spPr/>
+        <p:txBody>
+          <a:bodyPr/>
+          <a:lstStyle/>
+          <a:p>
+            <a:fld id="{65DFC82C-87F9-41F8-A480-2C5AF52AFFAB}" type="slidenum">
+              <a:rPr lang="en-US" smtClean="0"/>
+              <a:t>17</a:t>
+            </a:fld>
+            <a:endParaRPr lang="en-US"/>
+          </a:p>
+        </p:txBody>
+      </p:sp>
+    </p:spTree>
+    <p:extLst>
+      <p:ext uri="{BB962C8B-B14F-4D97-AF65-F5344CB8AC3E}">
+        <p14:creationId xmlns:p14="http://schemas.microsoft.com/office/powerpoint/2010/main" val="3592952039"/>
       </p:ext>
     </p:extLst>
   </p:cSld>
@@ -1453,7 +2241,7 @@
           <a:p>
             <a:fld id="{BD009991-B5D6-40FE-9A45-EBA227CD7593}" type="datetime1">
               <a:rPr lang="en-US" smtClean="0"/>
-              <a:t>06/19/2018</a:t>
+              <a:t>6/26/2018</a:t>
             </a:fld>
             <a:endParaRPr lang="en-US" dirty="0"/>
           </a:p>
@@ -1704,7 +2492,7 @@
           <a:p>
             <a:fld id="{F7BA26F7-3C3F-4B2A-AAD1-25A93F495B78}" type="datetime1">
               <a:rPr lang="en-US" smtClean="0"/>
-              <a:t>06/19/2018</a:t>
+              <a:t>6/26/2018</a:t>
             </a:fld>
             <a:endParaRPr lang="en-US" dirty="0"/>
           </a:p>
@@ -2018,7 +2806,7 @@
           <a:p>
             <a:fld id="{502E7AB9-3574-49A4-90F4-429665A408F7}" type="datetime1">
               <a:rPr lang="en-US" smtClean="0"/>
-              <a:t>06/19/2018</a:t>
+              <a:t>6/26/2018</a:t>
             </a:fld>
             <a:endParaRPr lang="en-US" dirty="0"/>
           </a:p>
@@ -2359,7 +3147,7 @@
           <a:p>
             <a:fld id="{3791B82C-8C56-4164-B440-1AA5395834E5}" type="datetime1">
               <a:rPr lang="en-US" smtClean="0"/>
-              <a:t>06/19/2018</a:t>
+              <a:t>6/26/2018</a:t>
             </a:fld>
             <a:endParaRPr lang="en-US" dirty="0"/>
           </a:p>
@@ -2673,7 +3461,7 @@
           <a:p>
             <a:fld id="{6B306136-D193-421F-ABC5-0532813BB8DB}" type="datetime1">
               <a:rPr lang="en-US" smtClean="0"/>
-              <a:t>06/19/2018</a:t>
+              <a:t>6/26/2018</a:t>
             </a:fld>
             <a:endParaRPr lang="en-US" dirty="0"/>
           </a:p>
@@ -3066,7 +3854,7 @@
           <a:p>
             <a:fld id="{ED7F2B0B-0628-4CDE-985A-01D539FCE190}" type="datetime1">
               <a:rPr lang="en-US" smtClean="0"/>
-              <a:t>06/19/2018</a:t>
+              <a:t>6/26/2018</a:t>
             </a:fld>
             <a:endParaRPr lang="en-US" dirty="0"/>
           </a:p>
@@ -3236,7 +4024,7 @@
           <a:p>
             <a:fld id="{27544179-3B15-484B-A89A-BEE1483D0D1D}" type="datetime1">
               <a:rPr lang="en-US" smtClean="0"/>
-              <a:t>06/19/2018</a:t>
+              <a:t>6/26/2018</a:t>
             </a:fld>
             <a:endParaRPr lang="en-US" dirty="0"/>
           </a:p>
@@ -3415,7 +4203,7 @@
           <a:p>
             <a:fld id="{437E8C1C-21DD-4DB2-8191-E5517AAD3AAE}" type="datetime1">
               <a:rPr lang="en-US" smtClean="0"/>
-              <a:t>06/19/2018</a:t>
+              <a:t>6/26/2018</a:t>
             </a:fld>
             <a:endParaRPr lang="en-US" dirty="0"/>
           </a:p>
@@ -3591,7 +4379,7 @@
           <a:p>
             <a:fld id="{1D7F3FF3-63B5-4634-858F-08B5FE360033}" type="datetime1">
               <a:rPr lang="en-US" smtClean="0"/>
-              <a:t>06/19/2018</a:t>
+              <a:t>6/26/2018</a:t>
             </a:fld>
             <a:endParaRPr lang="en-US" dirty="0"/>
           </a:p>
@@ -3838,7 +4626,7 @@
           <a:p>
             <a:fld id="{29950EFF-D3A8-40B1-BCA2-B1CD9D9C1CD9}" type="datetime1">
               <a:rPr lang="en-US" smtClean="0"/>
-              <a:t>06/19/2018</a:t>
+              <a:t>6/26/2018</a:t>
             </a:fld>
             <a:endParaRPr lang="en-US" dirty="0"/>
           </a:p>
@@ -4070,7 +4858,7 @@
           <a:p>
             <a:fld id="{2C76E5A7-D182-43EB-ACD3-AA786DC81645}" type="datetime1">
               <a:rPr lang="en-US" smtClean="0"/>
-              <a:t>06/19/2018</a:t>
+              <a:t>6/26/2018</a:t>
             </a:fld>
             <a:endParaRPr lang="en-US" dirty="0"/>
           </a:p>
@@ -4443,7 +5231,7 @@
           <a:p>
             <a:fld id="{A91BBDE1-852E-429E-9819-D2183F6B778B}" type="datetime1">
               <a:rPr lang="en-US" smtClean="0"/>
-              <a:t>06/19/2018</a:t>
+              <a:t>6/26/2018</a:t>
             </a:fld>
             <a:endParaRPr lang="en-US" dirty="0"/>
           </a:p>
@@ -4566,7 +5354,7 @@
           <a:p>
             <a:fld id="{DDB86CC2-2C18-4C8E-B909-E324CA98FF70}" type="datetime1">
               <a:rPr lang="en-US" smtClean="0"/>
-              <a:t>06/19/2018</a:t>
+              <a:t>6/26/2018</a:t>
             </a:fld>
             <a:endParaRPr lang="en-US" dirty="0"/>
           </a:p>
@@ -4661,7 +5449,7 @@
           <a:p>
             <a:fld id="{633D3FAE-4295-4353-B492-CBDF570D14E7}" type="datetime1">
               <a:rPr lang="en-US" smtClean="0"/>
-              <a:t>06/19/2018</a:t>
+              <a:t>6/26/2018</a:t>
             </a:fld>
             <a:endParaRPr lang="en-US" dirty="0"/>
           </a:p>
@@ -4916,7 +5704,7 @@
           <a:p>
             <a:fld id="{3E43134D-B4CF-4AB8-A9B9-CBDBBA891CE6}" type="datetime1">
               <a:rPr lang="en-US" smtClean="0"/>
-              <a:t>06/19/2018</a:t>
+              <a:t>6/26/2018</a:t>
             </a:fld>
             <a:endParaRPr lang="en-US" dirty="0"/>
           </a:p>
@@ -5178,7 +5966,7 @@
           <a:p>
             <a:fld id="{BE178F9B-FF54-4A17-8B6F-ADD3305A4FBE}" type="datetime1">
               <a:rPr lang="en-US" smtClean="0"/>
-              <a:t>06/19/2018</a:t>
+              <a:t>6/26/2018</a:t>
             </a:fld>
             <a:endParaRPr lang="en-US" dirty="0"/>
           </a:p>
@@ -5921,7 +6709,7 @@
           <a:p>
             <a:fld id="{528BC001-357F-4853-ADC8-B09E5930662B}" type="datetime1">
               <a:rPr lang="en-US" smtClean="0"/>
-              <a:t>06/19/2018</a:t>
+              <a:t>6/26/2018</a:t>
             </a:fld>
             <a:endParaRPr lang="en-US" dirty="0"/>
           </a:p>
@@ -6451,7 +7239,7 @@
           <p:cNvPr id="2" name="Title 1">
             <a:extLst>
               <a:ext uri="{FF2B5EF4-FFF2-40B4-BE49-F238E27FC236}">
-                <a16:creationId xmlns:a16="http://schemas.microsoft.com/office/drawing/2014/main" id="{03D8B156-6E02-49BA-BE7B-D198A47CB93F}"/>
+                <a16:creationId xmlns:a16="http://schemas.microsoft.com/office/drawing/2014/main" xmlns="" id="{03D8B156-6E02-49BA-BE7B-D198A47CB93F}"/>
               </a:ext>
             </a:extLst>
           </p:cNvPr>
@@ -6479,7 +7267,7 @@
           <p:cNvPr id="3" name="Subtitle 2">
             <a:extLst>
               <a:ext uri="{FF2B5EF4-FFF2-40B4-BE49-F238E27FC236}">
-                <a16:creationId xmlns:a16="http://schemas.microsoft.com/office/drawing/2014/main" id="{48F1398D-A76E-4B98-9A07-0D061FBD0BF8}"/>
+                <a16:creationId xmlns:a16="http://schemas.microsoft.com/office/drawing/2014/main" xmlns="" id="{48F1398D-A76E-4B98-9A07-0D061FBD0BF8}"/>
               </a:ext>
             </a:extLst>
           </p:cNvPr>
@@ -6501,35 +7289,6 @@
               <a:rPr lang="en-US" sz="2200" dirty="0"/>
               <a:t>Mai Anh Phuong – June 2018</a:t>
             </a:r>
-          </a:p>
-        </p:txBody>
-      </p:sp>
-      <p:sp>
-        <p:nvSpPr>
-          <p:cNvPr id="4" name="Footer Placeholder 3">
-            <a:extLst>
-              <a:ext uri="{FF2B5EF4-FFF2-40B4-BE49-F238E27FC236}">
-                <a16:creationId xmlns:a16="http://schemas.microsoft.com/office/drawing/2014/main" id="{D1BC191F-24AE-4CDF-8C5A-747C89466032}"/>
-              </a:ext>
-            </a:extLst>
-          </p:cNvPr>
-          <p:cNvSpPr>
-            <a:spLocks noGrp="1"/>
-          </p:cNvSpPr>
-          <p:nvPr>
-            <p:ph type="ftr" sz="quarter" idx="11"/>
-          </p:nvPr>
-        </p:nvSpPr>
-        <p:spPr/>
-        <p:txBody>
-          <a:bodyPr/>
-          <a:lstStyle/>
-          <a:p>
-            <a:r>
-              <a:rPr lang="en-US"/>
-              <a:t>Lecturer: Mai Anh Phuong</a:t>
-            </a:r>
-            <a:endParaRPr lang="en-US" dirty="0"/>
           </a:p>
         </p:txBody>
       </p:sp>
@@ -6547,6 +7306,255 @@
 </file>
 
 <file path=ppt/slides/slide10.xml><?xml version="1.0" encoding="utf-8"?>
+<p:sld xmlns:a="http://schemas.openxmlformats.org/drawingml/2006/main" xmlns:r="http://schemas.openxmlformats.org/officeDocument/2006/relationships" xmlns:p="http://schemas.openxmlformats.org/presentationml/2006/main">
+  <p:cSld>
+    <p:spTree>
+      <p:nvGrpSpPr>
+        <p:cNvPr id="1" name=""/>
+        <p:cNvGrpSpPr/>
+        <p:nvPr/>
+      </p:nvGrpSpPr>
+      <p:grpSpPr>
+        <a:xfrm>
+          <a:off x="0" y="0"/>
+          <a:ext cx="0" cy="0"/>
+          <a:chOff x="0" y="0"/>
+          <a:chExt cx="0" cy="0"/>
+        </a:xfrm>
+      </p:grpSpPr>
+      <p:sp>
+        <p:nvSpPr>
+          <p:cNvPr id="4" name="Footer Placeholder 3">
+            <a:extLst>
+              <a:ext uri="{FF2B5EF4-FFF2-40B4-BE49-F238E27FC236}">
+                <a16:creationId xmlns:a16="http://schemas.microsoft.com/office/drawing/2014/main" xmlns="" id="{58067873-E821-413C-A873-01CC7AF6309D}"/>
+              </a:ext>
+            </a:extLst>
+          </p:cNvPr>
+          <p:cNvSpPr>
+            <a:spLocks noGrp="1"/>
+          </p:cNvSpPr>
+          <p:nvPr>
+            <p:ph type="ftr" sz="quarter" idx="11"/>
+          </p:nvPr>
+        </p:nvSpPr>
+        <p:spPr>
+          <a:xfrm>
+            <a:off x="677334" y="6502682"/>
+            <a:ext cx="6297612" cy="365125"/>
+          </a:xfrm>
+        </p:spPr>
+        <p:txBody>
+          <a:bodyPr/>
+          <a:lstStyle/>
+          <a:p>
+            <a:r>
+              <a:rPr lang="en-US" dirty="0"/>
+              <a:t>Lecturer: Mai Anh Phuong</a:t>
+            </a:r>
+          </a:p>
+        </p:txBody>
+      </p:sp>
+      <p:pic>
+        <p:nvPicPr>
+          <p:cNvPr id="7" name="Picture 6"/>
+          <p:cNvPicPr>
+            <a:picLocks noChangeAspect="1"/>
+          </p:cNvPicPr>
+          <p:nvPr/>
+        </p:nvPicPr>
+        <p:blipFill>
+          <a:blip r:embed="rId3"/>
+          <a:stretch>
+            <a:fillRect/>
+          </a:stretch>
+        </p:blipFill>
+        <p:spPr>
+          <a:xfrm>
+            <a:off x="292989" y="143030"/>
+            <a:ext cx="8972550" cy="6286500"/>
+          </a:xfrm>
+          <a:prstGeom prst="rect">
+            <a:avLst/>
+          </a:prstGeom>
+        </p:spPr>
+      </p:pic>
+    </p:spTree>
+    <p:extLst>
+      <p:ext uri="{BB962C8B-B14F-4D97-AF65-F5344CB8AC3E}">
+        <p14:creationId xmlns:p14="http://schemas.microsoft.com/office/powerpoint/2010/main" val="166547431"/>
+      </p:ext>
+    </p:extLst>
+  </p:cSld>
+  <p:clrMapOvr>
+    <a:masterClrMapping/>
+  </p:clrMapOvr>
+  <p:timing>
+    <p:tnLst>
+      <p:par>
+        <p:cTn id="1" dur="indefinite" restart="never" nodeType="tmRoot"/>
+      </p:par>
+    </p:tnLst>
+  </p:timing>
+</p:sld>
+</file>
+
+<file path=ppt/slides/slide11.xml><?xml version="1.0" encoding="utf-8"?>
+<p:sld xmlns:a="http://schemas.openxmlformats.org/drawingml/2006/main" xmlns:r="http://schemas.openxmlformats.org/officeDocument/2006/relationships" xmlns:p="http://schemas.openxmlformats.org/presentationml/2006/main">
+  <p:cSld>
+    <p:spTree>
+      <p:nvGrpSpPr>
+        <p:cNvPr id="1" name=""/>
+        <p:cNvGrpSpPr/>
+        <p:nvPr/>
+      </p:nvGrpSpPr>
+      <p:grpSpPr>
+        <a:xfrm>
+          <a:off x="0" y="0"/>
+          <a:ext cx="0" cy="0"/>
+          <a:chOff x="0" y="0"/>
+          <a:chExt cx="0" cy="0"/>
+        </a:xfrm>
+      </p:grpSpPr>
+      <p:sp>
+        <p:nvSpPr>
+          <p:cNvPr id="4" name="Footer Placeholder 3">
+            <a:extLst>
+              <a:ext uri="{FF2B5EF4-FFF2-40B4-BE49-F238E27FC236}">
+                <a16:creationId xmlns:a16="http://schemas.microsoft.com/office/drawing/2014/main" xmlns="" id="{58067873-E821-413C-A873-01CC7AF6309D}"/>
+              </a:ext>
+            </a:extLst>
+          </p:cNvPr>
+          <p:cNvSpPr>
+            <a:spLocks noGrp="1"/>
+          </p:cNvSpPr>
+          <p:nvPr>
+            <p:ph type="ftr" sz="quarter" idx="11"/>
+          </p:nvPr>
+        </p:nvSpPr>
+        <p:spPr>
+          <a:xfrm>
+            <a:off x="677334" y="6502682"/>
+            <a:ext cx="6297612" cy="365125"/>
+          </a:xfrm>
+        </p:spPr>
+        <p:txBody>
+          <a:bodyPr/>
+          <a:lstStyle/>
+          <a:p>
+            <a:r>
+              <a:rPr lang="en-US" dirty="0"/>
+              <a:t>Lecturer: Mai Anh Phuong</a:t>
+            </a:r>
+          </a:p>
+        </p:txBody>
+      </p:sp>
+      <p:pic>
+        <p:nvPicPr>
+          <p:cNvPr id="2" name="Picture 1"/>
+          <p:cNvPicPr>
+            <a:picLocks noChangeAspect="1"/>
+          </p:cNvPicPr>
+          <p:nvPr/>
+        </p:nvPicPr>
+        <p:blipFill>
+          <a:blip r:embed="rId3"/>
+          <a:stretch>
+            <a:fillRect/>
+          </a:stretch>
+        </p:blipFill>
+        <p:spPr>
+          <a:xfrm>
+            <a:off x="292608" y="44732"/>
+            <a:ext cx="8991600" cy="6457950"/>
+          </a:xfrm>
+          <a:prstGeom prst="rect">
+            <a:avLst/>
+          </a:prstGeom>
+        </p:spPr>
+      </p:pic>
+    </p:spTree>
+    <p:extLst>
+      <p:ext uri="{BB962C8B-B14F-4D97-AF65-F5344CB8AC3E}">
+        <p14:creationId xmlns:p14="http://schemas.microsoft.com/office/powerpoint/2010/main" val="1460908793"/>
+      </p:ext>
+    </p:extLst>
+  </p:cSld>
+  <p:clrMapOvr>
+    <a:masterClrMapping/>
+  </p:clrMapOvr>
+  <p:timing>
+    <p:tnLst>
+      <p:par>
+        <p:cTn id="1" dur="indefinite" restart="never" nodeType="tmRoot"/>
+      </p:par>
+    </p:tnLst>
+  </p:timing>
+</p:sld>
+</file>
+
+<file path=ppt/slides/slide12.xml><?xml version="1.0" encoding="utf-8"?>
+<p:sld xmlns:a="http://schemas.openxmlformats.org/drawingml/2006/main" xmlns:r="http://schemas.openxmlformats.org/officeDocument/2006/relationships" xmlns:p="http://schemas.openxmlformats.org/presentationml/2006/main">
+  <p:cSld>
+    <p:spTree>
+      <p:nvGrpSpPr>
+        <p:cNvPr id="1" name=""/>
+        <p:cNvGrpSpPr/>
+        <p:nvPr/>
+      </p:nvGrpSpPr>
+      <p:grpSpPr>
+        <a:xfrm>
+          <a:off x="0" y="0"/>
+          <a:ext cx="0" cy="0"/>
+          <a:chOff x="0" y="0"/>
+          <a:chExt cx="0" cy="0"/>
+        </a:xfrm>
+      </p:grpSpPr>
+      <p:pic>
+        <p:nvPicPr>
+          <p:cNvPr id="3" name="Picture 2"/>
+          <p:cNvPicPr>
+            <a:picLocks noChangeAspect="1"/>
+          </p:cNvPicPr>
+          <p:nvPr/>
+        </p:nvPicPr>
+        <p:blipFill>
+          <a:blip r:embed="rId3"/>
+          <a:stretch>
+            <a:fillRect/>
+          </a:stretch>
+        </p:blipFill>
+        <p:spPr>
+          <a:xfrm>
+            <a:off x="1038497" y="8561"/>
+            <a:ext cx="7392271" cy="6851373"/>
+          </a:xfrm>
+          <a:prstGeom prst="rect">
+            <a:avLst/>
+          </a:prstGeom>
+        </p:spPr>
+      </p:pic>
+    </p:spTree>
+    <p:extLst>
+      <p:ext uri="{BB962C8B-B14F-4D97-AF65-F5344CB8AC3E}">
+        <p14:creationId xmlns:p14="http://schemas.microsoft.com/office/powerpoint/2010/main" val="109061019"/>
+      </p:ext>
+    </p:extLst>
+  </p:cSld>
+  <p:clrMapOvr>
+    <a:masterClrMapping/>
+  </p:clrMapOvr>
+  <p:timing>
+    <p:tnLst>
+      <p:par>
+        <p:cTn id="1" dur="indefinite" restart="never" nodeType="tmRoot"/>
+      </p:par>
+    </p:tnLst>
+  </p:timing>
+</p:sld>
+</file>
+
+<file path=ppt/slides/slide13.xml><?xml version="1.0" encoding="utf-8"?>
 <p:sld xmlns:a="http://schemas.openxmlformats.org/drawingml/2006/main" xmlns:r="http://schemas.openxmlformats.org/officeDocument/2006/relationships" xmlns:p="http://schemas.openxmlformats.org/presentationml/2006/main">
   <p:cSld>
     <p:bg>
@@ -6576,7 +7584,7 @@
           <p:cNvPr id="4" name="Footer Placeholder 3">
             <a:extLst>
               <a:ext uri="{FF2B5EF4-FFF2-40B4-BE49-F238E27FC236}">
-                <a16:creationId xmlns:a16="http://schemas.microsoft.com/office/drawing/2014/main" id="{58067873-E821-413C-A873-01CC7AF6309D}"/>
+                <a16:creationId xmlns:a16="http://schemas.microsoft.com/office/drawing/2014/main" xmlns="" id="{58067873-E821-413C-A873-01CC7AF6309D}"/>
               </a:ext>
             </a:extLst>
           </p:cNvPr>
@@ -6606,133 +7614,10 @@
       </p:sp>
       <p:sp>
         <p:nvSpPr>
-          <p:cNvPr id="6" name="Content Placeholder 5">
-            <a:extLst>
-              <a:ext uri="{FF2B5EF4-FFF2-40B4-BE49-F238E27FC236}">
-                <a16:creationId xmlns:a16="http://schemas.microsoft.com/office/drawing/2014/main" id="{8CF76ED8-5E43-4F27-B273-BA4E50F02B5A}"/>
-              </a:ext>
-            </a:extLst>
-          </p:cNvPr>
-          <p:cNvSpPr>
-            <a:spLocks noGrp="1"/>
-          </p:cNvSpPr>
-          <p:nvPr>
-            <p:ph idx="1"/>
-          </p:nvPr>
-        </p:nvSpPr>
-        <p:spPr/>
-        <p:txBody>
-          <a:bodyPr/>
-          <a:lstStyle/>
-          <a:p>
-            <a:endParaRPr lang="en-US"/>
-          </a:p>
-        </p:txBody>
-      </p:sp>
-      <p:sp>
-        <p:nvSpPr>
-          <p:cNvPr id="8" name="Title 7">
-            <a:extLst>
-              <a:ext uri="{FF2B5EF4-FFF2-40B4-BE49-F238E27FC236}">
-                <a16:creationId xmlns:a16="http://schemas.microsoft.com/office/drawing/2014/main" id="{113753B0-5CB0-4705-98B4-EB0C2E4AA403}"/>
-              </a:ext>
-            </a:extLst>
-          </p:cNvPr>
-          <p:cNvSpPr>
-            <a:spLocks noGrp="1"/>
-          </p:cNvSpPr>
-          <p:nvPr>
-            <p:ph type="title"/>
-          </p:nvPr>
-        </p:nvSpPr>
-        <p:spPr/>
-        <p:txBody>
-          <a:bodyPr vert="horz" lIns="91440" tIns="45720" rIns="91440" bIns="45720" rtlCol="0" anchor="t">
-            <a:normAutofit/>
-          </a:bodyPr>
-          <a:lstStyle/>
-          <a:p>
-            <a:endParaRPr lang="en-US" sz="4000" dirty="0"/>
-          </a:p>
-        </p:txBody>
-      </p:sp>
-    </p:spTree>
-    <p:extLst>
-      <p:ext uri="{BB962C8B-B14F-4D97-AF65-F5344CB8AC3E}">
-        <p14:creationId xmlns:p14="http://schemas.microsoft.com/office/powerpoint/2010/main" val="131213575"/>
-      </p:ext>
-    </p:extLst>
-  </p:cSld>
-  <p:clrMapOvr>
-    <a:masterClrMapping/>
-  </p:clrMapOvr>
-</p:sld>
-</file>
-
-<file path=ppt/slides/slide11.xml><?xml version="1.0" encoding="utf-8"?>
-<p:sld xmlns:a="http://schemas.openxmlformats.org/drawingml/2006/main" xmlns:r="http://schemas.openxmlformats.org/officeDocument/2006/relationships" xmlns:p="http://schemas.openxmlformats.org/presentationml/2006/main">
-  <p:cSld>
-    <p:bg>
-      <p:bgPr>
-        <a:solidFill>
-          <a:schemeClr val="bg1"/>
-        </a:solidFill>
-        <a:effectLst/>
-      </p:bgPr>
-    </p:bg>
-    <p:spTree>
-      <p:nvGrpSpPr>
-        <p:cNvPr id="1" name=""/>
-        <p:cNvGrpSpPr/>
-        <p:nvPr/>
-      </p:nvGrpSpPr>
-      <p:grpSpPr>
-        <a:xfrm>
-          <a:off x="0" y="0"/>
-          <a:ext cx="0" cy="0"/>
-          <a:chOff x="0" y="0"/>
-          <a:chExt cx="0" cy="0"/>
-        </a:xfrm>
-      </p:grpSpPr>
-      <p:sp>
-        <p:nvSpPr>
-          <p:cNvPr id="4" name="Footer Placeholder 3">
-            <a:extLst>
-              <a:ext uri="{FF2B5EF4-FFF2-40B4-BE49-F238E27FC236}">
-                <a16:creationId xmlns:a16="http://schemas.microsoft.com/office/drawing/2014/main" id="{58067873-E821-413C-A873-01CC7AF6309D}"/>
-              </a:ext>
-            </a:extLst>
-          </p:cNvPr>
-          <p:cNvSpPr>
-            <a:spLocks noGrp="1"/>
-          </p:cNvSpPr>
-          <p:nvPr>
-            <p:ph type="ftr" sz="quarter" idx="11"/>
-          </p:nvPr>
-        </p:nvSpPr>
-        <p:spPr>
-          <a:xfrm>
-            <a:off x="677334" y="6502682"/>
-            <a:ext cx="6297612" cy="365125"/>
-          </a:xfrm>
-        </p:spPr>
-        <p:txBody>
-          <a:bodyPr/>
-          <a:lstStyle/>
-          <a:p>
-            <a:r>
-              <a:rPr lang="en-US" dirty="0"/>
-              <a:t>Lecturer: Mai Anh Phuong</a:t>
-            </a:r>
-          </a:p>
-        </p:txBody>
-      </p:sp>
-      <p:sp>
-        <p:nvSpPr>
           <p:cNvPr id="5" name="Rectangle 4">
             <a:extLst>
               <a:ext uri="{FF2B5EF4-FFF2-40B4-BE49-F238E27FC236}">
-                <a16:creationId xmlns:a16="http://schemas.microsoft.com/office/drawing/2014/main" id="{9BF65F1D-032E-4BC9-965B-AC131CD9699D}"/>
+                <a16:creationId xmlns:a16="http://schemas.microsoft.com/office/drawing/2014/main" xmlns="" id="{9BF65F1D-032E-4BC9-965B-AC131CD9699D}"/>
               </a:ext>
             </a:extLst>
           </p:cNvPr>
@@ -6740,9 +7625,9 @@
           <p:nvPr/>
         </p:nvSpPr>
         <p:spPr>
-          <a:xfrm rot="20010298">
-            <a:off x="996977" y="817088"/>
-            <a:ext cx="8767042" cy="4796983"/>
+          <a:xfrm rot="20116986">
+            <a:off x="1132913" y="1219241"/>
+            <a:ext cx="8767042" cy="3919033"/>
           </a:xfrm>
           <a:prstGeom prst="rect">
             <a:avLst/>
@@ -6760,7 +7645,7 @@
               </a:spcBef>
             </a:pPr>
             <a:r>
-              <a:rPr lang="en-US" sz="8000" dirty="0">
+              <a:rPr lang="en-US" sz="8000" dirty="0" smtClean="0">
                 <a:solidFill>
                   <a:schemeClr val="accent1"/>
                 </a:solidFill>
@@ -6768,15 +7653,23 @@
                 <a:ea typeface="+mj-ea"/>
                 <a:cs typeface="+mj-cs"/>
               </a:rPr>
-              <a:t>Why’s Bootstrap?</a:t>
-            </a:r>
+              <a:t>How to...</a:t>
+            </a:r>
+            <a:endParaRPr lang="en-US" sz="8000" dirty="0">
+              <a:solidFill>
+                <a:schemeClr val="accent1"/>
+              </a:solidFill>
+              <a:latin typeface="+mj-lt"/>
+              <a:ea typeface="+mj-ea"/>
+              <a:cs typeface="+mj-cs"/>
+            </a:endParaRPr>
           </a:p>
         </p:txBody>
       </p:sp>
     </p:spTree>
     <p:extLst>
       <p:ext uri="{BB962C8B-B14F-4D97-AF65-F5344CB8AC3E}">
-        <p14:creationId xmlns:p14="http://schemas.microsoft.com/office/powerpoint/2010/main" val="3455298445"/>
+        <p14:creationId xmlns:p14="http://schemas.microsoft.com/office/powerpoint/2010/main" val="104978042"/>
       </p:ext>
     </p:extLst>
   </p:cSld>
@@ -6918,7 +7811,1825 @@
 </p:sld>
 </file>
 
-<file path=ppt/slides/slide12.xml><?xml version="1.0" encoding="utf-8"?>
+<file path=ppt/slides/slide14.xml><?xml version="1.0" encoding="utf-8"?>
+<p:sld xmlns:a="http://schemas.openxmlformats.org/drawingml/2006/main" xmlns:r="http://schemas.openxmlformats.org/officeDocument/2006/relationships" xmlns:p="http://schemas.openxmlformats.org/presentationml/2006/main">
+  <p:cSld>
+    <p:spTree>
+      <p:nvGrpSpPr>
+        <p:cNvPr id="1" name=""/>
+        <p:cNvGrpSpPr/>
+        <p:nvPr/>
+      </p:nvGrpSpPr>
+      <p:grpSpPr>
+        <a:xfrm>
+          <a:off x="0" y="0"/>
+          <a:ext cx="0" cy="0"/>
+          <a:chOff x="0" y="0"/>
+          <a:chExt cx="0" cy="0"/>
+        </a:xfrm>
+      </p:grpSpPr>
+      <p:sp>
+        <p:nvSpPr>
+          <p:cNvPr id="2" name="Title 1"/>
+          <p:cNvSpPr>
+            <a:spLocks noGrp="1"/>
+          </p:cNvSpPr>
+          <p:nvPr>
+            <p:ph type="title"/>
+          </p:nvPr>
+        </p:nvSpPr>
+        <p:spPr>
+          <a:xfrm>
+            <a:off x="677334" y="266700"/>
+            <a:ext cx="8596668" cy="657225"/>
+          </a:xfrm>
+        </p:spPr>
+        <p:txBody>
+          <a:bodyPr/>
+          <a:lstStyle/>
+          <a:p>
+            <a:r>
+              <a:rPr lang="en-US" dirty="0" smtClean="0"/>
+              <a:t>Three ways to insert CSS</a:t>
+            </a:r>
+            <a:endParaRPr lang="en-US" dirty="0"/>
+          </a:p>
+        </p:txBody>
+      </p:sp>
+      <p:sp>
+        <p:nvSpPr>
+          <p:cNvPr id="3" name="Content Placeholder 2"/>
+          <p:cNvSpPr>
+            <a:spLocks noGrp="1"/>
+          </p:cNvSpPr>
+          <p:nvPr>
+            <p:ph idx="1"/>
+          </p:nvPr>
+        </p:nvSpPr>
+        <p:spPr>
+          <a:xfrm>
+            <a:off x="677334" y="1133475"/>
+            <a:ext cx="8596668" cy="4907888"/>
+          </a:xfrm>
+        </p:spPr>
+        <p:txBody>
+          <a:bodyPr/>
+          <a:lstStyle/>
+          <a:p>
+            <a:r>
+              <a:rPr lang="en-US" sz="2000" dirty="0"/>
+              <a:t>External style sheet</a:t>
+            </a:r>
+          </a:p>
+          <a:p>
+            <a:endParaRPr lang="en-US" dirty="0"/>
+          </a:p>
+          <a:p>
+            <a:endParaRPr lang="en-US" dirty="0" smtClean="0"/>
+          </a:p>
+          <a:p>
+            <a:endParaRPr lang="en-US" dirty="0" smtClean="0"/>
+          </a:p>
+          <a:p>
+            <a:endParaRPr lang="en-US" dirty="0" smtClean="0"/>
+          </a:p>
+          <a:p>
+            <a:endParaRPr lang="en-US" dirty="0"/>
+          </a:p>
+          <a:p>
+            <a:pPr marL="0" indent="0">
+              <a:buNone/>
+            </a:pPr>
+            <a:r>
+              <a:rPr lang="en-US" dirty="0">
+                <a:latin typeface="Consolas" panose="020B0609020204030204" pitchFamily="49" charset="0"/>
+              </a:rPr>
+              <a:t> </a:t>
+            </a:r>
+            <a:r>
+              <a:rPr lang="en-US" dirty="0" smtClean="0">
+                <a:latin typeface="Consolas" panose="020B0609020204030204" pitchFamily="49" charset="0"/>
+              </a:rPr>
+              <a:t>  </a:t>
+            </a:r>
+            <a:r>
+              <a:rPr lang="en-US" sz="2000" dirty="0" smtClean="0">
+                <a:latin typeface="Consolas" panose="020B0609020204030204" pitchFamily="49" charset="0"/>
+              </a:rPr>
+              <a:t>mystyle.css</a:t>
+            </a:r>
+            <a:r>
+              <a:rPr lang="en-US" dirty="0" smtClean="0">
+                <a:latin typeface="Consolas" panose="020B0609020204030204" pitchFamily="49" charset="0"/>
+              </a:rPr>
+              <a:t> </a:t>
+            </a:r>
+          </a:p>
+        </p:txBody>
+      </p:sp>
+      <p:sp>
+        <p:nvSpPr>
+          <p:cNvPr id="4" name="Footer Placeholder 3"/>
+          <p:cNvSpPr>
+            <a:spLocks noGrp="1"/>
+          </p:cNvSpPr>
+          <p:nvPr>
+            <p:ph type="ftr" sz="quarter" idx="11"/>
+          </p:nvPr>
+        </p:nvSpPr>
+        <p:spPr/>
+        <p:txBody>
+          <a:bodyPr/>
+          <a:lstStyle/>
+          <a:p>
+            <a:r>
+              <a:rPr lang="en-US" dirty="0" smtClean="0"/>
+              <a:t>Lecturer: Mai Anh Phuong</a:t>
+            </a:r>
+            <a:endParaRPr lang="en-US" dirty="0"/>
+          </a:p>
+        </p:txBody>
+      </p:sp>
+      <p:sp>
+        <p:nvSpPr>
+          <p:cNvPr id="6" name="Rectangle 5"/>
+          <p:cNvSpPr/>
+          <p:nvPr/>
+        </p:nvSpPr>
+        <p:spPr>
+          <a:xfrm>
+            <a:off x="1142999" y="1612900"/>
+            <a:ext cx="8131003" cy="1530350"/>
+          </a:xfrm>
+          <a:prstGeom prst="rect">
+            <a:avLst/>
+          </a:prstGeom>
+        </p:spPr>
+        <p:style>
+          <a:lnRef idx="2">
+            <a:schemeClr val="accent1"/>
+          </a:lnRef>
+          <a:fillRef idx="1">
+            <a:schemeClr val="lt1"/>
+          </a:fillRef>
+          <a:effectRef idx="0">
+            <a:schemeClr val="accent1"/>
+          </a:effectRef>
+          <a:fontRef idx="minor">
+            <a:schemeClr val="dk1"/>
+          </a:fontRef>
+        </p:style>
+        <p:txBody>
+          <a:bodyPr rtlCol="0" anchor="ctr"/>
+          <a:lstStyle/>
+          <a:p>
+            <a:r>
+              <a:rPr lang="en-US" sz="1500" dirty="0">
+                <a:solidFill>
+                  <a:srgbClr val="0E05BB"/>
+                </a:solidFill>
+                <a:latin typeface="Consolas" panose="020B0609020204030204" pitchFamily="49" charset="0"/>
+              </a:rPr>
+              <a:t>&lt;</a:t>
+            </a:r>
+            <a:r>
+              <a:rPr lang="en-US" sz="1500" dirty="0">
+                <a:solidFill>
+                  <a:srgbClr val="C00000"/>
+                </a:solidFill>
+                <a:latin typeface="Consolas" panose="020B0609020204030204" pitchFamily="49" charset="0"/>
+              </a:rPr>
+              <a:t>head</a:t>
+            </a:r>
+            <a:r>
+              <a:rPr lang="en-US" sz="1500" dirty="0" smtClean="0">
+                <a:solidFill>
+                  <a:srgbClr val="0E05BB"/>
+                </a:solidFill>
+                <a:latin typeface="Consolas" panose="020B0609020204030204" pitchFamily="49" charset="0"/>
+              </a:rPr>
+              <a:t>&gt;</a:t>
+            </a:r>
+            <a:r>
+              <a:rPr lang="en-US" sz="1500" dirty="0">
+                <a:solidFill>
+                  <a:srgbClr val="0E05BB"/>
+                </a:solidFill>
+                <a:latin typeface="Consolas" panose="020B0609020204030204" pitchFamily="49" charset="0"/>
+              </a:rPr>
+              <a:t/>
+            </a:r>
+            <a:br>
+              <a:rPr lang="en-US" sz="1500" dirty="0">
+                <a:solidFill>
+                  <a:srgbClr val="0E05BB"/>
+                </a:solidFill>
+                <a:latin typeface="Consolas" panose="020B0609020204030204" pitchFamily="49" charset="0"/>
+              </a:rPr>
+            </a:br>
+            <a:r>
+              <a:rPr lang="en-US" sz="1500" dirty="0">
+                <a:solidFill>
+                  <a:srgbClr val="0E05BB"/>
+                </a:solidFill>
+                <a:latin typeface="Consolas" panose="020B0609020204030204" pitchFamily="49" charset="0"/>
+              </a:rPr>
+              <a:t>&lt;</a:t>
+            </a:r>
+            <a:r>
+              <a:rPr lang="en-US" sz="1500" dirty="0">
+                <a:solidFill>
+                  <a:srgbClr val="C00000"/>
+                </a:solidFill>
+                <a:latin typeface="Consolas" panose="020B0609020204030204" pitchFamily="49" charset="0"/>
+              </a:rPr>
+              <a:t>link</a:t>
+            </a:r>
+            <a:r>
+              <a:rPr lang="en-US" sz="1500" dirty="0">
+                <a:solidFill>
+                  <a:srgbClr val="0E05BB"/>
+                </a:solidFill>
+                <a:latin typeface="Consolas" panose="020B0609020204030204" pitchFamily="49" charset="0"/>
+              </a:rPr>
+              <a:t> </a:t>
+            </a:r>
+            <a:r>
+              <a:rPr lang="en-US" sz="1500" dirty="0" err="1">
+                <a:solidFill>
+                  <a:srgbClr val="C00000"/>
+                </a:solidFill>
+                <a:latin typeface="Consolas" panose="020B0609020204030204" pitchFamily="49" charset="0"/>
+              </a:rPr>
+              <a:t>rel</a:t>
+            </a:r>
+            <a:r>
+              <a:rPr lang="en-US" sz="1500" dirty="0">
+                <a:solidFill>
+                  <a:srgbClr val="0E05BB"/>
+                </a:solidFill>
+                <a:latin typeface="Consolas" panose="020B0609020204030204" pitchFamily="49" charset="0"/>
+              </a:rPr>
+              <a:t>="</a:t>
+            </a:r>
+            <a:r>
+              <a:rPr lang="en-US" sz="1500" dirty="0" err="1">
+                <a:solidFill>
+                  <a:srgbClr val="0E05BB"/>
+                </a:solidFill>
+                <a:latin typeface="Consolas" panose="020B0609020204030204" pitchFamily="49" charset="0"/>
+              </a:rPr>
+              <a:t>stylesheet</a:t>
+            </a:r>
+            <a:r>
+              <a:rPr lang="en-US" sz="1500" dirty="0">
+                <a:solidFill>
+                  <a:srgbClr val="0E05BB"/>
+                </a:solidFill>
+                <a:latin typeface="Consolas" panose="020B0609020204030204" pitchFamily="49" charset="0"/>
+              </a:rPr>
+              <a:t>" </a:t>
+            </a:r>
+            <a:r>
+              <a:rPr lang="en-US" sz="1500" dirty="0">
+                <a:solidFill>
+                  <a:srgbClr val="C00000"/>
+                </a:solidFill>
+                <a:latin typeface="Consolas" panose="020B0609020204030204" pitchFamily="49" charset="0"/>
+              </a:rPr>
+              <a:t>type</a:t>
+            </a:r>
+            <a:r>
+              <a:rPr lang="en-US" sz="1500" dirty="0">
+                <a:solidFill>
+                  <a:srgbClr val="0E05BB"/>
+                </a:solidFill>
+                <a:latin typeface="Consolas" panose="020B0609020204030204" pitchFamily="49" charset="0"/>
+              </a:rPr>
+              <a:t>="text/</a:t>
+            </a:r>
+            <a:r>
+              <a:rPr lang="en-US" sz="1500" dirty="0" err="1">
+                <a:solidFill>
+                  <a:srgbClr val="0E05BB"/>
+                </a:solidFill>
+                <a:latin typeface="Consolas" panose="020B0609020204030204" pitchFamily="49" charset="0"/>
+              </a:rPr>
+              <a:t>css</a:t>
+            </a:r>
+            <a:r>
+              <a:rPr lang="en-US" sz="1500" dirty="0">
+                <a:solidFill>
+                  <a:srgbClr val="0E05BB"/>
+                </a:solidFill>
+                <a:latin typeface="Consolas" panose="020B0609020204030204" pitchFamily="49" charset="0"/>
+              </a:rPr>
+              <a:t>" </a:t>
+            </a:r>
+            <a:r>
+              <a:rPr lang="en-US" sz="1500" dirty="0" err="1">
+                <a:solidFill>
+                  <a:srgbClr val="C00000"/>
+                </a:solidFill>
+                <a:latin typeface="Consolas" panose="020B0609020204030204" pitchFamily="49" charset="0"/>
+              </a:rPr>
+              <a:t>href</a:t>
+            </a:r>
+            <a:r>
+              <a:rPr lang="en-US" sz="1500" dirty="0">
+                <a:solidFill>
+                  <a:srgbClr val="0E05BB"/>
+                </a:solidFill>
+                <a:latin typeface="Consolas" panose="020B0609020204030204" pitchFamily="49" charset="0"/>
+              </a:rPr>
+              <a:t>="mystyle.css"&gt;</a:t>
+            </a:r>
+            <a:br>
+              <a:rPr lang="en-US" sz="1500" dirty="0">
+                <a:solidFill>
+                  <a:srgbClr val="0E05BB"/>
+                </a:solidFill>
+                <a:latin typeface="Consolas" panose="020B0609020204030204" pitchFamily="49" charset="0"/>
+              </a:rPr>
+            </a:br>
+            <a:r>
+              <a:rPr lang="en-US" sz="1500" dirty="0">
+                <a:solidFill>
+                  <a:srgbClr val="0E05BB"/>
+                </a:solidFill>
+                <a:latin typeface="Consolas" panose="020B0609020204030204" pitchFamily="49" charset="0"/>
+              </a:rPr>
+              <a:t>&lt;</a:t>
+            </a:r>
+            <a:r>
+              <a:rPr lang="en-US" sz="1500" dirty="0">
+                <a:solidFill>
+                  <a:srgbClr val="C00000"/>
+                </a:solidFill>
+                <a:latin typeface="Consolas" panose="020B0609020204030204" pitchFamily="49" charset="0"/>
+              </a:rPr>
+              <a:t>/head</a:t>
+            </a:r>
+            <a:r>
+              <a:rPr lang="en-US" sz="1500" dirty="0" smtClean="0">
+                <a:solidFill>
+                  <a:srgbClr val="0E05BB"/>
+                </a:solidFill>
+                <a:latin typeface="Consolas" panose="020B0609020204030204" pitchFamily="49" charset="0"/>
+              </a:rPr>
+              <a:t>&gt;</a:t>
+            </a:r>
+          </a:p>
+          <a:p>
+            <a:r>
+              <a:rPr lang="en-US" sz="1500" dirty="0" smtClean="0">
+                <a:solidFill>
+                  <a:srgbClr val="0E05BB"/>
+                </a:solidFill>
+                <a:latin typeface="Consolas" panose="020B0609020204030204" pitchFamily="49" charset="0"/>
+              </a:rPr>
+              <a:t>&lt;</a:t>
+            </a:r>
+            <a:r>
+              <a:rPr lang="en-US" sz="1500" dirty="0" smtClean="0">
+                <a:solidFill>
+                  <a:srgbClr val="C00000"/>
+                </a:solidFill>
+                <a:latin typeface="Consolas" panose="020B0609020204030204" pitchFamily="49" charset="0"/>
+              </a:rPr>
+              <a:t>body</a:t>
+            </a:r>
+            <a:r>
+              <a:rPr lang="en-US" sz="1500" dirty="0" smtClean="0">
+                <a:solidFill>
+                  <a:srgbClr val="0E05BB"/>
+                </a:solidFill>
+                <a:latin typeface="Consolas" panose="020B0609020204030204" pitchFamily="49" charset="0"/>
+              </a:rPr>
+              <a:t>&gt;</a:t>
+            </a:r>
+          </a:p>
+          <a:p>
+            <a:r>
+              <a:rPr lang="en-US" sz="1500" dirty="0">
+                <a:solidFill>
+                  <a:srgbClr val="0E05BB"/>
+                </a:solidFill>
+                <a:latin typeface="Consolas" panose="020B0609020204030204" pitchFamily="49" charset="0"/>
+              </a:rPr>
+              <a:t>&lt;</a:t>
+            </a:r>
+            <a:r>
+              <a:rPr lang="en-US" sz="1500" dirty="0" smtClean="0">
+                <a:solidFill>
+                  <a:srgbClr val="C00000"/>
+                </a:solidFill>
+                <a:latin typeface="Consolas" panose="020B0609020204030204" pitchFamily="49" charset="0"/>
+              </a:rPr>
+              <a:t>h1</a:t>
+            </a:r>
+            <a:r>
+              <a:rPr lang="en-US" sz="1500" dirty="0" smtClean="0">
+                <a:solidFill>
+                  <a:srgbClr val="0E05BB"/>
+                </a:solidFill>
+                <a:latin typeface="Consolas" panose="020B0609020204030204" pitchFamily="49" charset="0"/>
+              </a:rPr>
+              <a:t>&gt; </a:t>
+            </a:r>
+            <a:r>
+              <a:rPr lang="en-US" sz="1500" dirty="0">
+                <a:solidFill>
+                  <a:schemeClr val="tx1">
+                    <a:lumMod val="75000"/>
+                    <a:lumOff val="25000"/>
+                  </a:schemeClr>
+                </a:solidFill>
+                <a:latin typeface="Consolas" panose="020B0609020204030204" pitchFamily="49" charset="0"/>
+              </a:rPr>
+              <a:t>This is heading </a:t>
+            </a:r>
+            <a:r>
+              <a:rPr lang="en-US" sz="1500" dirty="0">
+                <a:solidFill>
+                  <a:srgbClr val="0E05BB"/>
+                </a:solidFill>
+                <a:latin typeface="Consolas" panose="020B0609020204030204" pitchFamily="49" charset="0"/>
+              </a:rPr>
+              <a:t>&lt;</a:t>
+            </a:r>
+            <a:r>
+              <a:rPr lang="en-US" sz="1500" dirty="0">
+                <a:solidFill>
+                  <a:srgbClr val="C00000"/>
+                </a:solidFill>
+                <a:latin typeface="Consolas" panose="020B0609020204030204" pitchFamily="49" charset="0"/>
+              </a:rPr>
+              <a:t>/h1</a:t>
+            </a:r>
+            <a:r>
+              <a:rPr lang="en-US" sz="1500" dirty="0">
+                <a:solidFill>
+                  <a:srgbClr val="0E05BB"/>
+                </a:solidFill>
+                <a:latin typeface="Consolas" panose="020B0609020204030204" pitchFamily="49" charset="0"/>
+              </a:rPr>
+              <a:t>&gt;</a:t>
+            </a:r>
+          </a:p>
+          <a:p>
+            <a:r>
+              <a:rPr lang="en-US" sz="1500" dirty="0">
+                <a:solidFill>
+                  <a:srgbClr val="0E05BB"/>
+                </a:solidFill>
+                <a:latin typeface="Consolas" panose="020B0609020204030204" pitchFamily="49" charset="0"/>
+              </a:rPr>
+              <a:t>&lt;</a:t>
+            </a:r>
+            <a:r>
+              <a:rPr lang="en-US" sz="1500" dirty="0">
+                <a:solidFill>
+                  <a:srgbClr val="C00000"/>
+                </a:solidFill>
+                <a:latin typeface="Consolas" panose="020B0609020204030204" pitchFamily="49" charset="0"/>
+              </a:rPr>
+              <a:t>/body</a:t>
+            </a:r>
+            <a:r>
+              <a:rPr lang="en-US" sz="1500" dirty="0" smtClean="0">
+                <a:solidFill>
+                  <a:srgbClr val="0E05BB"/>
+                </a:solidFill>
+                <a:latin typeface="Consolas" panose="020B0609020204030204" pitchFamily="49" charset="0"/>
+              </a:rPr>
+              <a:t>&gt;</a:t>
+            </a:r>
+            <a:endParaRPr lang="en-US" sz="1500" dirty="0">
+              <a:solidFill>
+                <a:srgbClr val="0E05BB"/>
+              </a:solidFill>
+              <a:latin typeface="Consolas" panose="020B0609020204030204" pitchFamily="49" charset="0"/>
+            </a:endParaRPr>
+          </a:p>
+        </p:txBody>
+      </p:sp>
+      <p:sp>
+        <p:nvSpPr>
+          <p:cNvPr id="7" name="Rectangle 6"/>
+          <p:cNvSpPr/>
+          <p:nvPr/>
+        </p:nvSpPr>
+        <p:spPr>
+          <a:xfrm>
+            <a:off x="1142998" y="3954394"/>
+            <a:ext cx="8131004" cy="1886943"/>
+          </a:xfrm>
+          <a:prstGeom prst="rect">
+            <a:avLst/>
+          </a:prstGeom>
+        </p:spPr>
+        <p:style>
+          <a:lnRef idx="2">
+            <a:schemeClr val="accent1"/>
+          </a:lnRef>
+          <a:fillRef idx="1">
+            <a:schemeClr val="lt1"/>
+          </a:fillRef>
+          <a:effectRef idx="0">
+            <a:schemeClr val="accent1"/>
+          </a:effectRef>
+          <a:fontRef idx="minor">
+            <a:schemeClr val="dk1"/>
+          </a:fontRef>
+        </p:style>
+        <p:txBody>
+          <a:bodyPr rtlCol="0" anchor="ctr"/>
+          <a:lstStyle/>
+          <a:p>
+            <a:r>
+              <a:rPr lang="en-US" sz="1500" dirty="0" smtClean="0">
+                <a:solidFill>
+                  <a:srgbClr val="C00000"/>
+                </a:solidFill>
+                <a:latin typeface="Consolas" panose="020B0609020204030204" pitchFamily="49" charset="0"/>
+              </a:rPr>
+              <a:t>body </a:t>
+            </a:r>
+            <a:r>
+              <a:rPr lang="en-US" sz="1500" dirty="0">
+                <a:solidFill>
+                  <a:srgbClr val="0E05BB"/>
+                </a:solidFill>
+                <a:latin typeface="Consolas" panose="020B0609020204030204" pitchFamily="49" charset="0"/>
+              </a:rPr>
+              <a:t>{</a:t>
+            </a:r>
+          </a:p>
+          <a:p>
+            <a:r>
+              <a:rPr lang="en-US" sz="1500" dirty="0">
+                <a:solidFill>
+                  <a:srgbClr val="C00000"/>
+                </a:solidFill>
+                <a:latin typeface="Consolas" panose="020B0609020204030204" pitchFamily="49" charset="0"/>
+              </a:rPr>
+              <a:t>	</a:t>
+            </a:r>
+            <a:r>
+              <a:rPr lang="en-US" sz="1500" dirty="0" smtClean="0">
+                <a:solidFill>
+                  <a:srgbClr val="C00000"/>
+                </a:solidFill>
+                <a:latin typeface="Consolas" panose="020B0609020204030204" pitchFamily="49" charset="0"/>
+              </a:rPr>
+              <a:t>background-color: </a:t>
+            </a:r>
+            <a:r>
+              <a:rPr lang="en-US" sz="1500" dirty="0">
+                <a:solidFill>
+                  <a:srgbClr val="0E05BB"/>
+                </a:solidFill>
+                <a:latin typeface="Consolas" panose="020B0609020204030204" pitchFamily="49" charset="0"/>
+              </a:rPr>
+              <a:t>linen</a:t>
+            </a:r>
+            <a:r>
+              <a:rPr lang="en-US" sz="1500" dirty="0" smtClean="0">
+                <a:solidFill>
+                  <a:srgbClr val="C00000"/>
+                </a:solidFill>
+                <a:latin typeface="Consolas" panose="020B0609020204030204" pitchFamily="49" charset="0"/>
+              </a:rPr>
+              <a:t>;</a:t>
+            </a:r>
+          </a:p>
+          <a:p>
+            <a:r>
+              <a:rPr lang="en-US" sz="1500" dirty="0" smtClean="0">
+                <a:solidFill>
+                  <a:srgbClr val="0E05BB"/>
+                </a:solidFill>
+                <a:latin typeface="Consolas" panose="020B0609020204030204" pitchFamily="49" charset="0"/>
+              </a:rPr>
+              <a:t>}</a:t>
+            </a:r>
+          </a:p>
+          <a:p>
+            <a:r>
+              <a:rPr lang="en-US" sz="1500" dirty="0" smtClean="0">
+                <a:solidFill>
+                  <a:srgbClr val="C00000"/>
+                </a:solidFill>
+                <a:latin typeface="Consolas" panose="020B0609020204030204" pitchFamily="49" charset="0"/>
+              </a:rPr>
+              <a:t>h1 </a:t>
+            </a:r>
+            <a:r>
+              <a:rPr lang="en-US" sz="1500" dirty="0">
+                <a:solidFill>
+                  <a:srgbClr val="0E05BB"/>
+                </a:solidFill>
+                <a:latin typeface="Consolas" panose="020B0609020204030204" pitchFamily="49" charset="0"/>
+              </a:rPr>
+              <a:t>{</a:t>
+            </a:r>
+          </a:p>
+          <a:p>
+            <a:r>
+              <a:rPr lang="en-US" sz="1500" dirty="0">
+                <a:solidFill>
+                  <a:srgbClr val="C00000"/>
+                </a:solidFill>
+                <a:latin typeface="Consolas" panose="020B0609020204030204" pitchFamily="49" charset="0"/>
+              </a:rPr>
+              <a:t>	</a:t>
+            </a:r>
+            <a:r>
+              <a:rPr lang="en-US" sz="1500" dirty="0" smtClean="0">
+                <a:solidFill>
+                  <a:srgbClr val="C00000"/>
+                </a:solidFill>
+                <a:latin typeface="Consolas" panose="020B0609020204030204" pitchFamily="49" charset="0"/>
+              </a:rPr>
+              <a:t>color</a:t>
+            </a:r>
+            <a:r>
+              <a:rPr lang="en-US" sz="1500" dirty="0">
+                <a:solidFill>
+                  <a:srgbClr val="C00000"/>
+                </a:solidFill>
+                <a:latin typeface="Consolas" panose="020B0609020204030204" pitchFamily="49" charset="0"/>
+              </a:rPr>
+              <a:t>: </a:t>
+            </a:r>
+            <a:r>
+              <a:rPr lang="en-US" sz="1500" dirty="0" smtClean="0">
+                <a:solidFill>
+                  <a:srgbClr val="0E05BB"/>
+                </a:solidFill>
+                <a:latin typeface="Consolas" panose="020B0609020204030204" pitchFamily="49" charset="0"/>
+              </a:rPr>
+              <a:t>blue</a:t>
+            </a:r>
+            <a:r>
+              <a:rPr lang="en-US" sz="1500" dirty="0" smtClean="0">
+                <a:solidFill>
+                  <a:srgbClr val="C00000"/>
+                </a:solidFill>
+                <a:latin typeface="Consolas" panose="020B0609020204030204" pitchFamily="49" charset="0"/>
+              </a:rPr>
+              <a:t>;</a:t>
+            </a:r>
+          </a:p>
+          <a:p>
+            <a:r>
+              <a:rPr lang="en-US" sz="1500" dirty="0">
+                <a:solidFill>
+                  <a:srgbClr val="C00000"/>
+                </a:solidFill>
+                <a:latin typeface="Consolas" panose="020B0609020204030204" pitchFamily="49" charset="0"/>
+              </a:rPr>
+              <a:t>	margin-left</a:t>
+            </a:r>
+            <a:r>
+              <a:rPr lang="en-US" sz="1500" dirty="0" smtClean="0">
+                <a:solidFill>
+                  <a:srgbClr val="C00000"/>
+                </a:solidFill>
+                <a:latin typeface="Consolas" panose="020B0609020204030204" pitchFamily="49" charset="0"/>
+              </a:rPr>
+              <a:t>: </a:t>
+            </a:r>
+            <a:r>
+              <a:rPr lang="en-US" sz="1500" dirty="0">
+                <a:solidFill>
+                  <a:srgbClr val="0E05BB"/>
+                </a:solidFill>
+                <a:latin typeface="Consolas" panose="020B0609020204030204" pitchFamily="49" charset="0"/>
+              </a:rPr>
+              <a:t>20px</a:t>
+            </a:r>
+            <a:r>
+              <a:rPr lang="en-US" sz="1500" dirty="0" smtClean="0">
+                <a:solidFill>
+                  <a:srgbClr val="C00000"/>
+                </a:solidFill>
+                <a:latin typeface="Consolas" panose="020B0609020204030204" pitchFamily="49" charset="0"/>
+              </a:rPr>
+              <a:t>;</a:t>
+            </a:r>
+            <a:endParaRPr lang="en-US" sz="1500" dirty="0">
+              <a:solidFill>
+                <a:srgbClr val="C00000"/>
+              </a:solidFill>
+              <a:latin typeface="Consolas" panose="020B0609020204030204" pitchFamily="49" charset="0"/>
+            </a:endParaRPr>
+          </a:p>
+          <a:p>
+            <a:r>
+              <a:rPr lang="en-US" sz="1500" dirty="0" smtClean="0">
+                <a:solidFill>
+                  <a:srgbClr val="0E05BB"/>
+                </a:solidFill>
+                <a:latin typeface="Consolas" panose="020B0609020204030204" pitchFamily="49" charset="0"/>
+              </a:rPr>
+              <a:t>}</a:t>
+            </a:r>
+            <a:endParaRPr lang="en-US" sz="1500" dirty="0">
+              <a:solidFill>
+                <a:srgbClr val="0E05BB"/>
+              </a:solidFill>
+              <a:latin typeface="Consolas" panose="020B0609020204030204" pitchFamily="49" charset="0"/>
+            </a:endParaRPr>
+          </a:p>
+        </p:txBody>
+      </p:sp>
+    </p:spTree>
+    <p:extLst>
+      <p:ext uri="{BB962C8B-B14F-4D97-AF65-F5344CB8AC3E}">
+        <p14:creationId xmlns:p14="http://schemas.microsoft.com/office/powerpoint/2010/main" val="393238535"/>
+      </p:ext>
+    </p:extLst>
+  </p:cSld>
+  <p:clrMapOvr>
+    <a:masterClrMapping/>
+  </p:clrMapOvr>
+</p:sld>
+</file>
+
+<file path=ppt/slides/slide15.xml><?xml version="1.0" encoding="utf-8"?>
+<p:sld xmlns:a="http://schemas.openxmlformats.org/drawingml/2006/main" xmlns:r="http://schemas.openxmlformats.org/officeDocument/2006/relationships" xmlns:p="http://schemas.openxmlformats.org/presentationml/2006/main">
+  <p:cSld>
+    <p:spTree>
+      <p:nvGrpSpPr>
+        <p:cNvPr id="1" name=""/>
+        <p:cNvGrpSpPr/>
+        <p:nvPr/>
+      </p:nvGrpSpPr>
+      <p:grpSpPr>
+        <a:xfrm>
+          <a:off x="0" y="0"/>
+          <a:ext cx="0" cy="0"/>
+          <a:chOff x="0" y="0"/>
+          <a:chExt cx="0" cy="0"/>
+        </a:xfrm>
+      </p:grpSpPr>
+      <p:sp>
+        <p:nvSpPr>
+          <p:cNvPr id="2" name="Title 1"/>
+          <p:cNvSpPr>
+            <a:spLocks noGrp="1"/>
+          </p:cNvSpPr>
+          <p:nvPr>
+            <p:ph type="title"/>
+          </p:nvPr>
+        </p:nvSpPr>
+        <p:spPr>
+          <a:xfrm>
+            <a:off x="677334" y="266700"/>
+            <a:ext cx="8596668" cy="657225"/>
+          </a:xfrm>
+        </p:spPr>
+        <p:txBody>
+          <a:bodyPr/>
+          <a:lstStyle/>
+          <a:p>
+            <a:r>
+              <a:rPr lang="en-US" dirty="0" smtClean="0"/>
+              <a:t>Three ways to insert CSS</a:t>
+            </a:r>
+            <a:endParaRPr lang="en-US" dirty="0"/>
+          </a:p>
+        </p:txBody>
+      </p:sp>
+      <p:sp>
+        <p:nvSpPr>
+          <p:cNvPr id="3" name="Content Placeholder 2"/>
+          <p:cNvSpPr>
+            <a:spLocks noGrp="1"/>
+          </p:cNvSpPr>
+          <p:nvPr>
+            <p:ph idx="1"/>
+          </p:nvPr>
+        </p:nvSpPr>
+        <p:spPr>
+          <a:xfrm>
+            <a:off x="677334" y="1133475"/>
+            <a:ext cx="8596668" cy="4907888"/>
+          </a:xfrm>
+        </p:spPr>
+        <p:txBody>
+          <a:bodyPr>
+            <a:normAutofit/>
+          </a:bodyPr>
+          <a:lstStyle/>
+          <a:p>
+            <a:r>
+              <a:rPr lang="en-US" sz="2000" dirty="0"/>
+              <a:t>Internal style sheet</a:t>
+            </a:r>
+          </a:p>
+        </p:txBody>
+      </p:sp>
+      <p:sp>
+        <p:nvSpPr>
+          <p:cNvPr id="4" name="Footer Placeholder 3"/>
+          <p:cNvSpPr>
+            <a:spLocks noGrp="1"/>
+          </p:cNvSpPr>
+          <p:nvPr>
+            <p:ph type="ftr" sz="quarter" idx="11"/>
+          </p:nvPr>
+        </p:nvSpPr>
+        <p:spPr/>
+        <p:txBody>
+          <a:bodyPr/>
+          <a:lstStyle/>
+          <a:p>
+            <a:r>
+              <a:rPr lang="en-US" dirty="0" smtClean="0"/>
+              <a:t>Lecturer: Mai Anh Phuong</a:t>
+            </a:r>
+            <a:endParaRPr lang="en-US" dirty="0"/>
+          </a:p>
+        </p:txBody>
+      </p:sp>
+      <p:sp>
+        <p:nvSpPr>
+          <p:cNvPr id="7" name="Rectangle 6"/>
+          <p:cNvSpPr/>
+          <p:nvPr/>
+        </p:nvSpPr>
+        <p:spPr>
+          <a:xfrm>
+            <a:off x="1142998" y="1590676"/>
+            <a:ext cx="8131004" cy="3381374"/>
+          </a:xfrm>
+          <a:prstGeom prst="rect">
+            <a:avLst/>
+          </a:prstGeom>
+        </p:spPr>
+        <p:style>
+          <a:lnRef idx="2">
+            <a:schemeClr val="accent1"/>
+          </a:lnRef>
+          <a:fillRef idx="1">
+            <a:schemeClr val="lt1"/>
+          </a:fillRef>
+          <a:effectRef idx="0">
+            <a:schemeClr val="accent1"/>
+          </a:effectRef>
+          <a:fontRef idx="minor">
+            <a:schemeClr val="dk1"/>
+          </a:fontRef>
+        </p:style>
+        <p:txBody>
+          <a:bodyPr rtlCol="0" anchor="ctr"/>
+          <a:lstStyle/>
+          <a:p>
+            <a:r>
+              <a:rPr lang="en-US" sz="1500" dirty="0">
+                <a:solidFill>
+                  <a:srgbClr val="0E05BB"/>
+                </a:solidFill>
+                <a:latin typeface="Consolas" panose="020B0609020204030204" pitchFamily="49" charset="0"/>
+              </a:rPr>
+              <a:t>&lt;</a:t>
+            </a:r>
+            <a:r>
+              <a:rPr lang="en-US" sz="1500" dirty="0">
+                <a:solidFill>
+                  <a:srgbClr val="C00000"/>
+                </a:solidFill>
+                <a:latin typeface="Consolas" panose="020B0609020204030204" pitchFamily="49" charset="0"/>
+              </a:rPr>
+              <a:t>head</a:t>
+            </a:r>
+            <a:r>
+              <a:rPr lang="en-US" sz="1500" dirty="0" smtClean="0">
+                <a:solidFill>
+                  <a:srgbClr val="0E05BB"/>
+                </a:solidFill>
+                <a:latin typeface="Consolas" panose="020B0609020204030204" pitchFamily="49" charset="0"/>
+              </a:rPr>
+              <a:t>&gt;</a:t>
+            </a:r>
+            <a:r>
+              <a:rPr lang="en-US" sz="1500" dirty="0">
+                <a:solidFill>
+                  <a:srgbClr val="0E05BB"/>
+                </a:solidFill>
+                <a:latin typeface="Consolas" panose="020B0609020204030204" pitchFamily="49" charset="0"/>
+              </a:rPr>
+              <a:t/>
+            </a:r>
+            <a:br>
+              <a:rPr lang="en-US" sz="1500" dirty="0">
+                <a:solidFill>
+                  <a:srgbClr val="0E05BB"/>
+                </a:solidFill>
+                <a:latin typeface="Consolas" panose="020B0609020204030204" pitchFamily="49" charset="0"/>
+              </a:rPr>
+            </a:br>
+            <a:r>
+              <a:rPr lang="en-US" sz="1500" dirty="0" smtClean="0">
+                <a:solidFill>
+                  <a:srgbClr val="0E05BB"/>
+                </a:solidFill>
+                <a:latin typeface="Consolas" panose="020B0609020204030204" pitchFamily="49" charset="0"/>
+              </a:rPr>
+              <a:t>&lt;</a:t>
+            </a:r>
+            <a:r>
+              <a:rPr lang="en-US" sz="1500" dirty="0" smtClean="0">
+                <a:solidFill>
+                  <a:srgbClr val="C00000"/>
+                </a:solidFill>
+                <a:latin typeface="Consolas" panose="020B0609020204030204" pitchFamily="49" charset="0"/>
+              </a:rPr>
+              <a:t>style</a:t>
+            </a:r>
+            <a:r>
+              <a:rPr lang="en-US" sz="1500" dirty="0" smtClean="0">
+                <a:solidFill>
+                  <a:srgbClr val="0E05BB"/>
+                </a:solidFill>
+                <a:latin typeface="Consolas" panose="020B0609020204030204" pitchFamily="49" charset="0"/>
+              </a:rPr>
+              <a:t>&gt;</a:t>
+            </a:r>
+          </a:p>
+          <a:p>
+            <a:r>
+              <a:rPr lang="en-US" sz="1500" dirty="0" smtClean="0">
+                <a:solidFill>
+                  <a:srgbClr val="C00000"/>
+                </a:solidFill>
+                <a:latin typeface="Consolas" panose="020B0609020204030204" pitchFamily="49" charset="0"/>
+              </a:rPr>
+              <a:t> body </a:t>
+            </a:r>
+            <a:r>
+              <a:rPr lang="en-US" sz="1500" dirty="0">
+                <a:solidFill>
+                  <a:srgbClr val="0E05BB"/>
+                </a:solidFill>
+                <a:latin typeface="Consolas" panose="020B0609020204030204" pitchFamily="49" charset="0"/>
+              </a:rPr>
+              <a:t>{</a:t>
+            </a:r>
+          </a:p>
+          <a:p>
+            <a:r>
+              <a:rPr lang="en-US" sz="1500" dirty="0">
+                <a:solidFill>
+                  <a:srgbClr val="C00000"/>
+                </a:solidFill>
+                <a:latin typeface="Consolas" panose="020B0609020204030204" pitchFamily="49" charset="0"/>
+              </a:rPr>
+              <a:t>	</a:t>
+            </a:r>
+            <a:r>
+              <a:rPr lang="en-US" sz="1500" dirty="0" smtClean="0">
+                <a:solidFill>
+                  <a:srgbClr val="C00000"/>
+                </a:solidFill>
+                <a:latin typeface="Consolas" panose="020B0609020204030204" pitchFamily="49" charset="0"/>
+              </a:rPr>
+              <a:t>background-color: </a:t>
+            </a:r>
+            <a:r>
+              <a:rPr lang="en-US" sz="1500" dirty="0">
+                <a:solidFill>
+                  <a:srgbClr val="0E05BB"/>
+                </a:solidFill>
+                <a:latin typeface="Consolas" panose="020B0609020204030204" pitchFamily="49" charset="0"/>
+              </a:rPr>
+              <a:t>linen</a:t>
+            </a:r>
+            <a:r>
+              <a:rPr lang="en-US" sz="1500" dirty="0" smtClean="0">
+                <a:solidFill>
+                  <a:srgbClr val="C00000"/>
+                </a:solidFill>
+                <a:latin typeface="Consolas" panose="020B0609020204030204" pitchFamily="49" charset="0"/>
+              </a:rPr>
+              <a:t>;</a:t>
+            </a:r>
+          </a:p>
+          <a:p>
+            <a:r>
+              <a:rPr lang="en-US" sz="1500" dirty="0" smtClean="0">
+                <a:solidFill>
+                  <a:srgbClr val="C00000"/>
+                </a:solidFill>
+                <a:latin typeface="Consolas" panose="020B0609020204030204" pitchFamily="49" charset="0"/>
+              </a:rPr>
+              <a:t> </a:t>
+            </a:r>
+            <a:r>
+              <a:rPr lang="en-US" sz="1500" dirty="0" smtClean="0">
+                <a:solidFill>
+                  <a:srgbClr val="0E05BB"/>
+                </a:solidFill>
+                <a:latin typeface="Consolas" panose="020B0609020204030204" pitchFamily="49" charset="0"/>
+              </a:rPr>
+              <a:t>}</a:t>
+            </a:r>
+          </a:p>
+          <a:p>
+            <a:r>
+              <a:rPr lang="en-US" sz="1500" dirty="0">
+                <a:solidFill>
+                  <a:srgbClr val="0E05BB"/>
+                </a:solidFill>
+                <a:latin typeface="Consolas" panose="020B0609020204030204" pitchFamily="49" charset="0"/>
+              </a:rPr>
+              <a:t> </a:t>
+            </a:r>
+            <a:r>
+              <a:rPr lang="en-US" sz="1500" dirty="0" smtClean="0">
+                <a:solidFill>
+                  <a:srgbClr val="C00000"/>
+                </a:solidFill>
+                <a:latin typeface="Consolas" panose="020B0609020204030204" pitchFamily="49" charset="0"/>
+              </a:rPr>
+              <a:t>h1 </a:t>
+            </a:r>
+            <a:r>
+              <a:rPr lang="en-US" sz="1500" dirty="0">
+                <a:solidFill>
+                  <a:srgbClr val="0E05BB"/>
+                </a:solidFill>
+                <a:latin typeface="Consolas" panose="020B0609020204030204" pitchFamily="49" charset="0"/>
+              </a:rPr>
+              <a:t>{</a:t>
+            </a:r>
+          </a:p>
+          <a:p>
+            <a:r>
+              <a:rPr lang="en-US" sz="1500" dirty="0">
+                <a:solidFill>
+                  <a:srgbClr val="C00000"/>
+                </a:solidFill>
+                <a:latin typeface="Consolas" panose="020B0609020204030204" pitchFamily="49" charset="0"/>
+              </a:rPr>
+              <a:t>	</a:t>
+            </a:r>
+            <a:r>
+              <a:rPr lang="en-US" sz="1500" dirty="0" smtClean="0">
+                <a:solidFill>
+                  <a:srgbClr val="C00000"/>
+                </a:solidFill>
+                <a:latin typeface="Consolas" panose="020B0609020204030204" pitchFamily="49" charset="0"/>
+              </a:rPr>
+              <a:t>color</a:t>
+            </a:r>
+            <a:r>
+              <a:rPr lang="en-US" sz="1500" dirty="0">
+                <a:solidFill>
+                  <a:srgbClr val="C00000"/>
+                </a:solidFill>
+                <a:latin typeface="Consolas" panose="020B0609020204030204" pitchFamily="49" charset="0"/>
+              </a:rPr>
+              <a:t>: </a:t>
+            </a:r>
+            <a:r>
+              <a:rPr lang="en-US" sz="1500" dirty="0" smtClean="0">
+                <a:solidFill>
+                  <a:srgbClr val="0E05BB"/>
+                </a:solidFill>
+                <a:latin typeface="Consolas" panose="020B0609020204030204" pitchFamily="49" charset="0"/>
+              </a:rPr>
+              <a:t>blue</a:t>
+            </a:r>
+            <a:r>
+              <a:rPr lang="en-US" sz="1500" dirty="0" smtClean="0">
+                <a:solidFill>
+                  <a:srgbClr val="C00000"/>
+                </a:solidFill>
+                <a:latin typeface="Consolas" panose="020B0609020204030204" pitchFamily="49" charset="0"/>
+              </a:rPr>
+              <a:t>;</a:t>
+            </a:r>
+          </a:p>
+          <a:p>
+            <a:r>
+              <a:rPr lang="en-US" sz="1500" dirty="0">
+                <a:solidFill>
+                  <a:srgbClr val="C00000"/>
+                </a:solidFill>
+                <a:latin typeface="Consolas" panose="020B0609020204030204" pitchFamily="49" charset="0"/>
+              </a:rPr>
+              <a:t>	</a:t>
+            </a:r>
+            <a:r>
+              <a:rPr lang="en-US" sz="1500" dirty="0" smtClean="0">
+                <a:solidFill>
+                  <a:srgbClr val="C00000"/>
+                </a:solidFill>
+                <a:latin typeface="Consolas" panose="020B0609020204030204" pitchFamily="49" charset="0"/>
+              </a:rPr>
+              <a:t>margin-left</a:t>
+            </a:r>
+            <a:r>
+              <a:rPr lang="en-US" sz="1500" dirty="0">
+                <a:solidFill>
+                  <a:srgbClr val="C00000"/>
+                </a:solidFill>
+                <a:latin typeface="Consolas" panose="020B0609020204030204" pitchFamily="49" charset="0"/>
+              </a:rPr>
+              <a:t>: </a:t>
+            </a:r>
+            <a:r>
+              <a:rPr lang="en-US" sz="1500" dirty="0">
+                <a:solidFill>
+                  <a:srgbClr val="0E05BB"/>
+                </a:solidFill>
+                <a:latin typeface="Consolas" panose="020B0609020204030204" pitchFamily="49" charset="0"/>
+              </a:rPr>
+              <a:t>20px</a:t>
+            </a:r>
+            <a:r>
+              <a:rPr lang="en-US" sz="1500" dirty="0">
+                <a:solidFill>
+                  <a:srgbClr val="C00000"/>
+                </a:solidFill>
+                <a:latin typeface="Consolas" panose="020B0609020204030204" pitchFamily="49" charset="0"/>
+              </a:rPr>
+              <a:t>;</a:t>
+            </a:r>
+          </a:p>
+          <a:p>
+            <a:r>
+              <a:rPr lang="en-US" sz="1500" dirty="0">
+                <a:solidFill>
+                  <a:srgbClr val="C00000"/>
+                </a:solidFill>
+                <a:latin typeface="Consolas" panose="020B0609020204030204" pitchFamily="49" charset="0"/>
+              </a:rPr>
+              <a:t> </a:t>
+            </a:r>
+            <a:r>
+              <a:rPr lang="en-US" sz="1500" dirty="0">
+                <a:solidFill>
+                  <a:srgbClr val="0E05BB"/>
+                </a:solidFill>
+                <a:latin typeface="Consolas" panose="020B0609020204030204" pitchFamily="49" charset="0"/>
+              </a:rPr>
+              <a:t>}</a:t>
+            </a:r>
+          </a:p>
+          <a:p>
+            <a:r>
+              <a:rPr lang="en-US" sz="1500" dirty="0" smtClean="0">
+                <a:solidFill>
+                  <a:srgbClr val="0E05BB"/>
+                </a:solidFill>
+                <a:latin typeface="Consolas" panose="020B0609020204030204" pitchFamily="49" charset="0"/>
+              </a:rPr>
+              <a:t>&lt;</a:t>
+            </a:r>
+            <a:r>
+              <a:rPr lang="en-US" sz="1500" dirty="0">
+                <a:solidFill>
+                  <a:srgbClr val="C00000"/>
+                </a:solidFill>
+                <a:latin typeface="Consolas" panose="020B0609020204030204" pitchFamily="49" charset="0"/>
+              </a:rPr>
+              <a:t>/</a:t>
+            </a:r>
+            <a:r>
+              <a:rPr lang="en-US" sz="1500" dirty="0" smtClean="0">
+                <a:solidFill>
+                  <a:srgbClr val="C00000"/>
+                </a:solidFill>
+                <a:latin typeface="Consolas" panose="020B0609020204030204" pitchFamily="49" charset="0"/>
+              </a:rPr>
+              <a:t>style</a:t>
+            </a:r>
+            <a:r>
+              <a:rPr lang="en-US" sz="1500" dirty="0">
+                <a:solidFill>
+                  <a:srgbClr val="0E05BB"/>
+                </a:solidFill>
+                <a:latin typeface="Consolas" panose="020B0609020204030204" pitchFamily="49" charset="0"/>
+              </a:rPr>
+              <a:t>&gt;</a:t>
+            </a:r>
+            <a:br>
+              <a:rPr lang="en-US" sz="1500" dirty="0">
+                <a:solidFill>
+                  <a:srgbClr val="0E05BB"/>
+                </a:solidFill>
+                <a:latin typeface="Consolas" panose="020B0609020204030204" pitchFamily="49" charset="0"/>
+              </a:rPr>
+            </a:br>
+            <a:r>
+              <a:rPr lang="en-US" sz="1500" dirty="0">
+                <a:solidFill>
+                  <a:srgbClr val="0E05BB"/>
+                </a:solidFill>
+                <a:latin typeface="Consolas" panose="020B0609020204030204" pitchFamily="49" charset="0"/>
+              </a:rPr>
+              <a:t>&lt;</a:t>
+            </a:r>
+            <a:r>
+              <a:rPr lang="en-US" sz="1500" dirty="0">
+                <a:solidFill>
+                  <a:srgbClr val="C00000"/>
+                </a:solidFill>
+                <a:latin typeface="Consolas" panose="020B0609020204030204" pitchFamily="49" charset="0"/>
+              </a:rPr>
+              <a:t>/head</a:t>
+            </a:r>
+            <a:r>
+              <a:rPr lang="en-US" sz="1500" dirty="0" smtClean="0">
+                <a:solidFill>
+                  <a:srgbClr val="0E05BB"/>
+                </a:solidFill>
+                <a:latin typeface="Consolas" panose="020B0609020204030204" pitchFamily="49" charset="0"/>
+              </a:rPr>
+              <a:t>&gt;</a:t>
+            </a:r>
+          </a:p>
+          <a:p>
+            <a:r>
+              <a:rPr lang="en-US" sz="1500" dirty="0" smtClean="0">
+                <a:solidFill>
+                  <a:srgbClr val="0E05BB"/>
+                </a:solidFill>
+                <a:latin typeface="Consolas" panose="020B0609020204030204" pitchFamily="49" charset="0"/>
+              </a:rPr>
+              <a:t>&lt;</a:t>
+            </a:r>
+            <a:r>
+              <a:rPr lang="en-US" sz="1500" dirty="0" smtClean="0">
+                <a:solidFill>
+                  <a:srgbClr val="C00000"/>
+                </a:solidFill>
+                <a:latin typeface="Consolas" panose="020B0609020204030204" pitchFamily="49" charset="0"/>
+              </a:rPr>
+              <a:t>body</a:t>
+            </a:r>
+            <a:r>
+              <a:rPr lang="en-US" sz="1500" dirty="0" smtClean="0">
+                <a:solidFill>
+                  <a:srgbClr val="0E05BB"/>
+                </a:solidFill>
+                <a:latin typeface="Consolas" panose="020B0609020204030204" pitchFamily="49" charset="0"/>
+              </a:rPr>
+              <a:t>&gt;</a:t>
+            </a:r>
+          </a:p>
+          <a:p>
+            <a:r>
+              <a:rPr lang="en-US" sz="1500" dirty="0">
+                <a:solidFill>
+                  <a:srgbClr val="0E05BB"/>
+                </a:solidFill>
+                <a:latin typeface="Consolas" panose="020B0609020204030204" pitchFamily="49" charset="0"/>
+              </a:rPr>
+              <a:t>&lt;</a:t>
+            </a:r>
+            <a:r>
+              <a:rPr lang="en-US" sz="1500" dirty="0" smtClean="0">
+                <a:solidFill>
+                  <a:srgbClr val="C00000"/>
+                </a:solidFill>
+                <a:latin typeface="Consolas" panose="020B0609020204030204" pitchFamily="49" charset="0"/>
+              </a:rPr>
+              <a:t>h1</a:t>
+            </a:r>
+            <a:r>
+              <a:rPr lang="en-US" sz="1500" dirty="0" smtClean="0">
+                <a:solidFill>
+                  <a:srgbClr val="0E05BB"/>
+                </a:solidFill>
+                <a:latin typeface="Consolas" panose="020B0609020204030204" pitchFamily="49" charset="0"/>
+              </a:rPr>
+              <a:t>&gt; </a:t>
+            </a:r>
+            <a:r>
+              <a:rPr lang="en-US" sz="1500" dirty="0">
+                <a:solidFill>
+                  <a:schemeClr val="tx1">
+                    <a:lumMod val="75000"/>
+                    <a:lumOff val="25000"/>
+                  </a:schemeClr>
+                </a:solidFill>
+                <a:latin typeface="Consolas" panose="020B0609020204030204" pitchFamily="49" charset="0"/>
+              </a:rPr>
+              <a:t>This is heading </a:t>
+            </a:r>
+            <a:r>
+              <a:rPr lang="en-US" sz="1500" dirty="0">
+                <a:solidFill>
+                  <a:srgbClr val="0E05BB"/>
+                </a:solidFill>
+                <a:latin typeface="Consolas" panose="020B0609020204030204" pitchFamily="49" charset="0"/>
+              </a:rPr>
+              <a:t>&lt;</a:t>
+            </a:r>
+            <a:r>
+              <a:rPr lang="en-US" sz="1500" dirty="0">
+                <a:solidFill>
+                  <a:srgbClr val="C00000"/>
+                </a:solidFill>
+                <a:latin typeface="Consolas" panose="020B0609020204030204" pitchFamily="49" charset="0"/>
+              </a:rPr>
+              <a:t>/h1</a:t>
+            </a:r>
+            <a:r>
+              <a:rPr lang="en-US" sz="1500" dirty="0">
+                <a:solidFill>
+                  <a:srgbClr val="0E05BB"/>
+                </a:solidFill>
+                <a:latin typeface="Consolas" panose="020B0609020204030204" pitchFamily="49" charset="0"/>
+              </a:rPr>
+              <a:t>&gt;</a:t>
+            </a:r>
+          </a:p>
+          <a:p>
+            <a:r>
+              <a:rPr lang="en-US" sz="1500" dirty="0">
+                <a:solidFill>
+                  <a:srgbClr val="0E05BB"/>
+                </a:solidFill>
+                <a:latin typeface="Consolas" panose="020B0609020204030204" pitchFamily="49" charset="0"/>
+              </a:rPr>
+              <a:t>&lt;</a:t>
+            </a:r>
+            <a:r>
+              <a:rPr lang="en-US" sz="1500" dirty="0">
+                <a:solidFill>
+                  <a:srgbClr val="C00000"/>
+                </a:solidFill>
+                <a:latin typeface="Consolas" panose="020B0609020204030204" pitchFamily="49" charset="0"/>
+              </a:rPr>
+              <a:t>/body</a:t>
+            </a:r>
+            <a:r>
+              <a:rPr lang="en-US" sz="1500" dirty="0" smtClean="0">
+                <a:solidFill>
+                  <a:srgbClr val="0E05BB"/>
+                </a:solidFill>
+                <a:latin typeface="Consolas" panose="020B0609020204030204" pitchFamily="49" charset="0"/>
+              </a:rPr>
+              <a:t>&gt;</a:t>
+            </a:r>
+            <a:endParaRPr lang="en-US" sz="1500" dirty="0">
+              <a:solidFill>
+                <a:srgbClr val="0E05BB"/>
+              </a:solidFill>
+              <a:latin typeface="Consolas" panose="020B0609020204030204" pitchFamily="49" charset="0"/>
+            </a:endParaRPr>
+          </a:p>
+        </p:txBody>
+      </p:sp>
+    </p:spTree>
+    <p:extLst>
+      <p:ext uri="{BB962C8B-B14F-4D97-AF65-F5344CB8AC3E}">
+        <p14:creationId xmlns:p14="http://schemas.microsoft.com/office/powerpoint/2010/main" val="3108471829"/>
+      </p:ext>
+    </p:extLst>
+  </p:cSld>
+  <p:clrMapOvr>
+    <a:masterClrMapping/>
+  </p:clrMapOvr>
+</p:sld>
+</file>
+
+<file path=ppt/slides/slide16.xml><?xml version="1.0" encoding="utf-8"?>
+<p:sld xmlns:a="http://schemas.openxmlformats.org/drawingml/2006/main" xmlns:r="http://schemas.openxmlformats.org/officeDocument/2006/relationships" xmlns:p="http://schemas.openxmlformats.org/presentationml/2006/main">
+  <p:cSld>
+    <p:spTree>
+      <p:nvGrpSpPr>
+        <p:cNvPr id="1" name=""/>
+        <p:cNvGrpSpPr/>
+        <p:nvPr/>
+      </p:nvGrpSpPr>
+      <p:grpSpPr>
+        <a:xfrm>
+          <a:off x="0" y="0"/>
+          <a:ext cx="0" cy="0"/>
+          <a:chOff x="0" y="0"/>
+          <a:chExt cx="0" cy="0"/>
+        </a:xfrm>
+      </p:grpSpPr>
+      <p:sp>
+        <p:nvSpPr>
+          <p:cNvPr id="2" name="Title 1"/>
+          <p:cNvSpPr>
+            <a:spLocks noGrp="1"/>
+          </p:cNvSpPr>
+          <p:nvPr>
+            <p:ph type="title"/>
+          </p:nvPr>
+        </p:nvSpPr>
+        <p:spPr>
+          <a:xfrm>
+            <a:off x="677334" y="266700"/>
+            <a:ext cx="8596668" cy="657225"/>
+          </a:xfrm>
+        </p:spPr>
+        <p:txBody>
+          <a:bodyPr/>
+          <a:lstStyle/>
+          <a:p>
+            <a:r>
+              <a:rPr lang="en-US" dirty="0" smtClean="0"/>
+              <a:t>Three ways to insert CSS</a:t>
+            </a:r>
+            <a:endParaRPr lang="en-US" dirty="0"/>
+          </a:p>
+        </p:txBody>
+      </p:sp>
+      <p:sp>
+        <p:nvSpPr>
+          <p:cNvPr id="3" name="Content Placeholder 2"/>
+          <p:cNvSpPr>
+            <a:spLocks noGrp="1"/>
+          </p:cNvSpPr>
+          <p:nvPr>
+            <p:ph idx="1"/>
+          </p:nvPr>
+        </p:nvSpPr>
+        <p:spPr>
+          <a:xfrm>
+            <a:off x="677334" y="1133475"/>
+            <a:ext cx="8596668" cy="4907888"/>
+          </a:xfrm>
+        </p:spPr>
+        <p:txBody>
+          <a:bodyPr>
+            <a:normAutofit/>
+          </a:bodyPr>
+          <a:lstStyle/>
+          <a:p>
+            <a:r>
+              <a:rPr lang="en-US" sz="2000" dirty="0" smtClean="0"/>
+              <a:t>Inline style</a:t>
+            </a:r>
+            <a:endParaRPr lang="en-US" sz="2000" dirty="0"/>
+          </a:p>
+        </p:txBody>
+      </p:sp>
+      <p:sp>
+        <p:nvSpPr>
+          <p:cNvPr id="4" name="Footer Placeholder 3"/>
+          <p:cNvSpPr>
+            <a:spLocks noGrp="1"/>
+          </p:cNvSpPr>
+          <p:nvPr>
+            <p:ph type="ftr" sz="quarter" idx="11"/>
+          </p:nvPr>
+        </p:nvSpPr>
+        <p:spPr/>
+        <p:txBody>
+          <a:bodyPr/>
+          <a:lstStyle/>
+          <a:p>
+            <a:r>
+              <a:rPr lang="en-US" dirty="0" smtClean="0"/>
+              <a:t>Lecturer: Mai Anh Phuong</a:t>
+            </a:r>
+            <a:endParaRPr lang="en-US" dirty="0"/>
+          </a:p>
+        </p:txBody>
+      </p:sp>
+      <p:sp>
+        <p:nvSpPr>
+          <p:cNvPr id="8" name="Rectangle 7"/>
+          <p:cNvSpPr/>
+          <p:nvPr/>
+        </p:nvSpPr>
+        <p:spPr>
+          <a:xfrm>
+            <a:off x="1142997" y="1594444"/>
+            <a:ext cx="8131005" cy="1453556"/>
+          </a:xfrm>
+          <a:prstGeom prst="rect">
+            <a:avLst/>
+          </a:prstGeom>
+        </p:spPr>
+        <p:style>
+          <a:lnRef idx="2">
+            <a:schemeClr val="accent1"/>
+          </a:lnRef>
+          <a:fillRef idx="1">
+            <a:schemeClr val="lt1"/>
+          </a:fillRef>
+          <a:effectRef idx="0">
+            <a:schemeClr val="accent1"/>
+          </a:effectRef>
+          <a:fontRef idx="minor">
+            <a:schemeClr val="dk1"/>
+          </a:fontRef>
+        </p:style>
+        <p:txBody>
+          <a:bodyPr rtlCol="0" anchor="ctr"/>
+          <a:lstStyle/>
+          <a:p>
+            <a:r>
+              <a:rPr lang="en-US" sz="1500" dirty="0">
+                <a:solidFill>
+                  <a:srgbClr val="0E05BB"/>
+                </a:solidFill>
+                <a:latin typeface="Consolas" panose="020B0609020204030204" pitchFamily="49" charset="0"/>
+              </a:rPr>
+              <a:t>&lt;</a:t>
+            </a:r>
+            <a:r>
+              <a:rPr lang="en-US" sz="1500" dirty="0">
+                <a:solidFill>
+                  <a:srgbClr val="C00000"/>
+                </a:solidFill>
+                <a:latin typeface="Consolas" panose="020B0609020204030204" pitchFamily="49" charset="0"/>
+              </a:rPr>
+              <a:t>head</a:t>
+            </a:r>
+            <a:r>
+              <a:rPr lang="en-US" sz="1500" dirty="0" smtClean="0">
+                <a:solidFill>
+                  <a:srgbClr val="0E05BB"/>
+                </a:solidFill>
+                <a:latin typeface="Consolas" panose="020B0609020204030204" pitchFamily="49" charset="0"/>
+              </a:rPr>
+              <a:t>&gt;</a:t>
+            </a:r>
+          </a:p>
+          <a:p>
+            <a:r>
+              <a:rPr lang="en-US" sz="1500" dirty="0" smtClean="0">
+                <a:solidFill>
+                  <a:srgbClr val="0E05BB"/>
+                </a:solidFill>
+                <a:latin typeface="Consolas" panose="020B0609020204030204" pitchFamily="49" charset="0"/>
+              </a:rPr>
+              <a:t>&lt;</a:t>
+            </a:r>
+            <a:r>
+              <a:rPr lang="en-US" sz="1500" dirty="0" smtClean="0">
+                <a:solidFill>
+                  <a:srgbClr val="C00000"/>
+                </a:solidFill>
+                <a:latin typeface="Consolas" panose="020B0609020204030204" pitchFamily="49" charset="0"/>
+              </a:rPr>
+              <a:t>/head</a:t>
+            </a:r>
+            <a:r>
+              <a:rPr lang="en-US" sz="1500" dirty="0">
+                <a:solidFill>
+                  <a:srgbClr val="0E05BB"/>
+                </a:solidFill>
+                <a:latin typeface="Consolas" panose="020B0609020204030204" pitchFamily="49" charset="0"/>
+              </a:rPr>
+              <a:t>&gt;</a:t>
+            </a:r>
+            <a:endParaRPr lang="en-US" sz="1500" dirty="0" smtClean="0">
+              <a:solidFill>
+                <a:srgbClr val="0E05BB"/>
+              </a:solidFill>
+              <a:latin typeface="Consolas" panose="020B0609020204030204" pitchFamily="49" charset="0"/>
+            </a:endParaRPr>
+          </a:p>
+          <a:p>
+            <a:r>
+              <a:rPr lang="en-US" sz="1500" dirty="0" smtClean="0">
+                <a:solidFill>
+                  <a:srgbClr val="0E05BB"/>
+                </a:solidFill>
+                <a:latin typeface="Consolas" panose="020B0609020204030204" pitchFamily="49" charset="0"/>
+              </a:rPr>
+              <a:t>&lt;</a:t>
+            </a:r>
+            <a:r>
+              <a:rPr lang="en-US" sz="1500" dirty="0" smtClean="0">
+                <a:solidFill>
+                  <a:srgbClr val="C00000"/>
+                </a:solidFill>
+                <a:latin typeface="Consolas" panose="020B0609020204030204" pitchFamily="49" charset="0"/>
+              </a:rPr>
+              <a:t>body</a:t>
+            </a:r>
+            <a:r>
+              <a:rPr lang="en-US" sz="1500" dirty="0">
+                <a:solidFill>
+                  <a:srgbClr val="C00000"/>
+                </a:solidFill>
+                <a:latin typeface="Consolas" panose="020B0609020204030204" pitchFamily="49" charset="0"/>
+              </a:rPr>
+              <a:t> style</a:t>
+            </a:r>
+            <a:r>
+              <a:rPr lang="en-US" sz="1500" dirty="0" smtClean="0">
+                <a:solidFill>
+                  <a:srgbClr val="0E05BB"/>
+                </a:solidFill>
+                <a:latin typeface="Consolas" panose="020B0609020204030204" pitchFamily="49" charset="0"/>
+              </a:rPr>
+              <a:t>="</a:t>
+            </a:r>
+            <a:r>
+              <a:rPr lang="en-US" sz="1500" dirty="0" err="1" smtClean="0">
+                <a:solidFill>
+                  <a:srgbClr val="0E05BB"/>
+                </a:solidFill>
+                <a:latin typeface="Consolas" panose="020B0609020204030204" pitchFamily="49" charset="0"/>
+              </a:rPr>
+              <a:t>background-color:linen</a:t>
+            </a:r>
+            <a:r>
+              <a:rPr lang="en-US" sz="1500" dirty="0" smtClean="0">
+                <a:solidFill>
+                  <a:srgbClr val="0E05BB"/>
+                </a:solidFill>
+                <a:latin typeface="Consolas" panose="020B0609020204030204" pitchFamily="49" charset="0"/>
+              </a:rPr>
+              <a:t>;"&gt;</a:t>
+            </a:r>
+          </a:p>
+          <a:p>
+            <a:r>
+              <a:rPr lang="en-US" sz="1500" dirty="0" smtClean="0">
+                <a:solidFill>
+                  <a:srgbClr val="0E05BB"/>
+                </a:solidFill>
+                <a:latin typeface="Consolas" panose="020B0609020204030204" pitchFamily="49" charset="0"/>
+              </a:rPr>
+              <a:t>&lt;</a:t>
+            </a:r>
+            <a:r>
+              <a:rPr lang="en-US" sz="1500" dirty="0">
+                <a:solidFill>
+                  <a:srgbClr val="C00000"/>
+                </a:solidFill>
+                <a:latin typeface="Consolas" panose="020B0609020204030204" pitchFamily="49" charset="0"/>
+              </a:rPr>
+              <a:t>h1</a:t>
+            </a:r>
+            <a:r>
+              <a:rPr lang="en-US" sz="1500" dirty="0" smtClean="0">
+                <a:solidFill>
+                  <a:srgbClr val="0E05BB"/>
+                </a:solidFill>
+                <a:latin typeface="Consolas" panose="020B0609020204030204" pitchFamily="49" charset="0"/>
+              </a:rPr>
+              <a:t> </a:t>
+            </a:r>
+            <a:r>
+              <a:rPr lang="en-US" sz="1500" dirty="0">
+                <a:solidFill>
+                  <a:srgbClr val="C00000"/>
+                </a:solidFill>
+                <a:latin typeface="Consolas" panose="020B0609020204030204" pitchFamily="49" charset="0"/>
+              </a:rPr>
+              <a:t>style</a:t>
+            </a:r>
+            <a:r>
+              <a:rPr lang="en-US" sz="1500" dirty="0" smtClean="0">
+                <a:solidFill>
+                  <a:srgbClr val="0E05BB"/>
+                </a:solidFill>
+                <a:latin typeface="Consolas" panose="020B0609020204030204" pitchFamily="49" charset="0"/>
+              </a:rPr>
+              <a:t>="</a:t>
+            </a:r>
+            <a:r>
+              <a:rPr lang="en-US" sz="1500" dirty="0" err="1" smtClean="0">
+                <a:solidFill>
+                  <a:srgbClr val="0E05BB"/>
+                </a:solidFill>
+                <a:latin typeface="Consolas" panose="020B0609020204030204" pitchFamily="49" charset="0"/>
+              </a:rPr>
+              <a:t>color:blue</a:t>
+            </a:r>
+            <a:r>
+              <a:rPr lang="en-US" sz="1500" dirty="0" smtClean="0">
+                <a:solidFill>
+                  <a:srgbClr val="0E05BB"/>
+                </a:solidFill>
+                <a:latin typeface="Consolas" panose="020B0609020204030204" pitchFamily="49" charset="0"/>
+              </a:rPr>
+              <a:t>; margin-left:30px"&gt; </a:t>
+            </a:r>
+            <a:r>
+              <a:rPr lang="en-US" sz="1500" dirty="0">
+                <a:solidFill>
+                  <a:schemeClr val="tx1">
+                    <a:lumMod val="75000"/>
+                    <a:lumOff val="25000"/>
+                  </a:schemeClr>
+                </a:solidFill>
+                <a:latin typeface="Consolas" panose="020B0609020204030204" pitchFamily="49" charset="0"/>
+              </a:rPr>
+              <a:t>This is heading </a:t>
+            </a:r>
+            <a:r>
+              <a:rPr lang="en-US" sz="1500" dirty="0" smtClean="0">
+                <a:solidFill>
+                  <a:srgbClr val="0E05BB"/>
+                </a:solidFill>
+                <a:latin typeface="Consolas" panose="020B0609020204030204" pitchFamily="49" charset="0"/>
+              </a:rPr>
+              <a:t>&lt;</a:t>
+            </a:r>
+            <a:r>
+              <a:rPr lang="en-US" sz="1500" dirty="0">
+                <a:solidFill>
+                  <a:srgbClr val="C00000"/>
+                </a:solidFill>
+                <a:latin typeface="Consolas" panose="020B0609020204030204" pitchFamily="49" charset="0"/>
+              </a:rPr>
+              <a:t>/h1</a:t>
+            </a:r>
+            <a:r>
+              <a:rPr lang="en-US" sz="1500" dirty="0" smtClean="0">
+                <a:solidFill>
+                  <a:srgbClr val="0E05BB"/>
+                </a:solidFill>
+                <a:latin typeface="Consolas" panose="020B0609020204030204" pitchFamily="49" charset="0"/>
+              </a:rPr>
+              <a:t>&gt;</a:t>
+            </a:r>
+            <a:r>
+              <a:rPr lang="en-US" sz="1500" dirty="0">
+                <a:solidFill>
+                  <a:srgbClr val="0E05BB"/>
+                </a:solidFill>
+                <a:latin typeface="Consolas" panose="020B0609020204030204" pitchFamily="49" charset="0"/>
+              </a:rPr>
+              <a:t/>
+            </a:r>
+            <a:br>
+              <a:rPr lang="en-US" sz="1500" dirty="0">
+                <a:solidFill>
+                  <a:srgbClr val="0E05BB"/>
+                </a:solidFill>
+                <a:latin typeface="Consolas" panose="020B0609020204030204" pitchFamily="49" charset="0"/>
+              </a:rPr>
+            </a:br>
+            <a:r>
+              <a:rPr lang="en-US" sz="1500" dirty="0" smtClean="0">
+                <a:solidFill>
+                  <a:srgbClr val="0E05BB"/>
+                </a:solidFill>
+                <a:latin typeface="Consolas" panose="020B0609020204030204" pitchFamily="49" charset="0"/>
+              </a:rPr>
+              <a:t>&lt;</a:t>
+            </a:r>
+            <a:r>
+              <a:rPr lang="en-US" sz="1500" dirty="0" smtClean="0">
+                <a:solidFill>
+                  <a:srgbClr val="C00000"/>
+                </a:solidFill>
+                <a:latin typeface="Consolas" panose="020B0609020204030204" pitchFamily="49" charset="0"/>
+              </a:rPr>
+              <a:t>/</a:t>
+            </a:r>
+            <a:r>
+              <a:rPr lang="en-US" sz="1500" dirty="0">
+                <a:solidFill>
+                  <a:srgbClr val="C00000"/>
+                </a:solidFill>
+                <a:latin typeface="Consolas" panose="020B0609020204030204" pitchFamily="49" charset="0"/>
+              </a:rPr>
+              <a:t>body</a:t>
+            </a:r>
+            <a:r>
+              <a:rPr lang="en-US" sz="1500" dirty="0" smtClean="0">
+                <a:solidFill>
+                  <a:srgbClr val="0E05BB"/>
+                </a:solidFill>
+                <a:latin typeface="Consolas" panose="020B0609020204030204" pitchFamily="49" charset="0"/>
+              </a:rPr>
+              <a:t>&gt;</a:t>
+            </a:r>
+            <a:endParaRPr lang="en-US" sz="1500" dirty="0">
+              <a:solidFill>
+                <a:srgbClr val="0E05BB"/>
+              </a:solidFill>
+              <a:latin typeface="Consolas" panose="020B0609020204030204" pitchFamily="49" charset="0"/>
+            </a:endParaRPr>
+          </a:p>
+        </p:txBody>
+      </p:sp>
+    </p:spTree>
+    <p:extLst>
+      <p:ext uri="{BB962C8B-B14F-4D97-AF65-F5344CB8AC3E}">
+        <p14:creationId xmlns:p14="http://schemas.microsoft.com/office/powerpoint/2010/main" val="4231021127"/>
+      </p:ext>
+    </p:extLst>
+  </p:cSld>
+  <p:clrMapOvr>
+    <a:masterClrMapping/>
+  </p:clrMapOvr>
+</p:sld>
+</file>
+
+<file path=ppt/slides/slide17.xml><?xml version="1.0" encoding="utf-8"?>
 <p:sld xmlns:a="http://schemas.openxmlformats.org/drawingml/2006/main" xmlns:r="http://schemas.openxmlformats.org/officeDocument/2006/relationships" xmlns:p="http://schemas.openxmlformats.org/presentationml/2006/main">
   <p:cSld>
     <p:bg>
@@ -6948,7 +9659,7 @@
           <p:cNvPr id="4" name="Footer Placeholder 3">
             <a:extLst>
               <a:ext uri="{FF2B5EF4-FFF2-40B4-BE49-F238E27FC236}">
-                <a16:creationId xmlns:a16="http://schemas.microsoft.com/office/drawing/2014/main" id="{58067873-E821-413C-A873-01CC7AF6309D}"/>
+                <a16:creationId xmlns:a16="http://schemas.microsoft.com/office/drawing/2014/main" xmlns="" id="{58067873-E821-413C-A873-01CC7AF6309D}"/>
               </a:ext>
             </a:extLst>
           </p:cNvPr>
@@ -6978,55 +9689,46 @@
       </p:sp>
       <p:sp>
         <p:nvSpPr>
-          <p:cNvPr id="6" name="Content Placeholder 5">
+          <p:cNvPr id="5" name="Rectangle 4">
             <a:extLst>
               <a:ext uri="{FF2B5EF4-FFF2-40B4-BE49-F238E27FC236}">
-                <a16:creationId xmlns:a16="http://schemas.microsoft.com/office/drawing/2014/main" id="{8CF76ED8-5E43-4F27-B273-BA4E50F02B5A}"/>
+                <a16:creationId xmlns:a16="http://schemas.microsoft.com/office/drawing/2014/main" xmlns="" id="{9BF65F1D-032E-4BC9-965B-AC131CD9699D}"/>
               </a:ext>
             </a:extLst>
           </p:cNvPr>
-          <p:cNvSpPr>
-            <a:spLocks noGrp="1"/>
-          </p:cNvSpPr>
-          <p:nvPr>
-            <p:ph idx="1"/>
-          </p:nvPr>
-        </p:nvSpPr>
-        <p:spPr/>
-        <p:txBody>
-          <a:bodyPr/>
-          <a:lstStyle/>
-          <a:p>
-            <a:endParaRPr lang="en-US"/>
-          </a:p>
-        </p:txBody>
-      </p:sp>
-      <p:sp>
-        <p:nvSpPr>
-          <p:cNvPr id="8" name="Title 7">
-            <a:extLst>
-              <a:ext uri="{FF2B5EF4-FFF2-40B4-BE49-F238E27FC236}">
-                <a16:creationId xmlns:a16="http://schemas.microsoft.com/office/drawing/2014/main" id="{113753B0-5CB0-4705-98B4-EB0C2E4AA403}"/>
-              </a:ext>
-            </a:extLst>
-          </p:cNvPr>
-          <p:cNvSpPr>
-            <a:spLocks noGrp="1"/>
-          </p:cNvSpPr>
-          <p:nvPr>
-            <p:ph type="title"/>
-          </p:nvPr>
-        </p:nvSpPr>
-        <p:spPr/>
-        <p:txBody>
-          <a:bodyPr vert="horz" lIns="91440" tIns="45720" rIns="91440" bIns="45720" rtlCol="0" anchor="t">
-            <a:normAutofit/>
+          <p:cNvSpPr/>
+          <p:nvPr/>
+        </p:nvSpPr>
+        <p:spPr>
+          <a:xfrm rot="20116986">
+            <a:off x="1132913" y="1219241"/>
+            <a:ext cx="8767042" cy="3919033"/>
+          </a:xfrm>
+          <a:prstGeom prst="rect">
+            <a:avLst/>
+          </a:prstGeom>
+        </p:spPr>
+        <p:txBody>
+          <a:bodyPr vert="horz" lIns="91440" tIns="45720" rIns="91440" bIns="45720" rtlCol="0" anchor="ctr">
+            <a:noAutofit/>
           </a:bodyPr>
           <a:lstStyle/>
           <a:p>
-            <a:r>
-              <a:rPr lang="en-US" sz="4000" dirty="0"/>
-              <a:t>Q &amp; A</a:t>
+            <a:pPr algn="ctr">
+              <a:spcBef>
+                <a:spcPct val="0"/>
+              </a:spcBef>
+            </a:pPr>
+            <a:r>
+              <a:rPr lang="en-US" sz="8000" dirty="0">
+                <a:solidFill>
+                  <a:schemeClr val="accent1"/>
+                </a:solidFill>
+                <a:latin typeface="+mj-lt"/>
+                <a:ea typeface="+mj-ea"/>
+                <a:cs typeface="+mj-cs"/>
+              </a:rPr>
+              <a:t>What’s Bootstrap framework?</a:t>
             </a:r>
           </a:p>
         </p:txBody>
@@ -7034,17 +9736,149 @@
     </p:spTree>
     <p:extLst>
       <p:ext uri="{BB962C8B-B14F-4D97-AF65-F5344CB8AC3E}">
-        <p14:creationId xmlns:p14="http://schemas.microsoft.com/office/powerpoint/2010/main" val="3942875701"/>
+        <p14:creationId xmlns:p14="http://schemas.microsoft.com/office/powerpoint/2010/main" val="3970286569"/>
       </p:ext>
     </p:extLst>
   </p:cSld>
   <p:clrMapOvr>
     <a:masterClrMapping/>
   </p:clrMapOvr>
+  <p:timing>
+    <p:tnLst>
+      <p:par>
+        <p:cTn id="1" dur="indefinite" restart="never" nodeType="tmRoot">
+          <p:childTnLst>
+            <p:seq concurrent="1" nextAc="seek">
+              <p:cTn id="2" dur="indefinite" nodeType="mainSeq">
+                <p:childTnLst>
+                  <p:par>
+                    <p:cTn id="3" fill="hold">
+                      <p:stCondLst>
+                        <p:cond delay="indefinite"/>
+                      </p:stCondLst>
+                      <p:childTnLst>
+                        <p:par>
+                          <p:cTn id="4" fill="hold">
+                            <p:stCondLst>
+                              <p:cond delay="0"/>
+                            </p:stCondLst>
+                            <p:childTnLst>
+                              <p:par>
+                                <p:cTn id="5" presetID="53" presetClass="entr" presetSubtype="16" fill="hold" grpId="0" nodeType="clickEffect">
+                                  <p:stCondLst>
+                                    <p:cond delay="0"/>
+                                  </p:stCondLst>
+                                  <p:childTnLst>
+                                    <p:set>
+                                      <p:cBhvr>
+                                        <p:cTn id="6" dur="1" fill="hold">
+                                          <p:stCondLst>
+                                            <p:cond delay="0"/>
+                                          </p:stCondLst>
+                                        </p:cTn>
+                                        <p:tgtEl>
+                                          <p:spTgt spid="5"/>
+                                        </p:tgtEl>
+                                        <p:attrNameLst>
+                                          <p:attrName>style.visibility</p:attrName>
+                                        </p:attrNameLst>
+                                      </p:cBhvr>
+                                      <p:to>
+                                        <p:strVal val="visible"/>
+                                      </p:to>
+                                    </p:set>
+                                    <p:anim calcmode="lin" valueType="num">
+                                      <p:cBhvr>
+                                        <p:cTn id="7" dur="500" fill="hold"/>
+                                        <p:tgtEl>
+                                          <p:spTgt spid="5"/>
+                                        </p:tgtEl>
+                                        <p:attrNameLst>
+                                          <p:attrName>ppt_w</p:attrName>
+                                        </p:attrNameLst>
+                                      </p:cBhvr>
+                                      <p:tavLst>
+                                        <p:tav tm="0">
+                                          <p:val>
+                                            <p:fltVal val="0"/>
+                                          </p:val>
+                                        </p:tav>
+                                        <p:tav tm="100000">
+                                          <p:val>
+                                            <p:strVal val="#ppt_w"/>
+                                          </p:val>
+                                        </p:tav>
+                                      </p:tavLst>
+                                    </p:anim>
+                                    <p:anim calcmode="lin" valueType="num">
+                                      <p:cBhvr>
+                                        <p:cTn id="8" dur="500" fill="hold"/>
+                                        <p:tgtEl>
+                                          <p:spTgt spid="5"/>
+                                        </p:tgtEl>
+                                        <p:attrNameLst>
+                                          <p:attrName>ppt_h</p:attrName>
+                                        </p:attrNameLst>
+                                      </p:cBhvr>
+                                      <p:tavLst>
+                                        <p:tav tm="0">
+                                          <p:val>
+                                            <p:fltVal val="0"/>
+                                          </p:val>
+                                        </p:tav>
+                                        <p:tav tm="100000">
+                                          <p:val>
+                                            <p:strVal val="#ppt_h"/>
+                                          </p:val>
+                                        </p:tav>
+                                      </p:tavLst>
+                                    </p:anim>
+                                    <p:animEffect transition="in" filter="fade">
+                                      <p:cBhvr>
+                                        <p:cTn id="9" dur="500"/>
+                                        <p:tgtEl>
+                                          <p:spTgt spid="5"/>
+                                        </p:tgtEl>
+                                      </p:cBhvr>
+                                    </p:animEffect>
+                                  </p:childTnLst>
+                                </p:cTn>
+                              </p:par>
+                            </p:childTnLst>
+                          </p:cTn>
+                        </p:par>
+                      </p:childTnLst>
+                    </p:cTn>
+                  </p:par>
+                </p:childTnLst>
+              </p:cTn>
+              <p:prevCondLst>
+                <p:cond evt="onPrev" delay="0">
+                  <p:tgtEl>
+                    <p:sldTgt/>
+                  </p:tgtEl>
+                </p:cond>
+              </p:prevCondLst>
+              <p:nextCondLst>
+                <p:cond evt="onNext" delay="0">
+                  <p:tgtEl>
+                    <p:sldTgt/>
+                  </p:tgtEl>
+                </p:cond>
+              </p:nextCondLst>
+            </p:seq>
+          </p:childTnLst>
+        </p:cTn>
+      </p:par>
+    </p:tnLst>
+    <p:bldLst>
+      <p:bldP spid="5" grpId="0"/>
+    </p:bldLst>
+  </p:timing>
 </p:sld>
 </file>
 
-<file path=ppt/slides/slide13.xml><?xml version="1.0" encoding="utf-8"?>
+<file path=ppt/slides/slide18.xml><?xml version="1.0" encoding="utf-8"?>
 <p:sld xmlns:a="http://schemas.openxmlformats.org/drawingml/2006/main" xmlns:r="http://schemas.openxmlformats.org/officeDocument/2006/relationships" xmlns:p="http://schemas.openxmlformats.org/presentationml/2006/main">
   <p:cSld>
     <p:bg>
@@ -7074,7 +9908,7 @@
           <p:cNvPr id="4" name="Footer Placeholder 3">
             <a:extLst>
               <a:ext uri="{FF2B5EF4-FFF2-40B4-BE49-F238E27FC236}">
-                <a16:creationId xmlns:a16="http://schemas.microsoft.com/office/drawing/2014/main" id="{58067873-E821-413C-A873-01CC7AF6309D}"/>
+                <a16:creationId xmlns:a16="http://schemas.microsoft.com/office/drawing/2014/main" xmlns="" id="{58067873-E821-413C-A873-01CC7AF6309D}"/>
               </a:ext>
             </a:extLst>
           </p:cNvPr>
@@ -7107,7 +9941,7 @@
           <p:cNvPr id="6" name="Content Placeholder 5">
             <a:extLst>
               <a:ext uri="{FF2B5EF4-FFF2-40B4-BE49-F238E27FC236}">
-                <a16:creationId xmlns:a16="http://schemas.microsoft.com/office/drawing/2014/main" id="{8CF76ED8-5E43-4F27-B273-BA4E50F02B5A}"/>
+                <a16:creationId xmlns:a16="http://schemas.microsoft.com/office/drawing/2014/main" xmlns="" id="{8CF76ED8-5E43-4F27-B273-BA4E50F02B5A}"/>
               </a:ext>
             </a:extLst>
           </p:cNvPr>
@@ -7118,55 +9952,378 @@
             <p:ph idx="1"/>
           </p:nvPr>
         </p:nvSpPr>
-        <p:spPr/>
-        <p:txBody>
-          <a:bodyPr/>
+        <p:spPr>
+          <a:xfrm>
+            <a:off x="677334" y="600076"/>
+            <a:ext cx="8596668" cy="5431762"/>
+          </a:xfrm>
+        </p:spPr>
+        <p:txBody>
+          <a:bodyPr vert="horz" lIns="91440" tIns="45720" rIns="91440" bIns="45720" rtlCol="0">
+            <a:normAutofit/>
+          </a:bodyPr>
           <a:lstStyle/>
           <a:p>
-            <a:endParaRPr lang="en-US"/>
-          </a:p>
-        </p:txBody>
-      </p:sp>
-      <p:sp>
-        <p:nvSpPr>
-          <p:cNvPr id="8" name="Title 7">
+            <a:r>
+              <a:rPr lang="en-US" sz="2200" dirty="0"/>
+              <a:t>Open-source front-end framework</a:t>
+            </a:r>
+          </a:p>
+          <a:p>
+            <a:endParaRPr lang="en-US" sz="2200" dirty="0"/>
+          </a:p>
+          <a:p>
+            <a:r>
+              <a:rPr lang="en-US" sz="2200" dirty="0"/>
+              <a:t>The most popular HTML, CSS, and JS framework for developing responsive, mobile first projects on the web.</a:t>
+            </a:r>
+          </a:p>
+          <a:p>
+            <a:endParaRPr lang="en-US" sz="2200" dirty="0"/>
+          </a:p>
+          <a:p>
+            <a:r>
+              <a:rPr lang="en-US" sz="2200" dirty="0"/>
+              <a:t>Three main files</a:t>
+            </a:r>
+          </a:p>
+          <a:p>
+            <a:pPr lvl="1">
+              <a:buFont typeface="Arial" panose="020B0604020202020204" pitchFamily="34" charset="0"/>
+              <a:buChar char="•"/>
+            </a:pPr>
+            <a:r>
+              <a:rPr lang="en-US" sz="2000" dirty="0"/>
+              <a:t>bootstrap.css – a CSS framework</a:t>
+            </a:r>
+          </a:p>
+          <a:p>
+            <a:pPr lvl="1">
+              <a:buFont typeface="Arial" panose="020B0604020202020204" pitchFamily="34" charset="0"/>
+              <a:buChar char="•"/>
+            </a:pPr>
+            <a:r>
+              <a:rPr lang="en-US" sz="2000" dirty="0"/>
+              <a:t>bootstrap.js – a </a:t>
+            </a:r>
+            <a:r>
+              <a:rPr lang="en-US" sz="2000" dirty="0" err="1"/>
+              <a:t>Javascript</a:t>
+            </a:r>
+            <a:r>
+              <a:rPr lang="en-US" sz="2000" dirty="0"/>
+              <a:t>/jQuery</a:t>
+            </a:r>
+          </a:p>
+          <a:p>
+            <a:pPr lvl="1">
+              <a:buFont typeface="Arial" panose="020B0604020202020204" pitchFamily="34" charset="0"/>
+              <a:buChar char="•"/>
+            </a:pPr>
+            <a:r>
+              <a:rPr lang="en-US" sz="2000" dirty="0" err="1"/>
+              <a:t>glyphicons</a:t>
+            </a:r>
+            <a:r>
+              <a:rPr lang="en-US" sz="2000" dirty="0"/>
+              <a:t> – a font (an icon font set)</a:t>
+            </a:r>
+          </a:p>
+          <a:p>
+            <a:endParaRPr lang="en-US" sz="2200" dirty="0"/>
+          </a:p>
+          <a:p>
+            <a:endParaRPr lang="en-US" sz="2200" dirty="0"/>
+          </a:p>
+        </p:txBody>
+      </p:sp>
+      <p:pic>
+        <p:nvPicPr>
+          <p:cNvPr id="5" name="Picture 4">
             <a:extLst>
               <a:ext uri="{FF2B5EF4-FFF2-40B4-BE49-F238E27FC236}">
-                <a16:creationId xmlns:a16="http://schemas.microsoft.com/office/drawing/2014/main" id="{113753B0-5CB0-4705-98B4-EB0C2E4AA403}"/>
+                <a16:creationId xmlns:a16="http://schemas.microsoft.com/office/drawing/2014/main" xmlns="" id="{BD364901-0A7B-4750-A8C2-04F1ECD8B466}"/>
               </a:ext>
             </a:extLst>
           </p:cNvPr>
-          <p:cNvSpPr>
-            <a:spLocks noGrp="1"/>
-          </p:cNvSpPr>
-          <p:nvPr>
-            <p:ph type="title"/>
-          </p:nvPr>
-        </p:nvSpPr>
-        <p:spPr/>
-        <p:txBody>
-          <a:bodyPr vert="horz" lIns="91440" tIns="45720" rIns="91440" bIns="45720" rtlCol="0" anchor="t">
-            <a:normAutofit/>
-          </a:bodyPr>
-          <a:lstStyle/>
-          <a:p>
-            <a:r>
-              <a:rPr lang="en-US" sz="4000" dirty="0"/>
-              <a:t>Assignment</a:t>
-            </a:r>
-          </a:p>
-        </p:txBody>
-      </p:sp>
+          <p:cNvPicPr/>
+          <p:nvPr/>
+        </p:nvPicPr>
+        <p:blipFill>
+          <a:blip r:embed="rId2"/>
+          <a:stretch>
+            <a:fillRect/>
+          </a:stretch>
+        </p:blipFill>
+        <p:spPr>
+          <a:xfrm>
+            <a:off x="5788578" y="3241604"/>
+            <a:ext cx="3907357" cy="3387026"/>
+          </a:xfrm>
+          <a:prstGeom prst="rect">
+            <a:avLst/>
+          </a:prstGeom>
+        </p:spPr>
+      </p:pic>
     </p:spTree>
     <p:extLst>
       <p:ext uri="{BB962C8B-B14F-4D97-AF65-F5344CB8AC3E}">
-        <p14:creationId xmlns:p14="http://schemas.microsoft.com/office/powerpoint/2010/main" val="2717596287"/>
+        <p14:creationId xmlns:p14="http://schemas.microsoft.com/office/powerpoint/2010/main" val="1158962401"/>
       </p:ext>
     </p:extLst>
   </p:cSld>
   <p:clrMapOvr>
     <a:masterClrMapping/>
   </p:clrMapOvr>
+</p:sld>
+</file>
+
+<file path=ppt/slides/slide19.xml><?xml version="1.0" encoding="utf-8"?>
+<p:sld xmlns:a="http://schemas.openxmlformats.org/drawingml/2006/main" xmlns:r="http://schemas.openxmlformats.org/officeDocument/2006/relationships" xmlns:p="http://schemas.openxmlformats.org/presentationml/2006/main">
+  <p:cSld>
+    <p:bg>
+      <p:bgPr>
+        <a:solidFill>
+          <a:schemeClr val="bg1"/>
+        </a:solidFill>
+        <a:effectLst/>
+      </p:bgPr>
+    </p:bg>
+    <p:spTree>
+      <p:nvGrpSpPr>
+        <p:cNvPr id="1" name=""/>
+        <p:cNvGrpSpPr/>
+        <p:nvPr/>
+      </p:nvGrpSpPr>
+      <p:grpSpPr>
+        <a:xfrm>
+          <a:off x="0" y="0"/>
+          <a:ext cx="0" cy="0"/>
+          <a:chOff x="0" y="0"/>
+          <a:chExt cx="0" cy="0"/>
+        </a:xfrm>
+      </p:grpSpPr>
+      <p:sp>
+        <p:nvSpPr>
+          <p:cNvPr id="4" name="Footer Placeholder 3">
+            <a:extLst>
+              <a:ext uri="{FF2B5EF4-FFF2-40B4-BE49-F238E27FC236}">
+                <a16:creationId xmlns:a16="http://schemas.microsoft.com/office/drawing/2014/main" xmlns="" id="{58067873-E821-413C-A873-01CC7AF6309D}"/>
+              </a:ext>
+            </a:extLst>
+          </p:cNvPr>
+          <p:cNvSpPr>
+            <a:spLocks noGrp="1"/>
+          </p:cNvSpPr>
+          <p:nvPr>
+            <p:ph type="ftr" sz="quarter" idx="11"/>
+          </p:nvPr>
+        </p:nvSpPr>
+        <p:spPr>
+          <a:xfrm>
+            <a:off x="677334" y="6502682"/>
+            <a:ext cx="6297612" cy="365125"/>
+          </a:xfrm>
+        </p:spPr>
+        <p:txBody>
+          <a:bodyPr/>
+          <a:lstStyle/>
+          <a:p>
+            <a:r>
+              <a:rPr lang="en-US" dirty="0"/>
+              <a:t>Lecturer: Mai Anh Phuong</a:t>
+            </a:r>
+          </a:p>
+        </p:txBody>
+      </p:sp>
+      <p:sp>
+        <p:nvSpPr>
+          <p:cNvPr id="5" name="Rectangle 4">
+            <a:extLst>
+              <a:ext uri="{FF2B5EF4-FFF2-40B4-BE49-F238E27FC236}">
+                <a16:creationId xmlns:a16="http://schemas.microsoft.com/office/drawing/2014/main" xmlns="" id="{9BF65F1D-032E-4BC9-965B-AC131CD9699D}"/>
+              </a:ext>
+            </a:extLst>
+          </p:cNvPr>
+          <p:cNvSpPr/>
+          <p:nvPr/>
+        </p:nvSpPr>
+        <p:spPr>
+          <a:xfrm rot="20263870">
+            <a:off x="1166313" y="1440820"/>
+            <a:ext cx="8767042" cy="3705996"/>
+          </a:xfrm>
+          <a:prstGeom prst="rect">
+            <a:avLst/>
+          </a:prstGeom>
+        </p:spPr>
+        <p:txBody>
+          <a:bodyPr vert="horz" lIns="91440" tIns="45720" rIns="91440" bIns="45720" rtlCol="0" anchor="ctr">
+            <a:noAutofit/>
+          </a:bodyPr>
+          <a:lstStyle/>
+          <a:p>
+            <a:pPr algn="ctr">
+              <a:spcBef>
+                <a:spcPct val="0"/>
+              </a:spcBef>
+            </a:pPr>
+            <a:r>
+              <a:rPr lang="en-US" sz="8000" dirty="0">
+                <a:solidFill>
+                  <a:schemeClr val="accent1"/>
+                </a:solidFill>
+                <a:latin typeface="+mj-lt"/>
+                <a:ea typeface="+mj-ea"/>
+                <a:cs typeface="+mj-cs"/>
+              </a:rPr>
+              <a:t>Why’s Bootstrap?</a:t>
+            </a:r>
+          </a:p>
+        </p:txBody>
+      </p:sp>
+    </p:spTree>
+    <p:extLst>
+      <p:ext uri="{BB962C8B-B14F-4D97-AF65-F5344CB8AC3E}">
+        <p14:creationId xmlns:p14="http://schemas.microsoft.com/office/powerpoint/2010/main" val="3030099454"/>
+      </p:ext>
+    </p:extLst>
+  </p:cSld>
+  <p:clrMapOvr>
+    <a:masterClrMapping/>
+  </p:clrMapOvr>
+  <p:timing>
+    <p:tnLst>
+      <p:par>
+        <p:cTn id="1" dur="indefinite" restart="never" nodeType="tmRoot">
+          <p:childTnLst>
+            <p:seq concurrent="1" nextAc="seek">
+              <p:cTn id="2" dur="indefinite" nodeType="mainSeq">
+                <p:childTnLst>
+                  <p:par>
+                    <p:cTn id="3" fill="hold">
+                      <p:stCondLst>
+                        <p:cond delay="indefinite"/>
+                      </p:stCondLst>
+                      <p:childTnLst>
+                        <p:par>
+                          <p:cTn id="4" fill="hold">
+                            <p:stCondLst>
+                              <p:cond delay="0"/>
+                            </p:stCondLst>
+                            <p:childTnLst>
+                              <p:par>
+                                <p:cTn id="5" presetID="53" presetClass="entr" presetSubtype="16" fill="hold" grpId="0" nodeType="clickEffect">
+                                  <p:stCondLst>
+                                    <p:cond delay="0"/>
+                                  </p:stCondLst>
+                                  <p:childTnLst>
+                                    <p:set>
+                                      <p:cBhvr>
+                                        <p:cTn id="6" dur="1" fill="hold">
+                                          <p:stCondLst>
+                                            <p:cond delay="0"/>
+                                          </p:stCondLst>
+                                        </p:cTn>
+                                        <p:tgtEl>
+                                          <p:spTgt spid="5"/>
+                                        </p:tgtEl>
+                                        <p:attrNameLst>
+                                          <p:attrName>style.visibility</p:attrName>
+                                        </p:attrNameLst>
+                                      </p:cBhvr>
+                                      <p:to>
+                                        <p:strVal val="visible"/>
+                                      </p:to>
+                                    </p:set>
+                                    <p:anim calcmode="lin" valueType="num">
+                                      <p:cBhvr>
+                                        <p:cTn id="7" dur="500" fill="hold"/>
+                                        <p:tgtEl>
+                                          <p:spTgt spid="5"/>
+                                        </p:tgtEl>
+                                        <p:attrNameLst>
+                                          <p:attrName>ppt_w</p:attrName>
+                                        </p:attrNameLst>
+                                      </p:cBhvr>
+                                      <p:tavLst>
+                                        <p:tav tm="0">
+                                          <p:val>
+                                            <p:fltVal val="0"/>
+                                          </p:val>
+                                        </p:tav>
+                                        <p:tav tm="100000">
+                                          <p:val>
+                                            <p:strVal val="#ppt_w"/>
+                                          </p:val>
+                                        </p:tav>
+                                      </p:tavLst>
+                                    </p:anim>
+                                    <p:anim calcmode="lin" valueType="num">
+                                      <p:cBhvr>
+                                        <p:cTn id="8" dur="500" fill="hold"/>
+                                        <p:tgtEl>
+                                          <p:spTgt spid="5"/>
+                                        </p:tgtEl>
+                                        <p:attrNameLst>
+                                          <p:attrName>ppt_h</p:attrName>
+                                        </p:attrNameLst>
+                                      </p:cBhvr>
+                                      <p:tavLst>
+                                        <p:tav tm="0">
+                                          <p:val>
+                                            <p:fltVal val="0"/>
+                                          </p:val>
+                                        </p:tav>
+                                        <p:tav tm="100000">
+                                          <p:val>
+                                            <p:strVal val="#ppt_h"/>
+                                          </p:val>
+                                        </p:tav>
+                                      </p:tavLst>
+                                    </p:anim>
+                                    <p:animEffect transition="in" filter="fade">
+                                      <p:cBhvr>
+                                        <p:cTn id="9" dur="500"/>
+                                        <p:tgtEl>
+                                          <p:spTgt spid="5"/>
+                                        </p:tgtEl>
+                                      </p:cBhvr>
+                                    </p:animEffect>
+                                  </p:childTnLst>
+                                </p:cTn>
+                              </p:par>
+                            </p:childTnLst>
+                          </p:cTn>
+                        </p:par>
+                      </p:childTnLst>
+                    </p:cTn>
+                  </p:par>
+                </p:childTnLst>
+              </p:cTn>
+              <p:prevCondLst>
+                <p:cond evt="onPrev" delay="0">
+                  <p:tgtEl>
+                    <p:sldTgt/>
+                  </p:tgtEl>
+                </p:cond>
+              </p:prevCondLst>
+              <p:nextCondLst>
+                <p:cond evt="onNext" delay="0">
+                  <p:tgtEl>
+                    <p:sldTgt/>
+                  </p:tgtEl>
+                </p:cond>
+              </p:nextCondLst>
+            </p:seq>
+          </p:childTnLst>
+        </p:cTn>
+      </p:par>
+    </p:tnLst>
+    <p:bldLst>
+      <p:bldP spid="5" grpId="0"/>
+    </p:bldLst>
+  </p:timing>
 </p:sld>
 </file>
 
@@ -7200,7 +10357,7 @@
           <p:cNvPr id="2" name="Title 1">
             <a:extLst>
               <a:ext uri="{FF2B5EF4-FFF2-40B4-BE49-F238E27FC236}">
-                <a16:creationId xmlns:a16="http://schemas.microsoft.com/office/drawing/2014/main" id="{E6499AB7-BCB0-4F10-82F5-7FE0B5B32605}"/>
+                <a16:creationId xmlns:a16="http://schemas.microsoft.com/office/drawing/2014/main" xmlns="" id="{E6499AB7-BCB0-4F10-82F5-7FE0B5B32605}"/>
               </a:ext>
             </a:extLst>
           </p:cNvPr>
@@ -7230,7 +10387,7 @@
           <p:cNvPr id="3" name="Content Placeholder 2">
             <a:extLst>
               <a:ext uri="{FF2B5EF4-FFF2-40B4-BE49-F238E27FC236}">
-                <a16:creationId xmlns:a16="http://schemas.microsoft.com/office/drawing/2014/main" id="{A1BA4EB4-B9F3-475E-BB48-3E2DF4286F8D}"/>
+                <a16:creationId xmlns:a16="http://schemas.microsoft.com/office/drawing/2014/main" xmlns="" id="{A1BA4EB4-B9F3-475E-BB48-3E2DF4286F8D}"/>
               </a:ext>
             </a:extLst>
           </p:cNvPr>
@@ -7273,9 +10430,10 @@
           </a:p>
           <a:p>
             <a:r>
-              <a:rPr lang="en-US" sz="2200" dirty="0"/>
-              <a:t>Assignment.</a:t>
-            </a:r>
+              <a:rPr lang="en-US" sz="2200" smtClean="0"/>
+              <a:t>Assignment</a:t>
+            </a:r>
+            <a:endParaRPr lang="en-US" sz="2200" dirty="0"/>
           </a:p>
         </p:txBody>
       </p:sp>
@@ -7284,7 +10442,7 @@
           <p:cNvPr id="4" name="Footer Placeholder 3">
             <a:extLst>
               <a:ext uri="{FF2B5EF4-FFF2-40B4-BE49-F238E27FC236}">
-                <a16:creationId xmlns:a16="http://schemas.microsoft.com/office/drawing/2014/main" id="{58067873-E821-413C-A873-01CC7AF6309D}"/>
+                <a16:creationId xmlns:a16="http://schemas.microsoft.com/office/drawing/2014/main" xmlns="" id="{58067873-E821-413C-A873-01CC7AF6309D}"/>
               </a:ext>
             </a:extLst>
           </p:cNvPr>
@@ -7322,6 +10480,3679 @@
   <p:clrMapOvr>
     <a:masterClrMapping/>
   </p:clrMapOvr>
+</p:sld>
+</file>
+
+<file path=ppt/slides/slide20.xml><?xml version="1.0" encoding="utf-8"?>
+<p:sld xmlns:a="http://schemas.openxmlformats.org/drawingml/2006/main" xmlns:r="http://schemas.openxmlformats.org/officeDocument/2006/relationships" xmlns:p="http://schemas.openxmlformats.org/presentationml/2006/main">
+  <p:cSld>
+    <p:bg>
+      <p:bgPr>
+        <a:solidFill>
+          <a:schemeClr val="bg1"/>
+        </a:solidFill>
+        <a:effectLst/>
+      </p:bgPr>
+    </p:bg>
+    <p:spTree>
+      <p:nvGrpSpPr>
+        <p:cNvPr id="1" name=""/>
+        <p:cNvGrpSpPr/>
+        <p:nvPr/>
+      </p:nvGrpSpPr>
+      <p:grpSpPr>
+        <a:xfrm>
+          <a:off x="0" y="0"/>
+          <a:ext cx="0" cy="0"/>
+          <a:chOff x="0" y="0"/>
+          <a:chExt cx="0" cy="0"/>
+        </a:xfrm>
+      </p:grpSpPr>
+      <p:sp>
+        <p:nvSpPr>
+          <p:cNvPr id="4" name="Footer Placeholder 3">
+            <a:extLst>
+              <a:ext uri="{FF2B5EF4-FFF2-40B4-BE49-F238E27FC236}">
+                <a16:creationId xmlns:a16="http://schemas.microsoft.com/office/drawing/2014/main" xmlns="" id="{58067873-E821-413C-A873-01CC7AF6309D}"/>
+              </a:ext>
+            </a:extLst>
+          </p:cNvPr>
+          <p:cNvSpPr>
+            <a:spLocks noGrp="1"/>
+          </p:cNvSpPr>
+          <p:nvPr>
+            <p:ph type="ftr" sz="quarter" idx="11"/>
+          </p:nvPr>
+        </p:nvSpPr>
+        <p:spPr>
+          <a:xfrm>
+            <a:off x="677334" y="6502682"/>
+            <a:ext cx="6297612" cy="365125"/>
+          </a:xfrm>
+        </p:spPr>
+        <p:txBody>
+          <a:bodyPr/>
+          <a:lstStyle/>
+          <a:p>
+            <a:r>
+              <a:rPr lang="en-US" dirty="0"/>
+              <a:t>Lecturer: Mai Anh Phuong</a:t>
+            </a:r>
+          </a:p>
+        </p:txBody>
+      </p:sp>
+      <p:sp>
+        <p:nvSpPr>
+          <p:cNvPr id="6" name="Content Placeholder 5">
+            <a:extLst>
+              <a:ext uri="{FF2B5EF4-FFF2-40B4-BE49-F238E27FC236}">
+                <a16:creationId xmlns:a16="http://schemas.microsoft.com/office/drawing/2014/main" xmlns="" id="{8CF76ED8-5E43-4F27-B273-BA4E50F02B5A}"/>
+              </a:ext>
+            </a:extLst>
+          </p:cNvPr>
+          <p:cNvSpPr>
+            <a:spLocks noGrp="1"/>
+          </p:cNvSpPr>
+          <p:nvPr>
+            <p:ph idx="1"/>
+          </p:nvPr>
+        </p:nvSpPr>
+        <p:spPr>
+          <a:xfrm>
+            <a:off x="677334" y="600076"/>
+            <a:ext cx="8596668" cy="5431762"/>
+          </a:xfrm>
+        </p:spPr>
+        <p:txBody>
+          <a:bodyPr vert="horz" lIns="91440" tIns="45720" rIns="91440" bIns="45720" rtlCol="0">
+            <a:normAutofit/>
+          </a:bodyPr>
+          <a:lstStyle/>
+          <a:p>
+            <a:r>
+              <a:rPr lang="en-US" sz="2200" b="1" dirty="0"/>
+              <a:t>Easy to use</a:t>
+            </a:r>
+            <a:br>
+              <a:rPr lang="en-US" sz="2200" b="1" dirty="0"/>
+            </a:br>
+            <a:r>
+              <a:rPr lang="en-US" sz="2000" i="1" dirty="0"/>
+              <a:t>Anybody with just basic knowledge of HTML and CSS can start using Bootstrap</a:t>
+            </a:r>
+          </a:p>
+          <a:p>
+            <a:endParaRPr lang="en-US" sz="2000" i="1" dirty="0"/>
+          </a:p>
+          <a:p>
+            <a:r>
+              <a:rPr lang="en-US" sz="2200" b="1" dirty="0"/>
+              <a:t>Responsive features</a:t>
+            </a:r>
+            <a:r>
+              <a:rPr lang="en-US" sz="2200" dirty="0"/>
+              <a:t/>
+            </a:r>
+            <a:br>
+              <a:rPr lang="en-US" sz="2200" dirty="0"/>
+            </a:br>
+            <a:r>
+              <a:rPr lang="en-US" sz="2000" i="1" dirty="0"/>
+              <a:t>Bootstrap's responsive CSS adjusts to phones, tablets, and desktops</a:t>
+            </a:r>
+          </a:p>
+          <a:p>
+            <a:endParaRPr lang="en-US" sz="2000" i="1" dirty="0"/>
+          </a:p>
+          <a:p>
+            <a:r>
+              <a:rPr lang="en-US" sz="2200" b="1" dirty="0"/>
+              <a:t>Mobile-first approach</a:t>
+            </a:r>
+            <a:r>
+              <a:rPr lang="en-US" sz="2200" dirty="0"/>
+              <a:t/>
+            </a:r>
+            <a:br>
+              <a:rPr lang="en-US" sz="2200" dirty="0"/>
+            </a:br>
+            <a:r>
+              <a:rPr lang="en-US" sz="2000" i="1" dirty="0"/>
+              <a:t>In Bootstrap 3, mobile-first styles are part of the core framework</a:t>
+            </a:r>
+          </a:p>
+          <a:p>
+            <a:endParaRPr lang="en-US" sz="2200" dirty="0"/>
+          </a:p>
+          <a:p>
+            <a:r>
+              <a:rPr lang="en-US" sz="2200" b="1" dirty="0"/>
+              <a:t>Browser compatibility</a:t>
+            </a:r>
+            <a:br>
+              <a:rPr lang="en-US" sz="2200" b="1" dirty="0"/>
+            </a:br>
+            <a:r>
+              <a:rPr lang="en-US" sz="2000" i="1" dirty="0"/>
+              <a:t>Bootstrap is compatible with all modern browsers (Chrome, Firefox, Internet Explorer, Edge, Safari, and Opera)</a:t>
+            </a:r>
+          </a:p>
+        </p:txBody>
+      </p:sp>
+    </p:spTree>
+    <p:extLst>
+      <p:ext uri="{BB962C8B-B14F-4D97-AF65-F5344CB8AC3E}">
+        <p14:creationId xmlns:p14="http://schemas.microsoft.com/office/powerpoint/2010/main" val="2003335289"/>
+      </p:ext>
+    </p:extLst>
+  </p:cSld>
+  <p:clrMapOvr>
+    <a:masterClrMapping/>
+  </p:clrMapOvr>
+</p:sld>
+</file>
+
+<file path=ppt/slides/slide21.xml><?xml version="1.0" encoding="utf-8"?>
+<p:sld xmlns:a="http://schemas.openxmlformats.org/drawingml/2006/main" xmlns:r="http://schemas.openxmlformats.org/officeDocument/2006/relationships" xmlns:p="http://schemas.openxmlformats.org/presentationml/2006/main">
+  <p:cSld>
+    <p:bg>
+      <p:bgPr>
+        <a:solidFill>
+          <a:schemeClr val="bg1"/>
+        </a:solidFill>
+        <a:effectLst/>
+      </p:bgPr>
+    </p:bg>
+    <p:spTree>
+      <p:nvGrpSpPr>
+        <p:cNvPr id="1" name=""/>
+        <p:cNvGrpSpPr/>
+        <p:nvPr/>
+      </p:nvGrpSpPr>
+      <p:grpSpPr>
+        <a:xfrm>
+          <a:off x="0" y="0"/>
+          <a:ext cx="0" cy="0"/>
+          <a:chOff x="0" y="0"/>
+          <a:chExt cx="0" cy="0"/>
+        </a:xfrm>
+      </p:grpSpPr>
+      <p:sp>
+        <p:nvSpPr>
+          <p:cNvPr id="4" name="Footer Placeholder 3">
+            <a:extLst>
+              <a:ext uri="{FF2B5EF4-FFF2-40B4-BE49-F238E27FC236}">
+                <a16:creationId xmlns:a16="http://schemas.microsoft.com/office/drawing/2014/main" xmlns="" id="{58067873-E821-413C-A873-01CC7AF6309D}"/>
+              </a:ext>
+            </a:extLst>
+          </p:cNvPr>
+          <p:cNvSpPr>
+            <a:spLocks noGrp="1"/>
+          </p:cNvSpPr>
+          <p:nvPr>
+            <p:ph type="ftr" sz="quarter" idx="11"/>
+          </p:nvPr>
+        </p:nvSpPr>
+        <p:spPr>
+          <a:xfrm>
+            <a:off x="677334" y="6502682"/>
+            <a:ext cx="6297612" cy="365125"/>
+          </a:xfrm>
+        </p:spPr>
+        <p:txBody>
+          <a:bodyPr/>
+          <a:lstStyle/>
+          <a:p>
+            <a:r>
+              <a:rPr lang="en-US" dirty="0"/>
+              <a:t>Lecturer: Mai Anh Phuong</a:t>
+            </a:r>
+          </a:p>
+        </p:txBody>
+      </p:sp>
+      <p:sp>
+        <p:nvSpPr>
+          <p:cNvPr id="6" name="Rectangle 5">
+            <a:extLst>
+              <a:ext uri="{FF2B5EF4-FFF2-40B4-BE49-F238E27FC236}">
+                <a16:creationId xmlns:a16="http://schemas.microsoft.com/office/drawing/2014/main" xmlns="" id="{9BF65F1D-032E-4BC9-965B-AC131CD9699D}"/>
+              </a:ext>
+            </a:extLst>
+          </p:cNvPr>
+          <p:cNvSpPr/>
+          <p:nvPr/>
+        </p:nvSpPr>
+        <p:spPr>
+          <a:xfrm rot="20263870">
+            <a:off x="1166313" y="1440820"/>
+            <a:ext cx="8767042" cy="3705996"/>
+          </a:xfrm>
+          <a:prstGeom prst="rect">
+            <a:avLst/>
+          </a:prstGeom>
+        </p:spPr>
+        <p:txBody>
+          <a:bodyPr vert="horz" lIns="91440" tIns="45720" rIns="91440" bIns="45720" rtlCol="0" anchor="ctr">
+            <a:noAutofit/>
+          </a:bodyPr>
+          <a:lstStyle/>
+          <a:p>
+            <a:pPr algn="ctr">
+              <a:spcBef>
+                <a:spcPct val="0"/>
+              </a:spcBef>
+            </a:pPr>
+            <a:r>
+              <a:rPr lang="en-US" sz="8000" dirty="0" smtClean="0">
+                <a:solidFill>
+                  <a:schemeClr val="accent1"/>
+                </a:solidFill>
+                <a:latin typeface="+mj-lt"/>
+                <a:ea typeface="+mj-ea"/>
+                <a:cs typeface="+mj-cs"/>
+              </a:rPr>
+              <a:t>How to...?</a:t>
+            </a:r>
+            <a:endParaRPr lang="en-US" sz="8000" dirty="0">
+              <a:solidFill>
+                <a:schemeClr val="accent1"/>
+              </a:solidFill>
+              <a:latin typeface="+mj-lt"/>
+              <a:ea typeface="+mj-ea"/>
+              <a:cs typeface="+mj-cs"/>
+            </a:endParaRPr>
+          </a:p>
+        </p:txBody>
+      </p:sp>
+    </p:spTree>
+    <p:extLst>
+      <p:ext uri="{BB962C8B-B14F-4D97-AF65-F5344CB8AC3E}">
+        <p14:creationId xmlns:p14="http://schemas.microsoft.com/office/powerpoint/2010/main" val="3455298445"/>
+      </p:ext>
+    </p:extLst>
+  </p:cSld>
+  <p:clrMapOvr>
+    <a:masterClrMapping/>
+  </p:clrMapOvr>
+  <p:timing>
+    <p:tnLst>
+      <p:par>
+        <p:cTn id="1" dur="indefinite" restart="never" nodeType="tmRoot">
+          <p:childTnLst>
+            <p:seq concurrent="1" nextAc="seek">
+              <p:cTn id="2" dur="indefinite" nodeType="mainSeq">
+                <p:childTnLst>
+                  <p:par>
+                    <p:cTn id="3" fill="hold">
+                      <p:stCondLst>
+                        <p:cond delay="indefinite"/>
+                      </p:stCondLst>
+                      <p:childTnLst>
+                        <p:par>
+                          <p:cTn id="4" fill="hold">
+                            <p:stCondLst>
+                              <p:cond delay="0"/>
+                            </p:stCondLst>
+                            <p:childTnLst>
+                              <p:par>
+                                <p:cTn id="5" presetID="53" presetClass="entr" presetSubtype="16" fill="hold" grpId="0" nodeType="clickEffect">
+                                  <p:stCondLst>
+                                    <p:cond delay="0"/>
+                                  </p:stCondLst>
+                                  <p:childTnLst>
+                                    <p:set>
+                                      <p:cBhvr>
+                                        <p:cTn id="6" dur="1" fill="hold">
+                                          <p:stCondLst>
+                                            <p:cond delay="0"/>
+                                          </p:stCondLst>
+                                        </p:cTn>
+                                        <p:tgtEl>
+                                          <p:spTgt spid="6"/>
+                                        </p:tgtEl>
+                                        <p:attrNameLst>
+                                          <p:attrName>style.visibility</p:attrName>
+                                        </p:attrNameLst>
+                                      </p:cBhvr>
+                                      <p:to>
+                                        <p:strVal val="visible"/>
+                                      </p:to>
+                                    </p:set>
+                                    <p:anim calcmode="lin" valueType="num">
+                                      <p:cBhvr>
+                                        <p:cTn id="7" dur="500" fill="hold"/>
+                                        <p:tgtEl>
+                                          <p:spTgt spid="6"/>
+                                        </p:tgtEl>
+                                        <p:attrNameLst>
+                                          <p:attrName>ppt_w</p:attrName>
+                                        </p:attrNameLst>
+                                      </p:cBhvr>
+                                      <p:tavLst>
+                                        <p:tav tm="0">
+                                          <p:val>
+                                            <p:fltVal val="0"/>
+                                          </p:val>
+                                        </p:tav>
+                                        <p:tav tm="100000">
+                                          <p:val>
+                                            <p:strVal val="#ppt_w"/>
+                                          </p:val>
+                                        </p:tav>
+                                      </p:tavLst>
+                                    </p:anim>
+                                    <p:anim calcmode="lin" valueType="num">
+                                      <p:cBhvr>
+                                        <p:cTn id="8" dur="500" fill="hold"/>
+                                        <p:tgtEl>
+                                          <p:spTgt spid="6"/>
+                                        </p:tgtEl>
+                                        <p:attrNameLst>
+                                          <p:attrName>ppt_h</p:attrName>
+                                        </p:attrNameLst>
+                                      </p:cBhvr>
+                                      <p:tavLst>
+                                        <p:tav tm="0">
+                                          <p:val>
+                                            <p:fltVal val="0"/>
+                                          </p:val>
+                                        </p:tav>
+                                        <p:tav tm="100000">
+                                          <p:val>
+                                            <p:strVal val="#ppt_h"/>
+                                          </p:val>
+                                        </p:tav>
+                                      </p:tavLst>
+                                    </p:anim>
+                                    <p:animEffect transition="in" filter="fade">
+                                      <p:cBhvr>
+                                        <p:cTn id="9" dur="500"/>
+                                        <p:tgtEl>
+                                          <p:spTgt spid="6"/>
+                                        </p:tgtEl>
+                                      </p:cBhvr>
+                                    </p:animEffect>
+                                  </p:childTnLst>
+                                </p:cTn>
+                              </p:par>
+                            </p:childTnLst>
+                          </p:cTn>
+                        </p:par>
+                      </p:childTnLst>
+                    </p:cTn>
+                  </p:par>
+                </p:childTnLst>
+              </p:cTn>
+              <p:prevCondLst>
+                <p:cond evt="onPrev" delay="0">
+                  <p:tgtEl>
+                    <p:sldTgt/>
+                  </p:tgtEl>
+                </p:cond>
+              </p:prevCondLst>
+              <p:nextCondLst>
+                <p:cond evt="onNext" delay="0">
+                  <p:tgtEl>
+                    <p:sldTgt/>
+                  </p:tgtEl>
+                </p:cond>
+              </p:nextCondLst>
+            </p:seq>
+          </p:childTnLst>
+        </p:cTn>
+      </p:par>
+    </p:tnLst>
+    <p:bldLst>
+      <p:bldP spid="6" grpId="0"/>
+    </p:bldLst>
+  </p:timing>
+</p:sld>
+</file>
+
+<file path=ppt/slides/slide22.xml><?xml version="1.0" encoding="utf-8"?>
+<p:sld xmlns:a="http://schemas.openxmlformats.org/drawingml/2006/main" xmlns:r="http://schemas.openxmlformats.org/officeDocument/2006/relationships" xmlns:p="http://schemas.openxmlformats.org/presentationml/2006/main">
+  <p:cSld>
+    <p:spTree>
+      <p:nvGrpSpPr>
+        <p:cNvPr id="1" name=""/>
+        <p:cNvGrpSpPr/>
+        <p:nvPr/>
+      </p:nvGrpSpPr>
+      <p:grpSpPr>
+        <a:xfrm>
+          <a:off x="0" y="0"/>
+          <a:ext cx="0" cy="0"/>
+          <a:chOff x="0" y="0"/>
+          <a:chExt cx="0" cy="0"/>
+        </a:xfrm>
+      </p:grpSpPr>
+      <p:sp>
+        <p:nvSpPr>
+          <p:cNvPr id="4" name="Footer Placeholder 3">
+            <a:extLst>
+              <a:ext uri="{FF2B5EF4-FFF2-40B4-BE49-F238E27FC236}">
+                <a16:creationId xmlns:a16="http://schemas.microsoft.com/office/drawing/2014/main" xmlns="" id="{58067873-E821-413C-A873-01CC7AF6309D}"/>
+              </a:ext>
+            </a:extLst>
+          </p:cNvPr>
+          <p:cNvSpPr>
+            <a:spLocks noGrp="1"/>
+          </p:cNvSpPr>
+          <p:nvPr>
+            <p:ph type="ftr" sz="quarter" idx="11"/>
+          </p:nvPr>
+        </p:nvSpPr>
+        <p:spPr>
+          <a:xfrm>
+            <a:off x="677334" y="6502682"/>
+            <a:ext cx="6297612" cy="365125"/>
+          </a:xfrm>
+        </p:spPr>
+        <p:txBody>
+          <a:bodyPr/>
+          <a:lstStyle/>
+          <a:p>
+            <a:r>
+              <a:rPr lang="en-US" dirty="0"/>
+              <a:t>Lecturer: Mai Anh Phuong</a:t>
+            </a:r>
+          </a:p>
+        </p:txBody>
+      </p:sp>
+      <p:sp>
+        <p:nvSpPr>
+          <p:cNvPr id="10" name="Title 1"/>
+          <p:cNvSpPr>
+            <a:spLocks noGrp="1"/>
+          </p:cNvSpPr>
+          <p:nvPr>
+            <p:ph type="title"/>
+          </p:nvPr>
+        </p:nvSpPr>
+        <p:spPr>
+          <a:xfrm>
+            <a:off x="677334" y="266700"/>
+            <a:ext cx="8596668" cy="657225"/>
+          </a:xfrm>
+        </p:spPr>
+        <p:txBody>
+          <a:bodyPr/>
+          <a:lstStyle/>
+          <a:p>
+            <a:r>
+              <a:rPr lang="en-US" dirty="0" smtClean="0"/>
+              <a:t>Require</a:t>
+            </a:r>
+            <a:endParaRPr lang="en-US" dirty="0"/>
+          </a:p>
+        </p:txBody>
+      </p:sp>
+      <p:sp>
+        <p:nvSpPr>
+          <p:cNvPr id="11" name="Content Placeholder 2"/>
+          <p:cNvSpPr>
+            <a:spLocks noGrp="1"/>
+          </p:cNvSpPr>
+          <p:nvPr>
+            <p:ph idx="1"/>
+          </p:nvPr>
+        </p:nvSpPr>
+        <p:spPr>
+          <a:xfrm>
+            <a:off x="677334" y="1019175"/>
+            <a:ext cx="8596668" cy="1057275"/>
+          </a:xfrm>
+        </p:spPr>
+        <p:txBody>
+          <a:bodyPr>
+            <a:normAutofit/>
+          </a:bodyPr>
+          <a:lstStyle/>
+          <a:p>
+            <a:r>
+              <a:rPr lang="en-US" sz="2000" dirty="0"/>
+              <a:t>Many of our </a:t>
+            </a:r>
+            <a:r>
+              <a:rPr lang="en-US" sz="2000" dirty="0" smtClean="0"/>
+              <a:t>components from bootstrap framework </a:t>
+            </a:r>
+            <a:r>
+              <a:rPr lang="en-US" sz="2000" dirty="0"/>
+              <a:t>require the use of </a:t>
+            </a:r>
+            <a:r>
+              <a:rPr lang="en-US" sz="2000" dirty="0" err="1" smtClean="0"/>
+              <a:t>JQuery</a:t>
+            </a:r>
+            <a:r>
+              <a:rPr lang="en-US" sz="2000" dirty="0" smtClean="0"/>
+              <a:t> </a:t>
+            </a:r>
+            <a:r>
+              <a:rPr lang="en-US" sz="2000" dirty="0"/>
+              <a:t>to </a:t>
+            </a:r>
+            <a:r>
+              <a:rPr lang="en-US" sz="2000" dirty="0" smtClean="0"/>
+              <a:t>function.</a:t>
+            </a:r>
+          </a:p>
+        </p:txBody>
+      </p:sp>
+      <p:sp>
+        <p:nvSpPr>
+          <p:cNvPr id="13" name="Title 1"/>
+          <p:cNvSpPr txBox="1">
+            <a:spLocks/>
+          </p:cNvSpPr>
+          <p:nvPr/>
+        </p:nvSpPr>
+        <p:spPr>
+          <a:xfrm>
+            <a:off x="677334" y="2247900"/>
+            <a:ext cx="8596668" cy="657225"/>
+          </a:xfrm>
+          <a:prstGeom prst="rect">
+            <a:avLst/>
+          </a:prstGeom>
+        </p:spPr>
+        <p:txBody>
+          <a:bodyPr vert="horz" lIns="91440" tIns="45720" rIns="91440" bIns="45720" rtlCol="0" anchor="t">
+            <a:normAutofit/>
+          </a:bodyPr>
+          <a:lstStyle>
+            <a:lvl1pPr algn="l" defTabSz="457200" rtl="0" eaLnBrk="1" latinLnBrk="0" hangingPunct="1">
+              <a:spcBef>
+                <a:spcPct val="0"/>
+              </a:spcBef>
+              <a:buNone/>
+              <a:defRPr sz="3600" kern="1200">
+                <a:solidFill>
+                  <a:schemeClr val="accent1"/>
+                </a:solidFill>
+                <a:latin typeface="+mj-lt"/>
+                <a:ea typeface="+mj-ea"/>
+                <a:cs typeface="+mj-cs"/>
+              </a:defRPr>
+            </a:lvl1pPr>
+            <a:lvl2pPr eaLnBrk="1" hangingPunct="1">
+              <a:defRPr>
+                <a:solidFill>
+                  <a:schemeClr val="tx2"/>
+                </a:solidFill>
+              </a:defRPr>
+            </a:lvl2pPr>
+            <a:lvl3pPr eaLnBrk="1" hangingPunct="1">
+              <a:defRPr>
+                <a:solidFill>
+                  <a:schemeClr val="tx2"/>
+                </a:solidFill>
+              </a:defRPr>
+            </a:lvl3pPr>
+            <a:lvl4pPr eaLnBrk="1" hangingPunct="1">
+              <a:defRPr>
+                <a:solidFill>
+                  <a:schemeClr val="tx2"/>
+                </a:solidFill>
+              </a:defRPr>
+            </a:lvl4pPr>
+            <a:lvl5pPr eaLnBrk="1" hangingPunct="1">
+              <a:defRPr>
+                <a:solidFill>
+                  <a:schemeClr val="tx2"/>
+                </a:solidFill>
+              </a:defRPr>
+            </a:lvl5pPr>
+            <a:lvl6pPr eaLnBrk="1" hangingPunct="1">
+              <a:defRPr>
+                <a:solidFill>
+                  <a:schemeClr val="tx2"/>
+                </a:solidFill>
+              </a:defRPr>
+            </a:lvl6pPr>
+            <a:lvl7pPr eaLnBrk="1" hangingPunct="1">
+              <a:defRPr>
+                <a:solidFill>
+                  <a:schemeClr val="tx2"/>
+                </a:solidFill>
+              </a:defRPr>
+            </a:lvl7pPr>
+            <a:lvl8pPr eaLnBrk="1" hangingPunct="1">
+              <a:defRPr>
+                <a:solidFill>
+                  <a:schemeClr val="tx2"/>
+                </a:solidFill>
+              </a:defRPr>
+            </a:lvl8pPr>
+            <a:lvl9pPr eaLnBrk="1" hangingPunct="1">
+              <a:defRPr>
+                <a:solidFill>
+                  <a:schemeClr val="tx2"/>
+                </a:solidFill>
+              </a:defRPr>
+            </a:lvl9pPr>
+          </a:lstStyle>
+          <a:p>
+            <a:r>
+              <a:rPr lang="en-US" dirty="0" smtClean="0"/>
+              <a:t>How to start</a:t>
+            </a:r>
+            <a:endParaRPr lang="en-US" dirty="0"/>
+          </a:p>
+        </p:txBody>
+      </p:sp>
+      <p:sp>
+        <p:nvSpPr>
+          <p:cNvPr id="14" name="Content Placeholder 2"/>
+          <p:cNvSpPr txBox="1">
+            <a:spLocks/>
+          </p:cNvSpPr>
+          <p:nvPr/>
+        </p:nvSpPr>
+        <p:spPr>
+          <a:xfrm>
+            <a:off x="677334" y="3038475"/>
+            <a:ext cx="8596668" cy="3216557"/>
+          </a:xfrm>
+          <a:prstGeom prst="rect">
+            <a:avLst/>
+          </a:prstGeom>
+        </p:spPr>
+        <p:txBody>
+          <a:bodyPr vert="horz" lIns="91440" tIns="45720" rIns="91440" bIns="45720" rtlCol="0">
+            <a:normAutofit/>
+          </a:bodyPr>
+          <a:lstStyle>
+            <a:lvl1pPr marL="342900" indent="-342900" algn="l" defTabSz="457200" rtl="0" eaLnBrk="1" latinLnBrk="0" hangingPunct="1">
+              <a:spcBef>
+                <a:spcPts val="1000"/>
+              </a:spcBef>
+              <a:spcAft>
+                <a:spcPts val="0"/>
+              </a:spcAft>
+              <a:buClr>
+                <a:schemeClr val="accent1"/>
+              </a:buClr>
+              <a:buSzPct val="80000"/>
+              <a:buFont typeface="Wingdings 3" charset="2"/>
+              <a:buChar char=""/>
+              <a:defRPr sz="1800" kern="1200">
+                <a:solidFill>
+                  <a:schemeClr val="tx1">
+                    <a:lumMod val="75000"/>
+                    <a:lumOff val="25000"/>
+                  </a:schemeClr>
+                </a:solidFill>
+                <a:latin typeface="+mn-lt"/>
+                <a:ea typeface="+mn-ea"/>
+                <a:cs typeface="+mn-cs"/>
+              </a:defRPr>
+            </a:lvl1pPr>
+            <a:lvl2pPr marL="742950" indent="-285750" algn="l" defTabSz="457200" rtl="0" eaLnBrk="1" latinLnBrk="0" hangingPunct="1">
+              <a:spcBef>
+                <a:spcPts val="1000"/>
+              </a:spcBef>
+              <a:spcAft>
+                <a:spcPts val="0"/>
+              </a:spcAft>
+              <a:buClr>
+                <a:schemeClr val="accent1"/>
+              </a:buClr>
+              <a:buSzPct val="80000"/>
+              <a:buFont typeface="Wingdings 3" charset="2"/>
+              <a:buChar char=""/>
+              <a:defRPr sz="1600" kern="1200">
+                <a:solidFill>
+                  <a:schemeClr val="tx1">
+                    <a:lumMod val="75000"/>
+                    <a:lumOff val="25000"/>
+                  </a:schemeClr>
+                </a:solidFill>
+                <a:latin typeface="+mn-lt"/>
+                <a:ea typeface="+mn-ea"/>
+                <a:cs typeface="+mn-cs"/>
+              </a:defRPr>
+            </a:lvl2pPr>
+            <a:lvl3pPr marL="1143000" indent="-228600" algn="l" defTabSz="457200" rtl="0" eaLnBrk="1" latinLnBrk="0" hangingPunct="1">
+              <a:spcBef>
+                <a:spcPts val="1000"/>
+              </a:spcBef>
+              <a:spcAft>
+                <a:spcPts val="0"/>
+              </a:spcAft>
+              <a:buClr>
+                <a:schemeClr val="accent1"/>
+              </a:buClr>
+              <a:buSzPct val="80000"/>
+              <a:buFont typeface="Wingdings 3" charset="2"/>
+              <a:buChar char=""/>
+              <a:defRPr sz="1400" kern="1200">
+                <a:solidFill>
+                  <a:schemeClr val="tx1">
+                    <a:lumMod val="75000"/>
+                    <a:lumOff val="25000"/>
+                  </a:schemeClr>
+                </a:solidFill>
+                <a:latin typeface="+mn-lt"/>
+                <a:ea typeface="+mn-ea"/>
+                <a:cs typeface="+mn-cs"/>
+              </a:defRPr>
+            </a:lvl3pPr>
+            <a:lvl4pPr marL="1600200" indent="-228600" algn="l" defTabSz="457200" rtl="0" eaLnBrk="1" latinLnBrk="0" hangingPunct="1">
+              <a:spcBef>
+                <a:spcPts val="1000"/>
+              </a:spcBef>
+              <a:spcAft>
+                <a:spcPts val="0"/>
+              </a:spcAft>
+              <a:buClr>
+                <a:schemeClr val="accent1"/>
+              </a:buClr>
+              <a:buSzPct val="80000"/>
+              <a:buFont typeface="Wingdings 3" charset="2"/>
+              <a:buChar char=""/>
+              <a:defRPr sz="1200" kern="1200">
+                <a:solidFill>
+                  <a:schemeClr val="tx1">
+                    <a:lumMod val="75000"/>
+                    <a:lumOff val="25000"/>
+                  </a:schemeClr>
+                </a:solidFill>
+                <a:latin typeface="+mn-lt"/>
+                <a:ea typeface="+mn-ea"/>
+                <a:cs typeface="+mn-cs"/>
+              </a:defRPr>
+            </a:lvl4pPr>
+            <a:lvl5pPr marL="2057400" indent="-228600" algn="l" defTabSz="457200" rtl="0" eaLnBrk="1" latinLnBrk="0" hangingPunct="1">
+              <a:spcBef>
+                <a:spcPts val="1000"/>
+              </a:spcBef>
+              <a:spcAft>
+                <a:spcPts val="0"/>
+              </a:spcAft>
+              <a:buClr>
+                <a:schemeClr val="accent1"/>
+              </a:buClr>
+              <a:buSzPct val="80000"/>
+              <a:buFont typeface="Wingdings 3" charset="2"/>
+              <a:buChar char=""/>
+              <a:defRPr sz="1200" kern="1200">
+                <a:solidFill>
+                  <a:schemeClr val="tx1">
+                    <a:lumMod val="75000"/>
+                    <a:lumOff val="25000"/>
+                  </a:schemeClr>
+                </a:solidFill>
+                <a:latin typeface="+mn-lt"/>
+                <a:ea typeface="+mn-ea"/>
+                <a:cs typeface="+mn-cs"/>
+              </a:defRPr>
+            </a:lvl5pPr>
+            <a:lvl6pPr marL="2514600" indent="-228600" algn="l" defTabSz="457200" rtl="0" eaLnBrk="1" latinLnBrk="0" hangingPunct="1">
+              <a:spcBef>
+                <a:spcPts val="1000"/>
+              </a:spcBef>
+              <a:spcAft>
+                <a:spcPts val="0"/>
+              </a:spcAft>
+              <a:buClr>
+                <a:schemeClr val="accent1"/>
+              </a:buClr>
+              <a:buSzPct val="80000"/>
+              <a:buFont typeface="Wingdings 3" charset="2"/>
+              <a:buChar char=""/>
+              <a:defRPr sz="1200" kern="1200">
+                <a:solidFill>
+                  <a:schemeClr val="tx1">
+                    <a:lumMod val="75000"/>
+                    <a:lumOff val="25000"/>
+                  </a:schemeClr>
+                </a:solidFill>
+                <a:latin typeface="+mn-lt"/>
+                <a:ea typeface="+mn-ea"/>
+                <a:cs typeface="+mn-cs"/>
+              </a:defRPr>
+            </a:lvl6pPr>
+            <a:lvl7pPr marL="2971800" indent="-228600" algn="l" defTabSz="457200" rtl="0" eaLnBrk="1" latinLnBrk="0" hangingPunct="1">
+              <a:spcBef>
+                <a:spcPts val="1000"/>
+              </a:spcBef>
+              <a:spcAft>
+                <a:spcPts val="0"/>
+              </a:spcAft>
+              <a:buClr>
+                <a:schemeClr val="accent1"/>
+              </a:buClr>
+              <a:buSzPct val="80000"/>
+              <a:buFont typeface="Wingdings 3" charset="2"/>
+              <a:buChar char=""/>
+              <a:defRPr sz="1200" kern="1200">
+                <a:solidFill>
+                  <a:schemeClr val="tx1">
+                    <a:lumMod val="75000"/>
+                    <a:lumOff val="25000"/>
+                  </a:schemeClr>
+                </a:solidFill>
+                <a:latin typeface="+mn-lt"/>
+                <a:ea typeface="+mn-ea"/>
+                <a:cs typeface="+mn-cs"/>
+              </a:defRPr>
+            </a:lvl7pPr>
+            <a:lvl8pPr marL="3429000" indent="-228600" algn="l" defTabSz="457200" rtl="0" eaLnBrk="1" latinLnBrk="0" hangingPunct="1">
+              <a:spcBef>
+                <a:spcPts val="1000"/>
+              </a:spcBef>
+              <a:spcAft>
+                <a:spcPts val="0"/>
+              </a:spcAft>
+              <a:buClr>
+                <a:schemeClr val="accent1"/>
+              </a:buClr>
+              <a:buSzPct val="80000"/>
+              <a:buFont typeface="Wingdings 3" charset="2"/>
+              <a:buChar char=""/>
+              <a:defRPr sz="1200" kern="1200">
+                <a:solidFill>
+                  <a:schemeClr val="tx1">
+                    <a:lumMod val="75000"/>
+                    <a:lumOff val="25000"/>
+                  </a:schemeClr>
+                </a:solidFill>
+                <a:latin typeface="+mn-lt"/>
+                <a:ea typeface="+mn-ea"/>
+                <a:cs typeface="+mn-cs"/>
+              </a:defRPr>
+            </a:lvl8pPr>
+            <a:lvl9pPr marL="3886200" indent="-228600" algn="l" defTabSz="457200" rtl="0" eaLnBrk="1" latinLnBrk="0" hangingPunct="1">
+              <a:spcBef>
+                <a:spcPts val="1000"/>
+              </a:spcBef>
+              <a:spcAft>
+                <a:spcPts val="0"/>
+              </a:spcAft>
+              <a:buClr>
+                <a:schemeClr val="accent1"/>
+              </a:buClr>
+              <a:buSzPct val="80000"/>
+              <a:buFont typeface="Wingdings 3" charset="2"/>
+              <a:buChar char=""/>
+              <a:defRPr sz="1200" kern="1200">
+                <a:solidFill>
+                  <a:schemeClr val="tx1">
+                    <a:lumMod val="75000"/>
+                    <a:lumOff val="25000"/>
+                  </a:schemeClr>
+                </a:solidFill>
+                <a:latin typeface="+mn-lt"/>
+                <a:ea typeface="+mn-ea"/>
+                <a:cs typeface="+mn-cs"/>
+              </a:defRPr>
+            </a:lvl9pPr>
+          </a:lstStyle>
+          <a:p>
+            <a:r>
+              <a:rPr lang="en-US" sz="2000" dirty="0" smtClean="0"/>
+              <a:t>Import from Internet</a:t>
+            </a:r>
+            <a:endParaRPr lang="en-US" sz="2000" dirty="0"/>
+          </a:p>
+        </p:txBody>
+      </p:sp>
+      <p:sp>
+        <p:nvSpPr>
+          <p:cNvPr id="15" name="Rectangle 14"/>
+          <p:cNvSpPr/>
+          <p:nvPr/>
+        </p:nvSpPr>
+        <p:spPr>
+          <a:xfrm>
+            <a:off x="1142997" y="3487025"/>
+            <a:ext cx="9248778" cy="2570875"/>
+          </a:xfrm>
+          <a:prstGeom prst="rect">
+            <a:avLst/>
+          </a:prstGeom>
+        </p:spPr>
+        <p:style>
+          <a:lnRef idx="2">
+            <a:schemeClr val="accent1"/>
+          </a:lnRef>
+          <a:fillRef idx="1">
+            <a:schemeClr val="lt1"/>
+          </a:fillRef>
+          <a:effectRef idx="0">
+            <a:schemeClr val="accent1"/>
+          </a:effectRef>
+          <a:fontRef idx="minor">
+            <a:schemeClr val="dk1"/>
+          </a:fontRef>
+        </p:style>
+        <p:txBody>
+          <a:bodyPr rtlCol="0" anchor="ctr"/>
+          <a:lstStyle/>
+          <a:p>
+            <a:pPr lvl="0" defTabSz="914400" eaLnBrk="0" fontAlgn="base" hangingPunct="0">
+              <a:spcBef>
+                <a:spcPct val="0"/>
+              </a:spcBef>
+              <a:spcAft>
+                <a:spcPct val="0"/>
+              </a:spcAft>
+              <a:tabLst>
+                <a:tab pos="581025" algn="l"/>
+                <a:tab pos="1163638" algn="l"/>
+                <a:tab pos="1744663" algn="l"/>
+                <a:tab pos="2327275" algn="l"/>
+                <a:tab pos="2908300" algn="l"/>
+                <a:tab pos="3489325" algn="l"/>
+                <a:tab pos="4071938" algn="l"/>
+                <a:tab pos="4652963" algn="l"/>
+                <a:tab pos="5235575" algn="l"/>
+                <a:tab pos="5816600" algn="l"/>
+                <a:tab pos="6397625" algn="l"/>
+                <a:tab pos="6980238" algn="l"/>
+                <a:tab pos="7561263" algn="l"/>
+                <a:tab pos="8143875" algn="l"/>
+                <a:tab pos="8724900" algn="l"/>
+                <a:tab pos="9305925" algn="l"/>
+              </a:tabLst>
+            </a:pPr>
+            <a:r>
+              <a:rPr lang="en-US" altLang="ko-KR" sz="1400" dirty="0" smtClean="0">
+                <a:solidFill>
+                  <a:srgbClr val="2F6F9F"/>
+                </a:solidFill>
+                <a:latin typeface="Consolas" panose="020B0609020204030204" pitchFamily="49" charset="0"/>
+                <a:ea typeface="Times New Roman" panose="02020603050405020304" pitchFamily="18" charset="0"/>
+                <a:cs typeface="Courier New" panose="02070309020205020404" pitchFamily="49" charset="0"/>
+              </a:rPr>
+              <a:t>&lt;head&gt;</a:t>
+            </a:r>
+            <a:endParaRPr lang="en-US" altLang="ko-KR" sz="1400" dirty="0" smtClean="0">
+              <a:solidFill>
+                <a:srgbClr val="999999"/>
+              </a:solidFill>
+              <a:latin typeface="Consolas" panose="020B0609020204030204" pitchFamily="49" charset="0"/>
+              <a:ea typeface="Times New Roman" panose="02020603050405020304" pitchFamily="18" charset="0"/>
+              <a:cs typeface="Courier New" panose="02070309020205020404" pitchFamily="49" charset="0"/>
+            </a:endParaRPr>
+          </a:p>
+          <a:p>
+            <a:pPr lvl="0" defTabSz="914400" eaLnBrk="0" fontAlgn="base" hangingPunct="0">
+              <a:spcBef>
+                <a:spcPct val="0"/>
+              </a:spcBef>
+              <a:spcAft>
+                <a:spcPct val="0"/>
+              </a:spcAft>
+              <a:tabLst>
+                <a:tab pos="581025" algn="l"/>
+                <a:tab pos="1163638" algn="l"/>
+                <a:tab pos="1744663" algn="l"/>
+                <a:tab pos="2327275" algn="l"/>
+                <a:tab pos="2908300" algn="l"/>
+                <a:tab pos="3489325" algn="l"/>
+                <a:tab pos="4071938" algn="l"/>
+                <a:tab pos="4652963" algn="l"/>
+                <a:tab pos="5235575" algn="l"/>
+                <a:tab pos="5816600" algn="l"/>
+                <a:tab pos="6397625" algn="l"/>
+                <a:tab pos="6980238" algn="l"/>
+                <a:tab pos="7561263" algn="l"/>
+                <a:tab pos="8143875" algn="l"/>
+                <a:tab pos="8724900" algn="l"/>
+                <a:tab pos="9305925" algn="l"/>
+              </a:tabLst>
+            </a:pPr>
+            <a:r>
+              <a:rPr lang="en-US" altLang="ko-KR" sz="1400" dirty="0" smtClean="0">
+                <a:solidFill>
+                  <a:srgbClr val="999999"/>
+                </a:solidFill>
+                <a:latin typeface="Consolas" panose="020B0609020204030204" pitchFamily="49" charset="0"/>
+                <a:ea typeface="Times New Roman" panose="02020603050405020304" pitchFamily="18" charset="0"/>
+                <a:cs typeface="Courier New" panose="02070309020205020404" pitchFamily="49" charset="0"/>
+              </a:rPr>
+              <a:t>&lt;!-- </a:t>
+            </a:r>
+            <a:r>
+              <a:rPr lang="en-US" altLang="ko-KR" sz="1400" dirty="0">
+                <a:solidFill>
+                  <a:srgbClr val="999999"/>
+                </a:solidFill>
+                <a:latin typeface="Consolas" panose="020B0609020204030204" pitchFamily="49" charset="0"/>
+                <a:ea typeface="Times New Roman" panose="02020603050405020304" pitchFamily="18" charset="0"/>
+                <a:cs typeface="Courier New" panose="02070309020205020404" pitchFamily="49" charset="0"/>
+              </a:rPr>
+              <a:t>Bootstrap --&gt;</a:t>
+            </a:r>
+            <a:r>
+              <a:rPr lang="en-US" altLang="ko-KR" sz="1400" dirty="0">
+                <a:solidFill>
+                  <a:srgbClr val="333333"/>
+                </a:solidFill>
+                <a:latin typeface="Consolas" panose="020B0609020204030204" pitchFamily="49" charset="0"/>
+                <a:ea typeface="Times New Roman" panose="02020603050405020304" pitchFamily="18" charset="0"/>
+                <a:cs typeface="Courier New" panose="02070309020205020404" pitchFamily="49" charset="0"/>
+              </a:rPr>
+              <a:t> </a:t>
+            </a:r>
+            <a:endParaRPr lang="en-US" altLang="ko-KR" sz="1400" dirty="0">
+              <a:solidFill>
+                <a:schemeClr val="tx1"/>
+              </a:solidFill>
+            </a:endParaRPr>
+          </a:p>
+          <a:p>
+            <a:pPr lvl="0" defTabSz="914400" eaLnBrk="0" fontAlgn="base" hangingPunct="0">
+              <a:spcBef>
+                <a:spcPct val="0"/>
+              </a:spcBef>
+              <a:spcAft>
+                <a:spcPct val="0"/>
+              </a:spcAft>
+              <a:tabLst>
+                <a:tab pos="581025" algn="l"/>
+                <a:tab pos="1163638" algn="l"/>
+                <a:tab pos="1744663" algn="l"/>
+                <a:tab pos="2327275" algn="l"/>
+                <a:tab pos="2908300" algn="l"/>
+                <a:tab pos="3489325" algn="l"/>
+                <a:tab pos="4071938" algn="l"/>
+                <a:tab pos="4652963" algn="l"/>
+                <a:tab pos="5235575" algn="l"/>
+                <a:tab pos="5816600" algn="l"/>
+                <a:tab pos="6397625" algn="l"/>
+                <a:tab pos="6980238" algn="l"/>
+                <a:tab pos="7561263" algn="l"/>
+                <a:tab pos="8143875" algn="l"/>
+                <a:tab pos="8724900" algn="l"/>
+                <a:tab pos="9305925" algn="l"/>
+              </a:tabLst>
+            </a:pPr>
+            <a:r>
+              <a:rPr lang="en-US" altLang="ko-KR" sz="1400" dirty="0">
+                <a:solidFill>
+                  <a:srgbClr val="2F6F9F"/>
+                </a:solidFill>
+                <a:latin typeface="Consolas" panose="020B0609020204030204" pitchFamily="49" charset="0"/>
+                <a:ea typeface="Times New Roman" panose="02020603050405020304" pitchFamily="18" charset="0"/>
+                <a:cs typeface="Courier New" panose="02070309020205020404" pitchFamily="49" charset="0"/>
+              </a:rPr>
+              <a:t>&lt;link</a:t>
+            </a:r>
+            <a:r>
+              <a:rPr lang="en-US" altLang="ko-KR" sz="1400" dirty="0">
+                <a:solidFill>
+                  <a:srgbClr val="333333"/>
+                </a:solidFill>
+                <a:latin typeface="Consolas" panose="020B0609020204030204" pitchFamily="49" charset="0"/>
+                <a:ea typeface="Times New Roman" panose="02020603050405020304" pitchFamily="18" charset="0"/>
+                <a:cs typeface="Courier New" panose="02070309020205020404" pitchFamily="49" charset="0"/>
+              </a:rPr>
+              <a:t> </a:t>
+            </a:r>
+            <a:r>
+              <a:rPr lang="en-US" altLang="ko-KR" sz="1400" dirty="0" err="1">
+                <a:solidFill>
+                  <a:srgbClr val="4F9FCF"/>
+                </a:solidFill>
+                <a:latin typeface="Consolas" panose="020B0609020204030204" pitchFamily="49" charset="0"/>
+                <a:ea typeface="Times New Roman" panose="02020603050405020304" pitchFamily="18" charset="0"/>
+                <a:cs typeface="Courier New" panose="02070309020205020404" pitchFamily="49" charset="0"/>
+              </a:rPr>
+              <a:t>href</a:t>
+            </a:r>
+            <a:r>
+              <a:rPr lang="en-US" altLang="ko-KR" sz="1400" dirty="0">
+                <a:solidFill>
+                  <a:srgbClr val="4F9FCF"/>
+                </a:solidFill>
+                <a:latin typeface="Consolas" panose="020B0609020204030204" pitchFamily="49" charset="0"/>
+                <a:ea typeface="Times New Roman" panose="02020603050405020304" pitchFamily="18" charset="0"/>
+                <a:cs typeface="Courier New" panose="02070309020205020404" pitchFamily="49" charset="0"/>
+              </a:rPr>
+              <a:t>=</a:t>
+            </a:r>
+            <a:r>
+              <a:rPr lang="en-US" altLang="ko-KR" sz="1400" dirty="0">
+                <a:solidFill>
+                  <a:srgbClr val="D44950"/>
+                </a:solidFill>
+                <a:latin typeface="Consolas" panose="020B0609020204030204" pitchFamily="49" charset="0"/>
+                <a:ea typeface="Times New Roman" panose="02020603050405020304" pitchFamily="18" charset="0"/>
+                <a:cs typeface="Courier New" panose="02070309020205020404" pitchFamily="49" charset="0"/>
+              </a:rPr>
+              <a:t>"https://getbootstrap.com/docs/3.3/</a:t>
+            </a:r>
+            <a:r>
+              <a:rPr lang="en-US" altLang="ko-KR" sz="1400" dirty="0" err="1">
+                <a:solidFill>
+                  <a:srgbClr val="D44950"/>
+                </a:solidFill>
+                <a:latin typeface="Consolas" panose="020B0609020204030204" pitchFamily="49" charset="0"/>
+                <a:ea typeface="Times New Roman" panose="02020603050405020304" pitchFamily="18" charset="0"/>
+                <a:cs typeface="Courier New" panose="02070309020205020404" pitchFamily="49" charset="0"/>
+              </a:rPr>
+              <a:t>dist</a:t>
+            </a:r>
+            <a:r>
+              <a:rPr lang="en-US" altLang="ko-KR" sz="1400" dirty="0">
+                <a:solidFill>
+                  <a:srgbClr val="D44950"/>
+                </a:solidFill>
+                <a:latin typeface="Consolas" panose="020B0609020204030204" pitchFamily="49" charset="0"/>
+                <a:ea typeface="Times New Roman" panose="02020603050405020304" pitchFamily="18" charset="0"/>
+                <a:cs typeface="Courier New" panose="02070309020205020404" pitchFamily="49" charset="0"/>
+              </a:rPr>
+              <a:t>/</a:t>
+            </a:r>
+            <a:r>
+              <a:rPr lang="en-US" altLang="ko-KR" sz="1400" dirty="0" err="1">
+                <a:solidFill>
+                  <a:srgbClr val="D44950"/>
+                </a:solidFill>
+                <a:latin typeface="Consolas" panose="020B0609020204030204" pitchFamily="49" charset="0"/>
+                <a:ea typeface="Times New Roman" panose="02020603050405020304" pitchFamily="18" charset="0"/>
+                <a:cs typeface="Courier New" panose="02070309020205020404" pitchFamily="49" charset="0"/>
+              </a:rPr>
+              <a:t>css</a:t>
+            </a:r>
+            <a:r>
+              <a:rPr lang="en-US" altLang="ko-KR" sz="1400" dirty="0">
+                <a:solidFill>
+                  <a:srgbClr val="D44950"/>
+                </a:solidFill>
+                <a:latin typeface="Consolas" panose="020B0609020204030204" pitchFamily="49" charset="0"/>
+                <a:ea typeface="Times New Roman" panose="02020603050405020304" pitchFamily="18" charset="0"/>
+                <a:cs typeface="Courier New" panose="02070309020205020404" pitchFamily="49" charset="0"/>
+              </a:rPr>
+              <a:t>/bootstrap.min.css"</a:t>
+            </a:r>
+            <a:r>
+              <a:rPr lang="en-US" altLang="ko-KR" sz="1400" dirty="0">
+                <a:solidFill>
+                  <a:srgbClr val="333333"/>
+                </a:solidFill>
+                <a:latin typeface="Consolas" panose="020B0609020204030204" pitchFamily="49" charset="0"/>
+                <a:ea typeface="Times New Roman" panose="02020603050405020304" pitchFamily="18" charset="0"/>
+                <a:cs typeface="Courier New" panose="02070309020205020404" pitchFamily="49" charset="0"/>
+              </a:rPr>
+              <a:t> </a:t>
+            </a:r>
+            <a:r>
+              <a:rPr lang="en-US" altLang="ko-KR" sz="1400" dirty="0" err="1">
+                <a:solidFill>
+                  <a:srgbClr val="4F9FCF"/>
+                </a:solidFill>
+                <a:latin typeface="Consolas" panose="020B0609020204030204" pitchFamily="49" charset="0"/>
+                <a:ea typeface="Times New Roman" panose="02020603050405020304" pitchFamily="18" charset="0"/>
+                <a:cs typeface="Courier New" panose="02070309020205020404" pitchFamily="49" charset="0"/>
+              </a:rPr>
+              <a:t>rel</a:t>
+            </a:r>
+            <a:r>
+              <a:rPr lang="en-US" altLang="ko-KR" sz="1400" dirty="0">
+                <a:solidFill>
+                  <a:srgbClr val="4F9FCF"/>
+                </a:solidFill>
+                <a:latin typeface="Consolas" panose="020B0609020204030204" pitchFamily="49" charset="0"/>
+                <a:ea typeface="Times New Roman" panose="02020603050405020304" pitchFamily="18" charset="0"/>
+                <a:cs typeface="Courier New" panose="02070309020205020404" pitchFamily="49" charset="0"/>
+              </a:rPr>
+              <a:t>=</a:t>
+            </a:r>
+            <a:r>
+              <a:rPr lang="en-US" altLang="ko-KR" sz="1400" dirty="0">
+                <a:solidFill>
+                  <a:srgbClr val="D44950"/>
+                </a:solidFill>
+                <a:latin typeface="Consolas" panose="020B0609020204030204" pitchFamily="49" charset="0"/>
+                <a:ea typeface="Times New Roman" panose="02020603050405020304" pitchFamily="18" charset="0"/>
+                <a:cs typeface="Courier New" panose="02070309020205020404" pitchFamily="49" charset="0"/>
+              </a:rPr>
+              <a:t>"</a:t>
+            </a:r>
+            <a:r>
+              <a:rPr lang="en-US" altLang="ko-KR" sz="1400" dirty="0" err="1">
+                <a:solidFill>
+                  <a:srgbClr val="D44950"/>
+                </a:solidFill>
+                <a:latin typeface="Consolas" panose="020B0609020204030204" pitchFamily="49" charset="0"/>
+                <a:ea typeface="Times New Roman" panose="02020603050405020304" pitchFamily="18" charset="0"/>
+                <a:cs typeface="Courier New" panose="02070309020205020404" pitchFamily="49" charset="0"/>
+              </a:rPr>
+              <a:t>stylesheet</a:t>
+            </a:r>
+            <a:r>
+              <a:rPr lang="en-US" altLang="ko-KR" sz="1400" dirty="0" smtClean="0">
+                <a:solidFill>
+                  <a:srgbClr val="D44950"/>
+                </a:solidFill>
+                <a:latin typeface="Consolas" panose="020B0609020204030204" pitchFamily="49" charset="0"/>
+                <a:ea typeface="Times New Roman" panose="02020603050405020304" pitchFamily="18" charset="0"/>
+                <a:cs typeface="Courier New" panose="02070309020205020404" pitchFamily="49" charset="0"/>
+              </a:rPr>
+              <a:t>"</a:t>
+            </a:r>
+            <a:r>
+              <a:rPr lang="en-US" altLang="ko-KR" sz="1400" dirty="0" smtClean="0">
+                <a:solidFill>
+                  <a:srgbClr val="2F6F9F"/>
+                </a:solidFill>
+                <a:latin typeface="Consolas" panose="020B0609020204030204" pitchFamily="49" charset="0"/>
+                <a:ea typeface="Times New Roman" panose="02020603050405020304" pitchFamily="18" charset="0"/>
+                <a:cs typeface="Courier New" panose="02070309020205020404" pitchFamily="49" charset="0"/>
+              </a:rPr>
+              <a:t>&gt;</a:t>
+            </a:r>
+          </a:p>
+          <a:p>
+            <a:pPr lvl="0" defTabSz="914400" eaLnBrk="0" fontAlgn="base" hangingPunct="0">
+              <a:spcBef>
+                <a:spcPct val="0"/>
+              </a:spcBef>
+              <a:spcAft>
+                <a:spcPct val="0"/>
+              </a:spcAft>
+              <a:tabLst>
+                <a:tab pos="581025" algn="l"/>
+                <a:tab pos="1163638" algn="l"/>
+                <a:tab pos="1744663" algn="l"/>
+                <a:tab pos="2327275" algn="l"/>
+                <a:tab pos="2908300" algn="l"/>
+                <a:tab pos="3489325" algn="l"/>
+                <a:tab pos="4071938" algn="l"/>
+                <a:tab pos="4652963" algn="l"/>
+                <a:tab pos="5235575" algn="l"/>
+                <a:tab pos="5816600" algn="l"/>
+                <a:tab pos="6397625" algn="l"/>
+                <a:tab pos="6980238" algn="l"/>
+                <a:tab pos="7561263" algn="l"/>
+                <a:tab pos="8143875" algn="l"/>
+                <a:tab pos="8724900" algn="l"/>
+                <a:tab pos="9305925" algn="l"/>
+              </a:tabLst>
+            </a:pPr>
+            <a:endParaRPr lang="en-US" altLang="ko-KR" sz="1400" dirty="0">
+              <a:solidFill>
+                <a:schemeClr val="tx1"/>
+              </a:solidFill>
+            </a:endParaRPr>
+          </a:p>
+          <a:p>
+            <a:pPr lvl="0" defTabSz="914400" eaLnBrk="0" fontAlgn="base" hangingPunct="0">
+              <a:spcBef>
+                <a:spcPct val="0"/>
+              </a:spcBef>
+              <a:spcAft>
+                <a:spcPct val="0"/>
+              </a:spcAft>
+              <a:tabLst>
+                <a:tab pos="581025" algn="l"/>
+                <a:tab pos="1163638" algn="l"/>
+                <a:tab pos="1744663" algn="l"/>
+                <a:tab pos="2327275" algn="l"/>
+                <a:tab pos="2908300" algn="l"/>
+                <a:tab pos="3489325" algn="l"/>
+                <a:tab pos="4071938" algn="l"/>
+                <a:tab pos="4652963" algn="l"/>
+                <a:tab pos="5235575" algn="l"/>
+                <a:tab pos="5816600" algn="l"/>
+                <a:tab pos="6397625" algn="l"/>
+                <a:tab pos="6980238" algn="l"/>
+                <a:tab pos="7561263" algn="l"/>
+                <a:tab pos="8143875" algn="l"/>
+                <a:tab pos="8724900" algn="l"/>
+                <a:tab pos="9305925" algn="l"/>
+              </a:tabLst>
+            </a:pPr>
+            <a:r>
+              <a:rPr lang="en-US" altLang="ko-KR" sz="1400" dirty="0">
+                <a:solidFill>
+                  <a:srgbClr val="999999"/>
+                </a:solidFill>
+                <a:latin typeface="Consolas" panose="020B0609020204030204" pitchFamily="49" charset="0"/>
+                <a:ea typeface="Times New Roman" panose="02020603050405020304" pitchFamily="18" charset="0"/>
+                <a:cs typeface="Courier New" panose="02070309020205020404" pitchFamily="49" charset="0"/>
+              </a:rPr>
+              <a:t>&lt;!-- </a:t>
+            </a:r>
+            <a:r>
+              <a:rPr lang="en-US" altLang="ko-KR" sz="1400" dirty="0" err="1">
+                <a:solidFill>
+                  <a:srgbClr val="999999"/>
+                </a:solidFill>
+                <a:latin typeface="Consolas" panose="020B0609020204030204" pitchFamily="49" charset="0"/>
+                <a:ea typeface="Times New Roman" panose="02020603050405020304" pitchFamily="18" charset="0"/>
+                <a:cs typeface="Courier New" panose="02070309020205020404" pitchFamily="49" charset="0"/>
+              </a:rPr>
+              <a:t>jQuery</a:t>
+            </a:r>
+            <a:r>
+              <a:rPr lang="en-US" altLang="ko-KR" sz="1400" dirty="0">
+                <a:solidFill>
+                  <a:srgbClr val="999999"/>
+                </a:solidFill>
+                <a:latin typeface="Consolas" panose="020B0609020204030204" pitchFamily="49" charset="0"/>
+                <a:ea typeface="Times New Roman" panose="02020603050405020304" pitchFamily="18" charset="0"/>
+                <a:cs typeface="Courier New" panose="02070309020205020404" pitchFamily="49" charset="0"/>
+              </a:rPr>
+              <a:t> (necessary for Bootstrap's JavaScript plugins) --&gt;</a:t>
+            </a:r>
+            <a:r>
+              <a:rPr lang="en-US" altLang="ko-KR" sz="1400" dirty="0">
+                <a:solidFill>
+                  <a:srgbClr val="333333"/>
+                </a:solidFill>
+                <a:latin typeface="Consolas" panose="020B0609020204030204" pitchFamily="49" charset="0"/>
+                <a:ea typeface="Times New Roman" panose="02020603050405020304" pitchFamily="18" charset="0"/>
+                <a:cs typeface="Courier New" panose="02070309020205020404" pitchFamily="49" charset="0"/>
+              </a:rPr>
+              <a:t> </a:t>
+            </a:r>
+            <a:endParaRPr lang="en-US" altLang="ko-KR" sz="1400" dirty="0">
+              <a:solidFill>
+                <a:srgbClr val="2F6F9F"/>
+              </a:solidFill>
+              <a:latin typeface="Consolas" panose="020B0609020204030204" pitchFamily="49" charset="0"/>
+              <a:ea typeface="Times New Roman" panose="02020603050405020304" pitchFamily="18" charset="0"/>
+              <a:cs typeface="Courier New" panose="02070309020205020404" pitchFamily="49" charset="0"/>
+            </a:endParaRPr>
+          </a:p>
+          <a:p>
+            <a:pPr lvl="0" defTabSz="914400" eaLnBrk="0" fontAlgn="base" hangingPunct="0">
+              <a:spcBef>
+                <a:spcPct val="0"/>
+              </a:spcBef>
+              <a:spcAft>
+                <a:spcPct val="0"/>
+              </a:spcAft>
+              <a:tabLst>
+                <a:tab pos="581025" algn="l"/>
+                <a:tab pos="1163638" algn="l"/>
+                <a:tab pos="1744663" algn="l"/>
+                <a:tab pos="2327275" algn="l"/>
+                <a:tab pos="2908300" algn="l"/>
+                <a:tab pos="3489325" algn="l"/>
+                <a:tab pos="4071938" algn="l"/>
+                <a:tab pos="4652963" algn="l"/>
+                <a:tab pos="5235575" algn="l"/>
+                <a:tab pos="5816600" algn="l"/>
+                <a:tab pos="6397625" algn="l"/>
+                <a:tab pos="6980238" algn="l"/>
+                <a:tab pos="7561263" algn="l"/>
+                <a:tab pos="8143875" algn="l"/>
+                <a:tab pos="8724900" algn="l"/>
+                <a:tab pos="9305925" algn="l"/>
+              </a:tabLst>
+            </a:pPr>
+            <a:r>
+              <a:rPr lang="en-US" altLang="ko-KR" sz="1400" dirty="0">
+                <a:solidFill>
+                  <a:srgbClr val="2F6F9F"/>
+                </a:solidFill>
+                <a:latin typeface="Consolas" panose="020B0609020204030204" pitchFamily="49" charset="0"/>
+                <a:ea typeface="Times New Roman" panose="02020603050405020304" pitchFamily="18" charset="0"/>
+                <a:cs typeface="Courier New" panose="02070309020205020404" pitchFamily="49" charset="0"/>
+              </a:rPr>
+              <a:t>&lt;script </a:t>
+            </a:r>
+            <a:r>
+              <a:rPr lang="en-US" altLang="ko-KR" sz="1400" dirty="0" err="1">
+                <a:solidFill>
+                  <a:srgbClr val="4F9FCF"/>
+                </a:solidFill>
+                <a:latin typeface="Consolas" panose="020B0609020204030204" pitchFamily="49" charset="0"/>
+                <a:ea typeface="Times New Roman" panose="02020603050405020304" pitchFamily="18" charset="0"/>
+                <a:cs typeface="Courier New" panose="02070309020205020404" pitchFamily="49" charset="0"/>
+              </a:rPr>
+              <a:t>src</a:t>
+            </a:r>
+            <a:r>
+              <a:rPr lang="en-US" altLang="ko-KR" sz="1400" dirty="0">
+                <a:solidFill>
+                  <a:srgbClr val="4F9FCF"/>
+                </a:solidFill>
+                <a:latin typeface="Consolas" panose="020B0609020204030204" pitchFamily="49" charset="0"/>
+                <a:ea typeface="Times New Roman" panose="02020603050405020304" pitchFamily="18" charset="0"/>
+                <a:cs typeface="Courier New" panose="02070309020205020404" pitchFamily="49" charset="0"/>
+              </a:rPr>
+              <a:t>=</a:t>
+            </a:r>
+            <a:r>
+              <a:rPr lang="en-US" altLang="ko-KR" sz="1400" dirty="0">
+                <a:solidFill>
+                  <a:srgbClr val="D44950"/>
+                </a:solidFill>
+                <a:latin typeface="Consolas" panose="020B0609020204030204" pitchFamily="49" charset="0"/>
+                <a:ea typeface="Times New Roman" panose="02020603050405020304" pitchFamily="18" charset="0"/>
+                <a:cs typeface="Courier New" panose="02070309020205020404" pitchFamily="49" charset="0"/>
+              </a:rPr>
+              <a:t>"https://ajax.googleapis.com/</a:t>
+            </a:r>
+            <a:r>
+              <a:rPr lang="en-US" altLang="ko-KR" sz="1400" dirty="0" err="1">
+                <a:solidFill>
+                  <a:srgbClr val="D44950"/>
+                </a:solidFill>
+                <a:latin typeface="Consolas" panose="020B0609020204030204" pitchFamily="49" charset="0"/>
+                <a:ea typeface="Times New Roman" panose="02020603050405020304" pitchFamily="18" charset="0"/>
+                <a:cs typeface="Courier New" panose="02070309020205020404" pitchFamily="49" charset="0"/>
+              </a:rPr>
+              <a:t>ajax</a:t>
+            </a:r>
+            <a:r>
+              <a:rPr lang="en-US" altLang="ko-KR" sz="1400" dirty="0">
+                <a:solidFill>
+                  <a:srgbClr val="D44950"/>
+                </a:solidFill>
+                <a:latin typeface="Consolas" panose="020B0609020204030204" pitchFamily="49" charset="0"/>
+                <a:ea typeface="Times New Roman" panose="02020603050405020304" pitchFamily="18" charset="0"/>
+                <a:cs typeface="Courier New" panose="02070309020205020404" pitchFamily="49" charset="0"/>
+              </a:rPr>
+              <a:t>/libs/</a:t>
+            </a:r>
+            <a:r>
+              <a:rPr lang="en-US" altLang="ko-KR" sz="1400" dirty="0" err="1">
+                <a:solidFill>
+                  <a:srgbClr val="D44950"/>
+                </a:solidFill>
+                <a:latin typeface="Consolas" panose="020B0609020204030204" pitchFamily="49" charset="0"/>
+                <a:ea typeface="Times New Roman" panose="02020603050405020304" pitchFamily="18" charset="0"/>
+                <a:cs typeface="Courier New" panose="02070309020205020404" pitchFamily="49" charset="0"/>
+              </a:rPr>
+              <a:t>jquery</a:t>
+            </a:r>
+            <a:r>
+              <a:rPr lang="en-US" altLang="ko-KR" sz="1400" dirty="0">
+                <a:solidFill>
+                  <a:srgbClr val="D44950"/>
+                </a:solidFill>
+                <a:latin typeface="Consolas" panose="020B0609020204030204" pitchFamily="49" charset="0"/>
+                <a:ea typeface="Times New Roman" panose="02020603050405020304" pitchFamily="18" charset="0"/>
+                <a:cs typeface="Courier New" panose="02070309020205020404" pitchFamily="49" charset="0"/>
+              </a:rPr>
+              <a:t>/1.12.4/jquery.min.js"</a:t>
+            </a:r>
+            <a:r>
+              <a:rPr lang="en-US" altLang="ko-KR" sz="1400" dirty="0">
+                <a:solidFill>
+                  <a:srgbClr val="2F6F9F"/>
+                </a:solidFill>
+                <a:latin typeface="Consolas" panose="020B0609020204030204" pitchFamily="49" charset="0"/>
+                <a:ea typeface="Times New Roman" panose="02020603050405020304" pitchFamily="18" charset="0"/>
+                <a:cs typeface="Courier New" panose="02070309020205020404" pitchFamily="49" charset="0"/>
+              </a:rPr>
+              <a:t>&gt;&lt;/script&gt;</a:t>
+            </a:r>
+            <a:r>
+              <a:rPr lang="en-US" altLang="ko-KR" sz="1400" dirty="0">
+                <a:solidFill>
+                  <a:srgbClr val="333333"/>
+                </a:solidFill>
+                <a:latin typeface="Consolas" panose="020B0609020204030204" pitchFamily="49" charset="0"/>
+                <a:ea typeface="Times New Roman" panose="02020603050405020304" pitchFamily="18" charset="0"/>
+                <a:cs typeface="Courier New" panose="02070309020205020404" pitchFamily="49" charset="0"/>
+              </a:rPr>
+              <a:t> </a:t>
+            </a:r>
+            <a:endParaRPr lang="en-US" altLang="ko-KR" sz="1400" dirty="0" smtClean="0">
+              <a:solidFill>
+                <a:srgbClr val="333333"/>
+              </a:solidFill>
+              <a:latin typeface="Consolas" panose="020B0609020204030204" pitchFamily="49" charset="0"/>
+              <a:ea typeface="Times New Roman" panose="02020603050405020304" pitchFamily="18" charset="0"/>
+              <a:cs typeface="Courier New" panose="02070309020205020404" pitchFamily="49" charset="0"/>
+            </a:endParaRPr>
+          </a:p>
+          <a:p>
+            <a:pPr lvl="0" defTabSz="914400" eaLnBrk="0" fontAlgn="base" hangingPunct="0">
+              <a:spcBef>
+                <a:spcPct val="0"/>
+              </a:spcBef>
+              <a:spcAft>
+                <a:spcPct val="0"/>
+              </a:spcAft>
+              <a:tabLst>
+                <a:tab pos="581025" algn="l"/>
+                <a:tab pos="1163638" algn="l"/>
+                <a:tab pos="1744663" algn="l"/>
+                <a:tab pos="2327275" algn="l"/>
+                <a:tab pos="2908300" algn="l"/>
+                <a:tab pos="3489325" algn="l"/>
+                <a:tab pos="4071938" algn="l"/>
+                <a:tab pos="4652963" algn="l"/>
+                <a:tab pos="5235575" algn="l"/>
+                <a:tab pos="5816600" algn="l"/>
+                <a:tab pos="6397625" algn="l"/>
+                <a:tab pos="6980238" algn="l"/>
+                <a:tab pos="7561263" algn="l"/>
+                <a:tab pos="8143875" algn="l"/>
+                <a:tab pos="8724900" algn="l"/>
+                <a:tab pos="9305925" algn="l"/>
+              </a:tabLst>
+            </a:pPr>
+            <a:endParaRPr lang="en-US" altLang="ko-KR" sz="1400" dirty="0">
+              <a:solidFill>
+                <a:schemeClr val="tx1"/>
+              </a:solidFill>
+            </a:endParaRPr>
+          </a:p>
+          <a:p>
+            <a:pPr lvl="0" defTabSz="914400" eaLnBrk="0" fontAlgn="base" hangingPunct="0">
+              <a:spcBef>
+                <a:spcPct val="0"/>
+              </a:spcBef>
+              <a:spcAft>
+                <a:spcPct val="0"/>
+              </a:spcAft>
+              <a:tabLst>
+                <a:tab pos="581025" algn="l"/>
+                <a:tab pos="1163638" algn="l"/>
+                <a:tab pos="1744663" algn="l"/>
+                <a:tab pos="2327275" algn="l"/>
+                <a:tab pos="2908300" algn="l"/>
+                <a:tab pos="3489325" algn="l"/>
+                <a:tab pos="4071938" algn="l"/>
+                <a:tab pos="4652963" algn="l"/>
+                <a:tab pos="5235575" algn="l"/>
+                <a:tab pos="5816600" algn="l"/>
+                <a:tab pos="6397625" algn="l"/>
+                <a:tab pos="6980238" algn="l"/>
+                <a:tab pos="7561263" algn="l"/>
+                <a:tab pos="8143875" algn="l"/>
+                <a:tab pos="8724900" algn="l"/>
+                <a:tab pos="9305925" algn="l"/>
+              </a:tabLst>
+            </a:pPr>
+            <a:r>
+              <a:rPr lang="en-US" altLang="ko-KR" sz="1400" dirty="0">
+                <a:solidFill>
+                  <a:srgbClr val="999999"/>
+                </a:solidFill>
+                <a:latin typeface="Consolas" panose="020B0609020204030204" pitchFamily="49" charset="0"/>
+                <a:ea typeface="Times New Roman" panose="02020603050405020304" pitchFamily="18" charset="0"/>
+                <a:cs typeface="Courier New" panose="02070309020205020404" pitchFamily="49" charset="0"/>
+              </a:rPr>
+              <a:t>&lt;!-- Include all compiled plugins (below), or include individual files as needed --&gt;</a:t>
+            </a:r>
+            <a:r>
+              <a:rPr lang="en-US" altLang="ko-KR" sz="1400" dirty="0">
+                <a:solidFill>
+                  <a:srgbClr val="333333"/>
+                </a:solidFill>
+                <a:latin typeface="Consolas" panose="020B0609020204030204" pitchFamily="49" charset="0"/>
+                <a:ea typeface="Times New Roman" panose="02020603050405020304" pitchFamily="18" charset="0"/>
+                <a:cs typeface="Courier New" panose="02070309020205020404" pitchFamily="49" charset="0"/>
+              </a:rPr>
+              <a:t> </a:t>
+            </a:r>
+            <a:endParaRPr lang="en-US" altLang="ko-KR" sz="1400" dirty="0" smtClean="0">
+              <a:solidFill>
+                <a:srgbClr val="333333"/>
+              </a:solidFill>
+              <a:latin typeface="Consolas" panose="020B0609020204030204" pitchFamily="49" charset="0"/>
+              <a:ea typeface="Times New Roman" panose="02020603050405020304" pitchFamily="18" charset="0"/>
+              <a:cs typeface="Courier New" panose="02070309020205020404" pitchFamily="49" charset="0"/>
+            </a:endParaRPr>
+          </a:p>
+          <a:p>
+            <a:pPr lvl="0" defTabSz="914400" eaLnBrk="0" fontAlgn="base" hangingPunct="0">
+              <a:spcBef>
+                <a:spcPct val="0"/>
+              </a:spcBef>
+              <a:spcAft>
+                <a:spcPct val="0"/>
+              </a:spcAft>
+              <a:tabLst>
+                <a:tab pos="581025" algn="l"/>
+                <a:tab pos="1163638" algn="l"/>
+                <a:tab pos="1744663" algn="l"/>
+                <a:tab pos="2327275" algn="l"/>
+                <a:tab pos="2908300" algn="l"/>
+                <a:tab pos="3489325" algn="l"/>
+                <a:tab pos="4071938" algn="l"/>
+                <a:tab pos="4652963" algn="l"/>
+                <a:tab pos="5235575" algn="l"/>
+                <a:tab pos="5816600" algn="l"/>
+                <a:tab pos="6397625" algn="l"/>
+                <a:tab pos="6980238" algn="l"/>
+                <a:tab pos="7561263" algn="l"/>
+                <a:tab pos="8143875" algn="l"/>
+                <a:tab pos="8724900" algn="l"/>
+                <a:tab pos="9305925" algn="l"/>
+              </a:tabLst>
+            </a:pPr>
+            <a:r>
+              <a:rPr lang="en-US" altLang="ko-KR" sz="1400" dirty="0" smtClean="0">
+                <a:solidFill>
+                  <a:srgbClr val="2F6F9F"/>
+                </a:solidFill>
+                <a:latin typeface="Consolas" panose="020B0609020204030204" pitchFamily="49" charset="0"/>
+                <a:ea typeface="Times New Roman" panose="02020603050405020304" pitchFamily="18" charset="0"/>
+                <a:cs typeface="Courier New" panose="02070309020205020404" pitchFamily="49" charset="0"/>
+              </a:rPr>
+              <a:t>&lt;</a:t>
+            </a:r>
+            <a:r>
+              <a:rPr lang="en-US" altLang="ko-KR" sz="1400" dirty="0">
+                <a:solidFill>
+                  <a:srgbClr val="2F6F9F"/>
+                </a:solidFill>
+                <a:latin typeface="Consolas" panose="020B0609020204030204" pitchFamily="49" charset="0"/>
+                <a:ea typeface="Times New Roman" panose="02020603050405020304" pitchFamily="18" charset="0"/>
+                <a:cs typeface="Courier New" panose="02070309020205020404" pitchFamily="49" charset="0"/>
+              </a:rPr>
+              <a:t>script </a:t>
+            </a:r>
+            <a:r>
+              <a:rPr lang="en-US" altLang="ko-KR" sz="1400" dirty="0" err="1">
+                <a:solidFill>
+                  <a:srgbClr val="4F9FCF"/>
+                </a:solidFill>
+                <a:latin typeface="Consolas" panose="020B0609020204030204" pitchFamily="49" charset="0"/>
+                <a:ea typeface="Times New Roman" panose="02020603050405020304" pitchFamily="18" charset="0"/>
+                <a:cs typeface="Courier New" panose="02070309020205020404" pitchFamily="49" charset="0"/>
+              </a:rPr>
+              <a:t>src</a:t>
+            </a:r>
+            <a:r>
+              <a:rPr lang="en-US" altLang="ko-KR" sz="1400" dirty="0">
+                <a:solidFill>
+                  <a:srgbClr val="4F9FCF"/>
+                </a:solidFill>
+                <a:latin typeface="Consolas" panose="020B0609020204030204" pitchFamily="49" charset="0"/>
+                <a:ea typeface="Times New Roman" panose="02020603050405020304" pitchFamily="18" charset="0"/>
+                <a:cs typeface="Courier New" panose="02070309020205020404" pitchFamily="49" charset="0"/>
+              </a:rPr>
+              <a:t>=</a:t>
+            </a:r>
+            <a:r>
+              <a:rPr lang="en-US" altLang="ko-KR" sz="1400" dirty="0">
+                <a:solidFill>
+                  <a:srgbClr val="D44950"/>
+                </a:solidFill>
+                <a:latin typeface="Consolas" panose="020B0609020204030204" pitchFamily="49" charset="0"/>
+                <a:ea typeface="Times New Roman" panose="02020603050405020304" pitchFamily="18" charset="0"/>
+                <a:cs typeface="Courier New" panose="02070309020205020404" pitchFamily="49" charset="0"/>
+              </a:rPr>
+              <a:t>"https://getbootstrap.com/docs/3.3/</a:t>
+            </a:r>
+            <a:r>
+              <a:rPr lang="en-US" altLang="ko-KR" sz="1400" dirty="0" err="1">
+                <a:solidFill>
+                  <a:srgbClr val="D44950"/>
+                </a:solidFill>
+                <a:latin typeface="Consolas" panose="020B0609020204030204" pitchFamily="49" charset="0"/>
+                <a:ea typeface="Times New Roman" panose="02020603050405020304" pitchFamily="18" charset="0"/>
+                <a:cs typeface="Courier New" panose="02070309020205020404" pitchFamily="49" charset="0"/>
+              </a:rPr>
+              <a:t>dist</a:t>
+            </a:r>
+            <a:r>
+              <a:rPr lang="en-US" altLang="ko-KR" sz="1400" dirty="0">
+                <a:solidFill>
+                  <a:srgbClr val="D44950"/>
+                </a:solidFill>
+                <a:latin typeface="Consolas" panose="020B0609020204030204" pitchFamily="49" charset="0"/>
+                <a:ea typeface="Times New Roman" panose="02020603050405020304" pitchFamily="18" charset="0"/>
+                <a:cs typeface="Courier New" panose="02070309020205020404" pitchFamily="49" charset="0"/>
+              </a:rPr>
+              <a:t>/</a:t>
+            </a:r>
+            <a:r>
+              <a:rPr lang="en-US" altLang="ko-KR" sz="1400" dirty="0" err="1">
+                <a:solidFill>
+                  <a:srgbClr val="D44950"/>
+                </a:solidFill>
+                <a:latin typeface="Consolas" panose="020B0609020204030204" pitchFamily="49" charset="0"/>
+                <a:ea typeface="Times New Roman" panose="02020603050405020304" pitchFamily="18" charset="0"/>
+                <a:cs typeface="Courier New" panose="02070309020205020404" pitchFamily="49" charset="0"/>
+              </a:rPr>
+              <a:t>js</a:t>
+            </a:r>
+            <a:r>
+              <a:rPr lang="en-US" altLang="ko-KR" sz="1400" dirty="0">
+                <a:solidFill>
+                  <a:srgbClr val="D44950"/>
+                </a:solidFill>
+                <a:latin typeface="Consolas" panose="020B0609020204030204" pitchFamily="49" charset="0"/>
+                <a:ea typeface="Times New Roman" panose="02020603050405020304" pitchFamily="18" charset="0"/>
+                <a:cs typeface="Courier New" panose="02070309020205020404" pitchFamily="49" charset="0"/>
+              </a:rPr>
+              <a:t>/bootstrap.min.js"</a:t>
+            </a:r>
+            <a:r>
+              <a:rPr lang="en-US" altLang="ko-KR" sz="1400" dirty="0">
+                <a:solidFill>
+                  <a:srgbClr val="2F6F9F"/>
+                </a:solidFill>
+                <a:latin typeface="Consolas" panose="020B0609020204030204" pitchFamily="49" charset="0"/>
+                <a:ea typeface="Times New Roman" panose="02020603050405020304" pitchFamily="18" charset="0"/>
+                <a:cs typeface="Courier New" panose="02070309020205020404" pitchFamily="49" charset="0"/>
+              </a:rPr>
+              <a:t>&gt;&lt;/script</a:t>
+            </a:r>
+            <a:r>
+              <a:rPr lang="en-US" altLang="ko-KR" sz="1400" dirty="0" smtClean="0">
+                <a:solidFill>
+                  <a:srgbClr val="2F6F9F"/>
+                </a:solidFill>
+                <a:latin typeface="Consolas" panose="020B0609020204030204" pitchFamily="49" charset="0"/>
+                <a:ea typeface="Times New Roman" panose="02020603050405020304" pitchFamily="18" charset="0"/>
+                <a:cs typeface="Courier New" panose="02070309020205020404" pitchFamily="49" charset="0"/>
+              </a:rPr>
+              <a:t>&gt;</a:t>
+            </a:r>
+          </a:p>
+          <a:p>
+            <a:pPr defTabSz="914400" eaLnBrk="0" fontAlgn="base" hangingPunct="0">
+              <a:spcBef>
+                <a:spcPct val="0"/>
+              </a:spcBef>
+              <a:spcAft>
+                <a:spcPct val="0"/>
+              </a:spcAft>
+              <a:tabLst>
+                <a:tab pos="581025" algn="l"/>
+                <a:tab pos="1163638" algn="l"/>
+                <a:tab pos="1744663" algn="l"/>
+                <a:tab pos="2327275" algn="l"/>
+                <a:tab pos="2908300" algn="l"/>
+                <a:tab pos="3489325" algn="l"/>
+                <a:tab pos="4071938" algn="l"/>
+                <a:tab pos="4652963" algn="l"/>
+                <a:tab pos="5235575" algn="l"/>
+                <a:tab pos="5816600" algn="l"/>
+                <a:tab pos="6397625" algn="l"/>
+                <a:tab pos="6980238" algn="l"/>
+                <a:tab pos="7561263" algn="l"/>
+                <a:tab pos="8143875" algn="l"/>
+                <a:tab pos="8724900" algn="l"/>
+                <a:tab pos="9305925" algn="l"/>
+              </a:tabLst>
+            </a:pPr>
+            <a:r>
+              <a:rPr lang="en-US" altLang="ko-KR" sz="1400" dirty="0" smtClean="0">
+                <a:solidFill>
+                  <a:srgbClr val="2F6F9F"/>
+                </a:solidFill>
+                <a:latin typeface="Consolas" panose="020B0609020204030204" pitchFamily="49" charset="0"/>
+                <a:ea typeface="Times New Roman" panose="02020603050405020304" pitchFamily="18" charset="0"/>
+                <a:cs typeface="Courier New" panose="02070309020205020404" pitchFamily="49" charset="0"/>
+              </a:rPr>
+              <a:t>&lt;/head&gt;</a:t>
+            </a:r>
+            <a:endParaRPr lang="en-US" altLang="ko-KR" sz="1400" dirty="0">
+              <a:solidFill>
+                <a:srgbClr val="999999"/>
+              </a:solidFill>
+              <a:latin typeface="Consolas" panose="020B0609020204030204" pitchFamily="49" charset="0"/>
+              <a:ea typeface="Times New Roman" panose="02020603050405020304" pitchFamily="18" charset="0"/>
+              <a:cs typeface="Courier New" panose="02070309020205020404" pitchFamily="49" charset="0"/>
+            </a:endParaRPr>
+          </a:p>
+        </p:txBody>
+      </p:sp>
+    </p:spTree>
+    <p:extLst>
+      <p:ext uri="{BB962C8B-B14F-4D97-AF65-F5344CB8AC3E}">
+        <p14:creationId xmlns:p14="http://schemas.microsoft.com/office/powerpoint/2010/main" val="1283544344"/>
+      </p:ext>
+    </p:extLst>
+  </p:cSld>
+  <p:clrMapOvr>
+    <a:masterClrMapping/>
+  </p:clrMapOvr>
+</p:sld>
+</file>
+
+<file path=ppt/slides/slide23.xml><?xml version="1.0" encoding="utf-8"?>
+<p:sld xmlns:a="http://schemas.openxmlformats.org/drawingml/2006/main" xmlns:r="http://schemas.openxmlformats.org/officeDocument/2006/relationships" xmlns:p="http://schemas.openxmlformats.org/presentationml/2006/main">
+  <p:cSld>
+    <p:spTree>
+      <p:nvGrpSpPr>
+        <p:cNvPr id="1" name=""/>
+        <p:cNvGrpSpPr/>
+        <p:nvPr/>
+      </p:nvGrpSpPr>
+      <p:grpSpPr>
+        <a:xfrm>
+          <a:off x="0" y="0"/>
+          <a:ext cx="0" cy="0"/>
+          <a:chOff x="0" y="0"/>
+          <a:chExt cx="0" cy="0"/>
+        </a:xfrm>
+      </p:grpSpPr>
+      <p:sp>
+        <p:nvSpPr>
+          <p:cNvPr id="4" name="Footer Placeholder 3">
+            <a:extLst>
+              <a:ext uri="{FF2B5EF4-FFF2-40B4-BE49-F238E27FC236}">
+                <a16:creationId xmlns:a16="http://schemas.microsoft.com/office/drawing/2014/main" xmlns="" id="{58067873-E821-413C-A873-01CC7AF6309D}"/>
+              </a:ext>
+            </a:extLst>
+          </p:cNvPr>
+          <p:cNvSpPr>
+            <a:spLocks noGrp="1"/>
+          </p:cNvSpPr>
+          <p:nvPr>
+            <p:ph type="ftr" sz="quarter" idx="11"/>
+          </p:nvPr>
+        </p:nvSpPr>
+        <p:spPr>
+          <a:xfrm>
+            <a:off x="677334" y="6502682"/>
+            <a:ext cx="6297612" cy="365125"/>
+          </a:xfrm>
+        </p:spPr>
+        <p:txBody>
+          <a:bodyPr/>
+          <a:lstStyle/>
+          <a:p>
+            <a:r>
+              <a:rPr lang="en-US" dirty="0"/>
+              <a:t>Lecturer: Mai Anh Phuong</a:t>
+            </a:r>
+          </a:p>
+        </p:txBody>
+      </p:sp>
+      <p:sp>
+        <p:nvSpPr>
+          <p:cNvPr id="10" name="Title 1"/>
+          <p:cNvSpPr>
+            <a:spLocks noGrp="1"/>
+          </p:cNvSpPr>
+          <p:nvPr>
+            <p:ph type="title"/>
+          </p:nvPr>
+        </p:nvSpPr>
+        <p:spPr>
+          <a:xfrm>
+            <a:off x="677334" y="266700"/>
+            <a:ext cx="8596668" cy="657225"/>
+          </a:xfrm>
+        </p:spPr>
+        <p:txBody>
+          <a:bodyPr/>
+          <a:lstStyle/>
+          <a:p>
+            <a:r>
+              <a:rPr lang="en-US" dirty="0" smtClean="0"/>
+              <a:t>How to start</a:t>
+            </a:r>
+            <a:endParaRPr lang="en-US" dirty="0"/>
+          </a:p>
+        </p:txBody>
+      </p:sp>
+      <p:sp>
+        <p:nvSpPr>
+          <p:cNvPr id="11" name="Content Placeholder 2"/>
+          <p:cNvSpPr>
+            <a:spLocks noGrp="1"/>
+          </p:cNvSpPr>
+          <p:nvPr>
+            <p:ph idx="1"/>
+          </p:nvPr>
+        </p:nvSpPr>
+        <p:spPr>
+          <a:xfrm>
+            <a:off x="677334" y="1028700"/>
+            <a:ext cx="8596668" cy="4907888"/>
+          </a:xfrm>
+        </p:spPr>
+        <p:txBody>
+          <a:bodyPr>
+            <a:normAutofit/>
+          </a:bodyPr>
+          <a:lstStyle/>
+          <a:p>
+            <a:r>
+              <a:rPr lang="en-US" sz="2000" dirty="0" smtClean="0"/>
+              <a:t>Import </a:t>
+            </a:r>
+            <a:r>
+              <a:rPr lang="en-US" sz="2000" dirty="0"/>
+              <a:t>from local</a:t>
+            </a:r>
+          </a:p>
+          <a:p>
+            <a:pPr marL="0" indent="0">
+              <a:buNone/>
+            </a:pPr>
+            <a:r>
+              <a:rPr lang="en-US" dirty="0" smtClean="0"/>
+              <a:t>Download Bootstrap and </a:t>
+            </a:r>
+            <a:r>
+              <a:rPr lang="en-US" dirty="0" err="1" smtClean="0"/>
+              <a:t>Jquery</a:t>
+            </a:r>
+          </a:p>
+          <a:p>
+            <a:pPr marL="0" indent="0">
+              <a:buNone/>
+            </a:pPr>
+            <a:r>
+              <a:rPr lang="en-US" sz="1600" dirty="0" smtClean="0">
+                <a:solidFill>
+                  <a:srgbClr val="0000CC"/>
+                </a:solidFill>
+                <a:hlinkClick r:id="rId2"/>
+              </a:rPr>
+              <a:t>https://github.com/twbs/bootstrap/releases/download/v3.3.7/bootstrap-3.3.7-dist.zip</a:t>
+            </a:r>
+            <a:r>
+              <a:rPr lang="en-US" sz="1600" dirty="0" smtClean="0">
+                <a:solidFill>
+                  <a:srgbClr val="0000CC"/>
+                </a:solidFill>
+              </a:rPr>
+              <a:t> </a:t>
+            </a:r>
+          </a:p>
+          <a:p>
+            <a:pPr marL="0" indent="0">
+              <a:buNone/>
+            </a:pPr>
+            <a:r>
+              <a:rPr lang="en-US" sz="1600" dirty="0" smtClean="0">
+                <a:solidFill>
+                  <a:srgbClr val="0000CC"/>
+                </a:solidFill>
+                <a:hlinkClick r:id="rId3"/>
+              </a:rPr>
+              <a:t>https://code.jquery.com/jquery-1.12.4.min.js</a:t>
+            </a:r>
+            <a:endParaRPr lang="en-US" sz="1600" dirty="0" smtClean="0">
+              <a:solidFill>
+                <a:srgbClr val="0000CC"/>
+              </a:solidFill>
+            </a:endParaRPr>
+          </a:p>
+          <a:p>
+            <a:pPr marL="0" indent="0">
+              <a:buNone/>
+            </a:pPr>
+            <a:endParaRPr lang="en-US" dirty="0" smtClean="0"/>
+          </a:p>
+          <a:p>
+            <a:pPr marL="0" indent="0">
+              <a:buNone/>
+            </a:pPr>
+            <a:r>
+              <a:rPr lang="en-US" dirty="0" smtClean="0"/>
+              <a:t>Import for using</a:t>
+            </a:r>
+            <a:endParaRPr lang="en-US" dirty="0"/>
+          </a:p>
+        </p:txBody>
+      </p:sp>
+      <p:sp>
+        <p:nvSpPr>
+          <p:cNvPr id="12" name="Rectangle 11"/>
+          <p:cNvSpPr/>
+          <p:nvPr/>
+        </p:nvSpPr>
+        <p:spPr>
+          <a:xfrm>
+            <a:off x="771522" y="3409951"/>
+            <a:ext cx="8858253" cy="2400299"/>
+          </a:xfrm>
+          <a:prstGeom prst="rect">
+            <a:avLst/>
+          </a:prstGeom>
+        </p:spPr>
+        <p:style>
+          <a:lnRef idx="2">
+            <a:schemeClr val="accent1"/>
+          </a:lnRef>
+          <a:fillRef idx="1">
+            <a:schemeClr val="lt1"/>
+          </a:fillRef>
+          <a:effectRef idx="0">
+            <a:schemeClr val="accent1"/>
+          </a:effectRef>
+          <a:fontRef idx="minor">
+            <a:schemeClr val="dk1"/>
+          </a:fontRef>
+        </p:style>
+        <p:txBody>
+          <a:bodyPr rtlCol="0" anchor="ctr"/>
+          <a:lstStyle/>
+          <a:p>
+            <a:pPr lvl="0" defTabSz="914400" eaLnBrk="0" fontAlgn="base" hangingPunct="0">
+              <a:spcBef>
+                <a:spcPct val="0"/>
+              </a:spcBef>
+              <a:spcAft>
+                <a:spcPct val="0"/>
+              </a:spcAft>
+              <a:tabLst>
+                <a:tab pos="581025" algn="l"/>
+                <a:tab pos="1163638" algn="l"/>
+                <a:tab pos="1744663" algn="l"/>
+                <a:tab pos="2327275" algn="l"/>
+                <a:tab pos="2908300" algn="l"/>
+                <a:tab pos="3489325" algn="l"/>
+                <a:tab pos="4071938" algn="l"/>
+                <a:tab pos="4652963" algn="l"/>
+                <a:tab pos="5235575" algn="l"/>
+                <a:tab pos="5816600" algn="l"/>
+                <a:tab pos="6397625" algn="l"/>
+                <a:tab pos="6980238" algn="l"/>
+                <a:tab pos="7561263" algn="l"/>
+                <a:tab pos="8143875" algn="l"/>
+                <a:tab pos="8724900" algn="l"/>
+                <a:tab pos="9305925" algn="l"/>
+              </a:tabLst>
+            </a:pPr>
+            <a:r>
+              <a:rPr lang="en-US" altLang="ko-KR" sz="1400" dirty="0">
+                <a:solidFill>
+                  <a:srgbClr val="2F6F9F"/>
+                </a:solidFill>
+                <a:latin typeface="Consolas" panose="020B0609020204030204" pitchFamily="49" charset="0"/>
+                <a:ea typeface="Times New Roman" panose="02020603050405020304" pitchFamily="18" charset="0"/>
+                <a:cs typeface="Courier New" panose="02070309020205020404" pitchFamily="49" charset="0"/>
+              </a:rPr>
+              <a:t>&lt;head&gt;</a:t>
+            </a:r>
+            <a:endParaRPr lang="en-US" altLang="ko-KR" sz="1400" dirty="0">
+              <a:solidFill>
+                <a:srgbClr val="999999"/>
+              </a:solidFill>
+              <a:latin typeface="Consolas" panose="020B0609020204030204" pitchFamily="49" charset="0"/>
+              <a:ea typeface="Times New Roman" panose="02020603050405020304" pitchFamily="18" charset="0"/>
+              <a:cs typeface="Courier New" panose="02070309020205020404" pitchFamily="49" charset="0"/>
+            </a:endParaRPr>
+          </a:p>
+          <a:p>
+            <a:pPr lvl="0" defTabSz="914400" eaLnBrk="0" fontAlgn="base" hangingPunct="0">
+              <a:spcBef>
+                <a:spcPct val="0"/>
+              </a:spcBef>
+              <a:spcAft>
+                <a:spcPct val="0"/>
+              </a:spcAft>
+              <a:tabLst>
+                <a:tab pos="581025" algn="l"/>
+                <a:tab pos="1163638" algn="l"/>
+                <a:tab pos="1744663" algn="l"/>
+                <a:tab pos="2327275" algn="l"/>
+                <a:tab pos="2908300" algn="l"/>
+                <a:tab pos="3489325" algn="l"/>
+                <a:tab pos="4071938" algn="l"/>
+                <a:tab pos="4652963" algn="l"/>
+                <a:tab pos="5235575" algn="l"/>
+                <a:tab pos="5816600" algn="l"/>
+                <a:tab pos="6397625" algn="l"/>
+                <a:tab pos="6980238" algn="l"/>
+                <a:tab pos="7561263" algn="l"/>
+                <a:tab pos="8143875" algn="l"/>
+                <a:tab pos="8724900" algn="l"/>
+                <a:tab pos="9305925" algn="l"/>
+              </a:tabLst>
+            </a:pPr>
+            <a:r>
+              <a:rPr lang="en-US" altLang="ko-KR" sz="1400" dirty="0">
+                <a:solidFill>
+                  <a:srgbClr val="999999"/>
+                </a:solidFill>
+                <a:latin typeface="Consolas" panose="020B0609020204030204" pitchFamily="49" charset="0"/>
+                <a:ea typeface="Times New Roman" panose="02020603050405020304" pitchFamily="18" charset="0"/>
+                <a:cs typeface="Courier New" panose="02070309020205020404" pitchFamily="49" charset="0"/>
+              </a:rPr>
+              <a:t>&lt;!-- Bootstrap --&gt;</a:t>
+            </a:r>
+            <a:r>
+              <a:rPr lang="en-US" altLang="ko-KR" sz="1400" dirty="0">
+                <a:solidFill>
+                  <a:srgbClr val="333333"/>
+                </a:solidFill>
+                <a:latin typeface="Consolas" panose="020B0609020204030204" pitchFamily="49" charset="0"/>
+                <a:ea typeface="Times New Roman" panose="02020603050405020304" pitchFamily="18" charset="0"/>
+                <a:cs typeface="Courier New" panose="02070309020205020404" pitchFamily="49" charset="0"/>
+              </a:rPr>
+              <a:t> </a:t>
+            </a:r>
+            <a:endParaRPr lang="en-US" altLang="ko-KR" sz="1400" dirty="0">
+              <a:solidFill>
+                <a:schemeClr val="tx1"/>
+              </a:solidFill>
+            </a:endParaRPr>
+          </a:p>
+          <a:p>
+            <a:pPr lvl="0" defTabSz="914400" eaLnBrk="0" fontAlgn="base" hangingPunct="0">
+              <a:spcBef>
+                <a:spcPct val="0"/>
+              </a:spcBef>
+              <a:spcAft>
+                <a:spcPct val="0"/>
+              </a:spcAft>
+              <a:tabLst>
+                <a:tab pos="581025" algn="l"/>
+                <a:tab pos="1163638" algn="l"/>
+                <a:tab pos="1744663" algn="l"/>
+                <a:tab pos="2327275" algn="l"/>
+                <a:tab pos="2908300" algn="l"/>
+                <a:tab pos="3489325" algn="l"/>
+                <a:tab pos="4071938" algn="l"/>
+                <a:tab pos="4652963" algn="l"/>
+                <a:tab pos="5235575" algn="l"/>
+                <a:tab pos="5816600" algn="l"/>
+                <a:tab pos="6397625" algn="l"/>
+                <a:tab pos="6980238" algn="l"/>
+                <a:tab pos="7561263" algn="l"/>
+                <a:tab pos="8143875" algn="l"/>
+                <a:tab pos="8724900" algn="l"/>
+                <a:tab pos="9305925" algn="l"/>
+              </a:tabLst>
+            </a:pPr>
+            <a:r>
+              <a:rPr lang="en-US" altLang="ko-KR" sz="1400" dirty="0">
+                <a:solidFill>
+                  <a:srgbClr val="2F6F9F"/>
+                </a:solidFill>
+                <a:latin typeface="Consolas" panose="020B0609020204030204" pitchFamily="49" charset="0"/>
+                <a:ea typeface="Times New Roman" panose="02020603050405020304" pitchFamily="18" charset="0"/>
+                <a:cs typeface="Courier New" panose="02070309020205020404" pitchFamily="49" charset="0"/>
+              </a:rPr>
+              <a:t>&lt;link</a:t>
+            </a:r>
+            <a:r>
+              <a:rPr lang="en-US" altLang="ko-KR" sz="1400" dirty="0">
+                <a:solidFill>
+                  <a:srgbClr val="333333"/>
+                </a:solidFill>
+                <a:latin typeface="Consolas" panose="020B0609020204030204" pitchFamily="49" charset="0"/>
+                <a:ea typeface="Times New Roman" panose="02020603050405020304" pitchFamily="18" charset="0"/>
+                <a:cs typeface="Courier New" panose="02070309020205020404" pitchFamily="49" charset="0"/>
+              </a:rPr>
+              <a:t> </a:t>
+            </a:r>
+            <a:r>
+              <a:rPr lang="en-US" altLang="ko-KR" sz="1400" dirty="0" err="1">
+                <a:solidFill>
+                  <a:srgbClr val="4F9FCF"/>
+                </a:solidFill>
+                <a:latin typeface="Consolas" panose="020B0609020204030204" pitchFamily="49" charset="0"/>
+                <a:ea typeface="Times New Roman" panose="02020603050405020304" pitchFamily="18" charset="0"/>
+                <a:cs typeface="Courier New" panose="02070309020205020404" pitchFamily="49" charset="0"/>
+              </a:rPr>
+              <a:t>href</a:t>
+            </a:r>
+            <a:r>
+              <a:rPr lang="en-US" altLang="ko-KR" sz="1400" dirty="0" smtClean="0">
+                <a:solidFill>
+                  <a:srgbClr val="4F9FCF"/>
+                </a:solidFill>
+                <a:latin typeface="Consolas" panose="020B0609020204030204" pitchFamily="49" charset="0"/>
+                <a:ea typeface="Times New Roman" panose="02020603050405020304" pitchFamily="18" charset="0"/>
+                <a:cs typeface="Courier New" panose="02070309020205020404" pitchFamily="49" charset="0"/>
+              </a:rPr>
+              <a:t>=</a:t>
+            </a:r>
+            <a:r>
+              <a:rPr lang="en-US" altLang="ko-KR" sz="1400" dirty="0" smtClean="0">
+                <a:solidFill>
+                  <a:srgbClr val="D44950"/>
+                </a:solidFill>
+                <a:latin typeface="Consolas" panose="020B0609020204030204" pitchFamily="49" charset="0"/>
+                <a:ea typeface="Times New Roman" panose="02020603050405020304" pitchFamily="18" charset="0"/>
+                <a:cs typeface="Courier New" panose="02070309020205020404" pitchFamily="49" charset="0"/>
+              </a:rPr>
+              <a:t>"</a:t>
+            </a:r>
+            <a:r>
+              <a:rPr lang="en-US" sz="1400" dirty="0" err="1">
+                <a:solidFill>
+                  <a:srgbClr val="D44950"/>
+                </a:solidFill>
+                <a:latin typeface="Consolas" panose="020B0609020204030204" pitchFamily="49" charset="0"/>
+                <a:ea typeface="Times New Roman" panose="02020603050405020304" pitchFamily="18" charset="0"/>
+                <a:cs typeface="Courier New" panose="02070309020205020404" pitchFamily="49" charset="0"/>
+              </a:rPr>
+              <a:t>ib</a:t>
+            </a:r>
+            <a:r>
+              <a:rPr lang="en-US" sz="1400" dirty="0">
+                <a:solidFill>
+                  <a:srgbClr val="D44950"/>
+                </a:solidFill>
+                <a:latin typeface="Consolas" panose="020B0609020204030204" pitchFamily="49" charset="0"/>
+                <a:ea typeface="Times New Roman" panose="02020603050405020304" pitchFamily="18" charset="0"/>
+                <a:cs typeface="Courier New" panose="02070309020205020404" pitchFamily="49" charset="0"/>
+              </a:rPr>
+              <a:t>/</a:t>
+            </a:r>
+            <a:r>
+              <a:rPr lang="en-US" sz="1400" dirty="0" err="1">
+                <a:solidFill>
+                  <a:srgbClr val="D44950"/>
+                </a:solidFill>
+                <a:latin typeface="Consolas" panose="020B0609020204030204" pitchFamily="49" charset="0"/>
+                <a:ea typeface="Times New Roman" panose="02020603050405020304" pitchFamily="18" charset="0"/>
+                <a:cs typeface="Courier New" panose="02070309020205020404" pitchFamily="49" charset="0"/>
+              </a:rPr>
+              <a:t>css</a:t>
+            </a:r>
+            <a:r>
+              <a:rPr lang="en-US" sz="1400" dirty="0">
+                <a:solidFill>
+                  <a:srgbClr val="D44950"/>
+                </a:solidFill>
+                <a:latin typeface="Consolas" panose="020B0609020204030204" pitchFamily="49" charset="0"/>
+                <a:ea typeface="Times New Roman" panose="02020603050405020304" pitchFamily="18" charset="0"/>
+                <a:cs typeface="Courier New" panose="02070309020205020404" pitchFamily="49" charset="0"/>
+              </a:rPr>
+              <a:t>/bootstrap.min.css</a:t>
+            </a:r>
+            <a:r>
+              <a:rPr lang="en-US" altLang="ko-KR" sz="1400" dirty="0" smtClean="0">
+                <a:solidFill>
+                  <a:srgbClr val="D44950"/>
+                </a:solidFill>
+                <a:latin typeface="Consolas" panose="020B0609020204030204" pitchFamily="49" charset="0"/>
+                <a:ea typeface="Times New Roman" panose="02020603050405020304" pitchFamily="18" charset="0"/>
+                <a:cs typeface="Courier New" panose="02070309020205020404" pitchFamily="49" charset="0"/>
+              </a:rPr>
+              <a:t>"</a:t>
+            </a:r>
+            <a:r>
+              <a:rPr lang="en-US" altLang="ko-KR" sz="1400" dirty="0" smtClean="0">
+                <a:solidFill>
+                  <a:srgbClr val="333333"/>
+                </a:solidFill>
+                <a:latin typeface="Consolas" panose="020B0609020204030204" pitchFamily="49" charset="0"/>
+                <a:ea typeface="Times New Roman" panose="02020603050405020304" pitchFamily="18" charset="0"/>
+                <a:cs typeface="Courier New" panose="02070309020205020404" pitchFamily="49" charset="0"/>
+              </a:rPr>
+              <a:t> </a:t>
+            </a:r>
+            <a:r>
+              <a:rPr lang="en-US" altLang="ko-KR" sz="1400" dirty="0" err="1">
+                <a:solidFill>
+                  <a:srgbClr val="4F9FCF"/>
+                </a:solidFill>
+                <a:latin typeface="Consolas" panose="020B0609020204030204" pitchFamily="49" charset="0"/>
+                <a:ea typeface="Times New Roman" panose="02020603050405020304" pitchFamily="18" charset="0"/>
+                <a:cs typeface="Courier New" panose="02070309020205020404" pitchFamily="49" charset="0"/>
+              </a:rPr>
+              <a:t>rel</a:t>
+            </a:r>
+            <a:r>
+              <a:rPr lang="en-US" altLang="ko-KR" sz="1400" dirty="0">
+                <a:solidFill>
+                  <a:srgbClr val="4F9FCF"/>
+                </a:solidFill>
+                <a:latin typeface="Consolas" panose="020B0609020204030204" pitchFamily="49" charset="0"/>
+                <a:ea typeface="Times New Roman" panose="02020603050405020304" pitchFamily="18" charset="0"/>
+                <a:cs typeface="Courier New" panose="02070309020205020404" pitchFamily="49" charset="0"/>
+              </a:rPr>
+              <a:t>=</a:t>
+            </a:r>
+            <a:r>
+              <a:rPr lang="en-US" altLang="ko-KR" sz="1400" dirty="0">
+                <a:solidFill>
+                  <a:srgbClr val="D44950"/>
+                </a:solidFill>
+                <a:latin typeface="Consolas" panose="020B0609020204030204" pitchFamily="49" charset="0"/>
+                <a:ea typeface="Times New Roman" panose="02020603050405020304" pitchFamily="18" charset="0"/>
+                <a:cs typeface="Courier New" panose="02070309020205020404" pitchFamily="49" charset="0"/>
+              </a:rPr>
+              <a:t>"</a:t>
+            </a:r>
+            <a:r>
+              <a:rPr lang="en-US" altLang="ko-KR" sz="1400" dirty="0" err="1">
+                <a:solidFill>
+                  <a:srgbClr val="D44950"/>
+                </a:solidFill>
+                <a:latin typeface="Consolas" panose="020B0609020204030204" pitchFamily="49" charset="0"/>
+                <a:ea typeface="Times New Roman" panose="02020603050405020304" pitchFamily="18" charset="0"/>
+                <a:cs typeface="Courier New" panose="02070309020205020404" pitchFamily="49" charset="0"/>
+              </a:rPr>
+              <a:t>stylesheet</a:t>
+            </a:r>
+            <a:r>
+              <a:rPr lang="en-US" altLang="ko-KR" sz="1400" dirty="0">
+                <a:solidFill>
+                  <a:srgbClr val="D44950"/>
+                </a:solidFill>
+                <a:latin typeface="Consolas" panose="020B0609020204030204" pitchFamily="49" charset="0"/>
+                <a:ea typeface="Times New Roman" panose="02020603050405020304" pitchFamily="18" charset="0"/>
+                <a:cs typeface="Courier New" panose="02070309020205020404" pitchFamily="49" charset="0"/>
+              </a:rPr>
+              <a:t>"</a:t>
+            </a:r>
+            <a:r>
+              <a:rPr lang="en-US" altLang="ko-KR" sz="1400" dirty="0">
+                <a:solidFill>
+                  <a:srgbClr val="2F6F9F"/>
+                </a:solidFill>
+                <a:latin typeface="Consolas" panose="020B0609020204030204" pitchFamily="49" charset="0"/>
+                <a:ea typeface="Times New Roman" panose="02020603050405020304" pitchFamily="18" charset="0"/>
+                <a:cs typeface="Courier New" panose="02070309020205020404" pitchFamily="49" charset="0"/>
+              </a:rPr>
+              <a:t>&gt;</a:t>
+            </a:r>
+          </a:p>
+          <a:p>
+            <a:pPr lvl="0" defTabSz="914400" eaLnBrk="0" fontAlgn="base" hangingPunct="0">
+              <a:spcBef>
+                <a:spcPct val="0"/>
+              </a:spcBef>
+              <a:spcAft>
+                <a:spcPct val="0"/>
+              </a:spcAft>
+              <a:tabLst>
+                <a:tab pos="581025" algn="l"/>
+                <a:tab pos="1163638" algn="l"/>
+                <a:tab pos="1744663" algn="l"/>
+                <a:tab pos="2327275" algn="l"/>
+                <a:tab pos="2908300" algn="l"/>
+                <a:tab pos="3489325" algn="l"/>
+                <a:tab pos="4071938" algn="l"/>
+                <a:tab pos="4652963" algn="l"/>
+                <a:tab pos="5235575" algn="l"/>
+                <a:tab pos="5816600" algn="l"/>
+                <a:tab pos="6397625" algn="l"/>
+                <a:tab pos="6980238" algn="l"/>
+                <a:tab pos="7561263" algn="l"/>
+                <a:tab pos="8143875" algn="l"/>
+                <a:tab pos="8724900" algn="l"/>
+                <a:tab pos="9305925" algn="l"/>
+              </a:tabLst>
+            </a:pPr>
+            <a:endParaRPr lang="en-US" altLang="ko-KR" sz="1400" dirty="0">
+              <a:solidFill>
+                <a:schemeClr val="tx1"/>
+              </a:solidFill>
+            </a:endParaRPr>
+          </a:p>
+          <a:p>
+            <a:pPr lvl="0" defTabSz="914400" eaLnBrk="0" fontAlgn="base" hangingPunct="0">
+              <a:spcBef>
+                <a:spcPct val="0"/>
+              </a:spcBef>
+              <a:spcAft>
+                <a:spcPct val="0"/>
+              </a:spcAft>
+              <a:tabLst>
+                <a:tab pos="581025" algn="l"/>
+                <a:tab pos="1163638" algn="l"/>
+                <a:tab pos="1744663" algn="l"/>
+                <a:tab pos="2327275" algn="l"/>
+                <a:tab pos="2908300" algn="l"/>
+                <a:tab pos="3489325" algn="l"/>
+                <a:tab pos="4071938" algn="l"/>
+                <a:tab pos="4652963" algn="l"/>
+                <a:tab pos="5235575" algn="l"/>
+                <a:tab pos="5816600" algn="l"/>
+                <a:tab pos="6397625" algn="l"/>
+                <a:tab pos="6980238" algn="l"/>
+                <a:tab pos="7561263" algn="l"/>
+                <a:tab pos="8143875" algn="l"/>
+                <a:tab pos="8724900" algn="l"/>
+                <a:tab pos="9305925" algn="l"/>
+              </a:tabLst>
+            </a:pPr>
+            <a:r>
+              <a:rPr lang="en-US" altLang="ko-KR" sz="1400" dirty="0">
+                <a:solidFill>
+                  <a:srgbClr val="999999"/>
+                </a:solidFill>
+                <a:latin typeface="Consolas" panose="020B0609020204030204" pitchFamily="49" charset="0"/>
+                <a:ea typeface="Times New Roman" panose="02020603050405020304" pitchFamily="18" charset="0"/>
+                <a:cs typeface="Courier New" panose="02070309020205020404" pitchFamily="49" charset="0"/>
+              </a:rPr>
+              <a:t>&lt;!-- </a:t>
+            </a:r>
+            <a:r>
+              <a:rPr lang="en-US" altLang="ko-KR" sz="1400" dirty="0" err="1">
+                <a:solidFill>
+                  <a:srgbClr val="999999"/>
+                </a:solidFill>
+                <a:latin typeface="Consolas" panose="020B0609020204030204" pitchFamily="49" charset="0"/>
+                <a:ea typeface="Times New Roman" panose="02020603050405020304" pitchFamily="18" charset="0"/>
+                <a:cs typeface="Courier New" panose="02070309020205020404" pitchFamily="49" charset="0"/>
+              </a:rPr>
+              <a:t>jQuery</a:t>
+            </a:r>
+            <a:r>
+              <a:rPr lang="en-US" altLang="ko-KR" sz="1400" dirty="0">
+                <a:solidFill>
+                  <a:srgbClr val="999999"/>
+                </a:solidFill>
+                <a:latin typeface="Consolas" panose="020B0609020204030204" pitchFamily="49" charset="0"/>
+                <a:ea typeface="Times New Roman" panose="02020603050405020304" pitchFamily="18" charset="0"/>
+                <a:cs typeface="Courier New" panose="02070309020205020404" pitchFamily="49" charset="0"/>
+              </a:rPr>
+              <a:t> (necessary for Bootstrap's JavaScript plugins) --&gt;</a:t>
+            </a:r>
+            <a:r>
+              <a:rPr lang="en-US" altLang="ko-KR" sz="1400" dirty="0">
+                <a:solidFill>
+                  <a:srgbClr val="333333"/>
+                </a:solidFill>
+                <a:latin typeface="Consolas" panose="020B0609020204030204" pitchFamily="49" charset="0"/>
+                <a:ea typeface="Times New Roman" panose="02020603050405020304" pitchFamily="18" charset="0"/>
+                <a:cs typeface="Courier New" panose="02070309020205020404" pitchFamily="49" charset="0"/>
+              </a:rPr>
+              <a:t> </a:t>
+            </a:r>
+            <a:endParaRPr lang="en-US" altLang="ko-KR" sz="1400" dirty="0">
+              <a:solidFill>
+                <a:srgbClr val="2F6F9F"/>
+              </a:solidFill>
+              <a:latin typeface="Consolas" panose="020B0609020204030204" pitchFamily="49" charset="0"/>
+              <a:ea typeface="Times New Roman" panose="02020603050405020304" pitchFamily="18" charset="0"/>
+              <a:cs typeface="Courier New" panose="02070309020205020404" pitchFamily="49" charset="0"/>
+            </a:endParaRPr>
+          </a:p>
+          <a:p>
+            <a:pPr lvl="0" defTabSz="914400" eaLnBrk="0" fontAlgn="base" hangingPunct="0">
+              <a:spcBef>
+                <a:spcPct val="0"/>
+              </a:spcBef>
+              <a:spcAft>
+                <a:spcPct val="0"/>
+              </a:spcAft>
+              <a:tabLst>
+                <a:tab pos="581025" algn="l"/>
+                <a:tab pos="1163638" algn="l"/>
+                <a:tab pos="1744663" algn="l"/>
+                <a:tab pos="2327275" algn="l"/>
+                <a:tab pos="2908300" algn="l"/>
+                <a:tab pos="3489325" algn="l"/>
+                <a:tab pos="4071938" algn="l"/>
+                <a:tab pos="4652963" algn="l"/>
+                <a:tab pos="5235575" algn="l"/>
+                <a:tab pos="5816600" algn="l"/>
+                <a:tab pos="6397625" algn="l"/>
+                <a:tab pos="6980238" algn="l"/>
+                <a:tab pos="7561263" algn="l"/>
+                <a:tab pos="8143875" algn="l"/>
+                <a:tab pos="8724900" algn="l"/>
+                <a:tab pos="9305925" algn="l"/>
+              </a:tabLst>
+            </a:pPr>
+            <a:r>
+              <a:rPr lang="en-US" altLang="ko-KR" sz="1400" dirty="0">
+                <a:solidFill>
+                  <a:srgbClr val="2F6F9F"/>
+                </a:solidFill>
+                <a:latin typeface="Consolas" panose="020B0609020204030204" pitchFamily="49" charset="0"/>
+                <a:ea typeface="Times New Roman" panose="02020603050405020304" pitchFamily="18" charset="0"/>
+                <a:cs typeface="Courier New" panose="02070309020205020404" pitchFamily="49" charset="0"/>
+              </a:rPr>
+              <a:t>&lt;script </a:t>
+            </a:r>
+            <a:r>
+              <a:rPr lang="en-US" altLang="ko-KR" sz="1400" dirty="0" err="1">
+                <a:solidFill>
+                  <a:srgbClr val="4F9FCF"/>
+                </a:solidFill>
+                <a:latin typeface="Consolas" panose="020B0609020204030204" pitchFamily="49" charset="0"/>
+                <a:ea typeface="Times New Roman" panose="02020603050405020304" pitchFamily="18" charset="0"/>
+                <a:cs typeface="Courier New" panose="02070309020205020404" pitchFamily="49" charset="0"/>
+              </a:rPr>
+              <a:t>src</a:t>
+            </a:r>
+            <a:r>
+              <a:rPr lang="en-US" altLang="ko-KR" sz="1400" dirty="0" smtClean="0">
+                <a:solidFill>
+                  <a:srgbClr val="4F9FCF"/>
+                </a:solidFill>
+                <a:latin typeface="Consolas" panose="020B0609020204030204" pitchFamily="49" charset="0"/>
+                <a:ea typeface="Times New Roman" panose="02020603050405020304" pitchFamily="18" charset="0"/>
+                <a:cs typeface="Courier New" panose="02070309020205020404" pitchFamily="49" charset="0"/>
+              </a:rPr>
+              <a:t>=</a:t>
+            </a:r>
+            <a:r>
+              <a:rPr lang="en-US" altLang="ko-KR" sz="1400" dirty="0" smtClean="0">
+                <a:solidFill>
+                  <a:srgbClr val="D44950"/>
+                </a:solidFill>
+                <a:latin typeface="Consolas" panose="020B0609020204030204" pitchFamily="49" charset="0"/>
+                <a:ea typeface="Times New Roman" panose="02020603050405020304" pitchFamily="18" charset="0"/>
+                <a:cs typeface="Courier New" panose="02070309020205020404" pitchFamily="49" charset="0"/>
+              </a:rPr>
+              <a:t>"</a:t>
+            </a:r>
+            <a:r>
+              <a:rPr lang="en-US" sz="1400" dirty="0">
+                <a:solidFill>
+                  <a:srgbClr val="D44950"/>
+                </a:solidFill>
+                <a:latin typeface="Consolas" panose="020B0609020204030204" pitchFamily="49" charset="0"/>
+                <a:ea typeface="Times New Roman" panose="02020603050405020304" pitchFamily="18" charset="0"/>
+                <a:cs typeface="Courier New" panose="02070309020205020404" pitchFamily="49" charset="0"/>
+              </a:rPr>
+              <a:t> </a:t>
+            </a:r>
+            <a:r>
+              <a:rPr lang="en-US" sz="1400" dirty="0" smtClean="0">
+                <a:solidFill>
+                  <a:srgbClr val="D44950"/>
+                </a:solidFill>
+                <a:latin typeface="Consolas" panose="020B0609020204030204" pitchFamily="49" charset="0"/>
+                <a:ea typeface="Times New Roman" panose="02020603050405020304" pitchFamily="18" charset="0"/>
+                <a:cs typeface="Courier New" panose="02070309020205020404" pitchFamily="49" charset="0"/>
+              </a:rPr>
+              <a:t>lib/</a:t>
+            </a:r>
+            <a:r>
+              <a:rPr lang="en-US" sz="1400" dirty="0" err="1" smtClean="0">
+                <a:solidFill>
+                  <a:srgbClr val="D44950"/>
+                </a:solidFill>
+                <a:latin typeface="Consolas" panose="020B0609020204030204" pitchFamily="49" charset="0"/>
+                <a:ea typeface="Times New Roman" panose="02020603050405020304" pitchFamily="18" charset="0"/>
+                <a:cs typeface="Courier New" panose="02070309020205020404" pitchFamily="49" charset="0"/>
+              </a:rPr>
+              <a:t>js</a:t>
+            </a:r>
+            <a:r>
+              <a:rPr lang="en-US" sz="1400" dirty="0" smtClean="0">
+                <a:solidFill>
+                  <a:srgbClr val="D44950"/>
+                </a:solidFill>
+                <a:latin typeface="Consolas" panose="020B0609020204030204" pitchFamily="49" charset="0"/>
+                <a:ea typeface="Times New Roman" panose="02020603050405020304" pitchFamily="18" charset="0"/>
+                <a:cs typeface="Courier New" panose="02070309020205020404" pitchFamily="49" charset="0"/>
+              </a:rPr>
+              <a:t>/jquery-1.12.4.min.js</a:t>
+            </a:r>
+            <a:r>
+              <a:rPr lang="en-US" altLang="ko-KR" sz="1400" dirty="0" smtClean="0">
+                <a:solidFill>
+                  <a:srgbClr val="D44950"/>
+                </a:solidFill>
+                <a:latin typeface="Consolas" panose="020B0609020204030204" pitchFamily="49" charset="0"/>
+                <a:ea typeface="Times New Roman" panose="02020603050405020304" pitchFamily="18" charset="0"/>
+                <a:cs typeface="Courier New" panose="02070309020205020404" pitchFamily="49" charset="0"/>
+              </a:rPr>
+              <a:t>"</a:t>
+            </a:r>
+            <a:r>
+              <a:rPr lang="en-US" altLang="ko-KR" sz="1400" dirty="0" smtClean="0">
+                <a:solidFill>
+                  <a:srgbClr val="2F6F9F"/>
+                </a:solidFill>
+                <a:latin typeface="Consolas" panose="020B0609020204030204" pitchFamily="49" charset="0"/>
+                <a:ea typeface="Times New Roman" panose="02020603050405020304" pitchFamily="18" charset="0"/>
+                <a:cs typeface="Courier New" panose="02070309020205020404" pitchFamily="49" charset="0"/>
+              </a:rPr>
+              <a:t>&gt;&lt;/</a:t>
+            </a:r>
+            <a:r>
+              <a:rPr lang="en-US" altLang="ko-KR" sz="1400" dirty="0">
+                <a:solidFill>
+                  <a:srgbClr val="2F6F9F"/>
+                </a:solidFill>
+                <a:latin typeface="Consolas" panose="020B0609020204030204" pitchFamily="49" charset="0"/>
+                <a:ea typeface="Times New Roman" panose="02020603050405020304" pitchFamily="18" charset="0"/>
+                <a:cs typeface="Courier New" panose="02070309020205020404" pitchFamily="49" charset="0"/>
+              </a:rPr>
+              <a:t>script&gt;</a:t>
+            </a:r>
+            <a:r>
+              <a:rPr lang="en-US" altLang="ko-KR" sz="1400" dirty="0">
+                <a:solidFill>
+                  <a:srgbClr val="333333"/>
+                </a:solidFill>
+                <a:latin typeface="Consolas" panose="020B0609020204030204" pitchFamily="49" charset="0"/>
+                <a:ea typeface="Times New Roman" panose="02020603050405020304" pitchFamily="18" charset="0"/>
+                <a:cs typeface="Courier New" panose="02070309020205020404" pitchFamily="49" charset="0"/>
+              </a:rPr>
+              <a:t> </a:t>
+            </a:r>
+          </a:p>
+          <a:p>
+            <a:pPr lvl="0" defTabSz="914400" eaLnBrk="0" fontAlgn="base" hangingPunct="0">
+              <a:spcBef>
+                <a:spcPct val="0"/>
+              </a:spcBef>
+              <a:spcAft>
+                <a:spcPct val="0"/>
+              </a:spcAft>
+              <a:tabLst>
+                <a:tab pos="581025" algn="l"/>
+                <a:tab pos="1163638" algn="l"/>
+                <a:tab pos="1744663" algn="l"/>
+                <a:tab pos="2327275" algn="l"/>
+                <a:tab pos="2908300" algn="l"/>
+                <a:tab pos="3489325" algn="l"/>
+                <a:tab pos="4071938" algn="l"/>
+                <a:tab pos="4652963" algn="l"/>
+                <a:tab pos="5235575" algn="l"/>
+                <a:tab pos="5816600" algn="l"/>
+                <a:tab pos="6397625" algn="l"/>
+                <a:tab pos="6980238" algn="l"/>
+                <a:tab pos="7561263" algn="l"/>
+                <a:tab pos="8143875" algn="l"/>
+                <a:tab pos="8724900" algn="l"/>
+                <a:tab pos="9305925" algn="l"/>
+              </a:tabLst>
+            </a:pPr>
+            <a:endParaRPr lang="en-US" altLang="ko-KR" sz="1400" dirty="0">
+              <a:solidFill>
+                <a:schemeClr val="tx1"/>
+              </a:solidFill>
+            </a:endParaRPr>
+          </a:p>
+          <a:p>
+            <a:pPr lvl="0" defTabSz="914400" eaLnBrk="0" fontAlgn="base" hangingPunct="0">
+              <a:spcBef>
+                <a:spcPct val="0"/>
+              </a:spcBef>
+              <a:spcAft>
+                <a:spcPct val="0"/>
+              </a:spcAft>
+              <a:tabLst>
+                <a:tab pos="581025" algn="l"/>
+                <a:tab pos="1163638" algn="l"/>
+                <a:tab pos="1744663" algn="l"/>
+                <a:tab pos="2327275" algn="l"/>
+                <a:tab pos="2908300" algn="l"/>
+                <a:tab pos="3489325" algn="l"/>
+                <a:tab pos="4071938" algn="l"/>
+                <a:tab pos="4652963" algn="l"/>
+                <a:tab pos="5235575" algn="l"/>
+                <a:tab pos="5816600" algn="l"/>
+                <a:tab pos="6397625" algn="l"/>
+                <a:tab pos="6980238" algn="l"/>
+                <a:tab pos="7561263" algn="l"/>
+                <a:tab pos="8143875" algn="l"/>
+                <a:tab pos="8724900" algn="l"/>
+                <a:tab pos="9305925" algn="l"/>
+              </a:tabLst>
+            </a:pPr>
+            <a:r>
+              <a:rPr lang="en-US" altLang="ko-KR" sz="1400" dirty="0">
+                <a:solidFill>
+                  <a:srgbClr val="999999"/>
+                </a:solidFill>
+                <a:latin typeface="Consolas" panose="020B0609020204030204" pitchFamily="49" charset="0"/>
+                <a:ea typeface="Times New Roman" panose="02020603050405020304" pitchFamily="18" charset="0"/>
+                <a:cs typeface="Courier New" panose="02070309020205020404" pitchFamily="49" charset="0"/>
+              </a:rPr>
+              <a:t>&lt;!-- Include all compiled plugins (below), or include individual files as needed --&gt;</a:t>
+            </a:r>
+            <a:r>
+              <a:rPr lang="en-US" altLang="ko-KR" sz="1400" dirty="0">
+                <a:solidFill>
+                  <a:srgbClr val="333333"/>
+                </a:solidFill>
+                <a:latin typeface="Consolas" panose="020B0609020204030204" pitchFamily="49" charset="0"/>
+                <a:ea typeface="Times New Roman" panose="02020603050405020304" pitchFamily="18" charset="0"/>
+                <a:cs typeface="Courier New" panose="02070309020205020404" pitchFamily="49" charset="0"/>
+              </a:rPr>
+              <a:t> </a:t>
+            </a:r>
+          </a:p>
+          <a:p>
+            <a:pPr lvl="0" defTabSz="914400" eaLnBrk="0" fontAlgn="base" hangingPunct="0">
+              <a:spcBef>
+                <a:spcPct val="0"/>
+              </a:spcBef>
+              <a:spcAft>
+                <a:spcPct val="0"/>
+              </a:spcAft>
+              <a:tabLst>
+                <a:tab pos="581025" algn="l"/>
+                <a:tab pos="1163638" algn="l"/>
+                <a:tab pos="1744663" algn="l"/>
+                <a:tab pos="2327275" algn="l"/>
+                <a:tab pos="2908300" algn="l"/>
+                <a:tab pos="3489325" algn="l"/>
+                <a:tab pos="4071938" algn="l"/>
+                <a:tab pos="4652963" algn="l"/>
+                <a:tab pos="5235575" algn="l"/>
+                <a:tab pos="5816600" algn="l"/>
+                <a:tab pos="6397625" algn="l"/>
+                <a:tab pos="6980238" algn="l"/>
+                <a:tab pos="7561263" algn="l"/>
+                <a:tab pos="8143875" algn="l"/>
+                <a:tab pos="8724900" algn="l"/>
+                <a:tab pos="9305925" algn="l"/>
+              </a:tabLst>
+            </a:pPr>
+            <a:r>
+              <a:rPr lang="en-US" altLang="ko-KR" sz="1400" dirty="0">
+                <a:solidFill>
+                  <a:srgbClr val="2F6F9F"/>
+                </a:solidFill>
+                <a:latin typeface="Consolas" panose="020B0609020204030204" pitchFamily="49" charset="0"/>
+                <a:ea typeface="Times New Roman" panose="02020603050405020304" pitchFamily="18" charset="0"/>
+                <a:cs typeface="Courier New" panose="02070309020205020404" pitchFamily="49" charset="0"/>
+              </a:rPr>
+              <a:t>&lt;script </a:t>
+            </a:r>
+            <a:r>
+              <a:rPr lang="en-US" altLang="ko-KR" sz="1400" dirty="0" err="1">
+                <a:solidFill>
+                  <a:srgbClr val="4F9FCF"/>
+                </a:solidFill>
+                <a:latin typeface="Consolas" panose="020B0609020204030204" pitchFamily="49" charset="0"/>
+                <a:ea typeface="Times New Roman" panose="02020603050405020304" pitchFamily="18" charset="0"/>
+                <a:cs typeface="Courier New" panose="02070309020205020404" pitchFamily="49" charset="0"/>
+              </a:rPr>
+              <a:t>src</a:t>
+            </a:r>
+            <a:r>
+              <a:rPr lang="en-US" altLang="ko-KR" sz="1400" dirty="0" smtClean="0">
+                <a:solidFill>
+                  <a:srgbClr val="4F9FCF"/>
+                </a:solidFill>
+                <a:latin typeface="Consolas" panose="020B0609020204030204" pitchFamily="49" charset="0"/>
+                <a:ea typeface="Times New Roman" panose="02020603050405020304" pitchFamily="18" charset="0"/>
+                <a:cs typeface="Courier New" panose="02070309020205020404" pitchFamily="49" charset="0"/>
+              </a:rPr>
+              <a:t>=</a:t>
+            </a:r>
+            <a:r>
+              <a:rPr lang="en-US" altLang="ko-KR" sz="1400" dirty="0" smtClean="0">
+                <a:solidFill>
+                  <a:srgbClr val="D44950"/>
+                </a:solidFill>
+                <a:latin typeface="Consolas" panose="020B0609020204030204" pitchFamily="49" charset="0"/>
+                <a:ea typeface="Times New Roman" panose="02020603050405020304" pitchFamily="18" charset="0"/>
+                <a:cs typeface="Courier New" panose="02070309020205020404" pitchFamily="49" charset="0"/>
+              </a:rPr>
+              <a:t>"</a:t>
+            </a:r>
+            <a:r>
+              <a:rPr lang="en-US" sz="1400" dirty="0">
+                <a:solidFill>
+                  <a:srgbClr val="D44950"/>
+                </a:solidFill>
+                <a:latin typeface="Consolas" panose="020B0609020204030204" pitchFamily="49" charset="0"/>
+                <a:ea typeface="Times New Roman" panose="02020603050405020304" pitchFamily="18" charset="0"/>
+                <a:cs typeface="Courier New" panose="02070309020205020404" pitchFamily="49" charset="0"/>
+              </a:rPr>
+              <a:t> lib/</a:t>
+            </a:r>
+            <a:r>
+              <a:rPr lang="en-US" sz="1400" dirty="0" err="1">
+                <a:solidFill>
+                  <a:srgbClr val="D44950"/>
+                </a:solidFill>
+                <a:latin typeface="Consolas" panose="020B0609020204030204" pitchFamily="49" charset="0"/>
+                <a:ea typeface="Times New Roman" panose="02020603050405020304" pitchFamily="18" charset="0"/>
+                <a:cs typeface="Courier New" panose="02070309020205020404" pitchFamily="49" charset="0"/>
+              </a:rPr>
+              <a:t>js</a:t>
+            </a:r>
+            <a:r>
+              <a:rPr lang="en-US" sz="1400" dirty="0">
+                <a:solidFill>
+                  <a:srgbClr val="D44950"/>
+                </a:solidFill>
+                <a:latin typeface="Consolas" panose="020B0609020204030204" pitchFamily="49" charset="0"/>
+                <a:ea typeface="Times New Roman" panose="02020603050405020304" pitchFamily="18" charset="0"/>
+                <a:cs typeface="Courier New" panose="02070309020205020404" pitchFamily="49" charset="0"/>
+              </a:rPr>
+              <a:t>/bootstrap.min.js </a:t>
+            </a:r>
+            <a:r>
+              <a:rPr lang="en-US" altLang="ko-KR" sz="1400" dirty="0" smtClean="0">
+                <a:solidFill>
+                  <a:srgbClr val="D44950"/>
+                </a:solidFill>
+                <a:latin typeface="Consolas" panose="020B0609020204030204" pitchFamily="49" charset="0"/>
+                <a:ea typeface="Times New Roman" panose="02020603050405020304" pitchFamily="18" charset="0"/>
+                <a:cs typeface="Courier New" panose="02070309020205020404" pitchFamily="49" charset="0"/>
+              </a:rPr>
+              <a:t>"</a:t>
+            </a:r>
+            <a:r>
+              <a:rPr lang="en-US" altLang="ko-KR" sz="1400" dirty="0" smtClean="0">
+                <a:solidFill>
+                  <a:srgbClr val="2F6F9F"/>
+                </a:solidFill>
+                <a:latin typeface="Consolas" panose="020B0609020204030204" pitchFamily="49" charset="0"/>
+                <a:ea typeface="Times New Roman" panose="02020603050405020304" pitchFamily="18" charset="0"/>
+                <a:cs typeface="Courier New" panose="02070309020205020404" pitchFamily="49" charset="0"/>
+              </a:rPr>
+              <a:t>&gt;&lt;/</a:t>
+            </a:r>
+            <a:r>
+              <a:rPr lang="en-US" altLang="ko-KR" sz="1400" dirty="0">
+                <a:solidFill>
+                  <a:srgbClr val="2F6F9F"/>
+                </a:solidFill>
+                <a:latin typeface="Consolas" panose="020B0609020204030204" pitchFamily="49" charset="0"/>
+                <a:ea typeface="Times New Roman" panose="02020603050405020304" pitchFamily="18" charset="0"/>
+                <a:cs typeface="Courier New" panose="02070309020205020404" pitchFamily="49" charset="0"/>
+              </a:rPr>
+              <a:t>script&gt;</a:t>
+            </a:r>
+          </a:p>
+          <a:p>
+            <a:pPr defTabSz="914400" eaLnBrk="0" fontAlgn="base" hangingPunct="0">
+              <a:spcBef>
+                <a:spcPct val="0"/>
+              </a:spcBef>
+              <a:spcAft>
+                <a:spcPct val="0"/>
+              </a:spcAft>
+              <a:tabLst>
+                <a:tab pos="581025" algn="l"/>
+                <a:tab pos="1163638" algn="l"/>
+                <a:tab pos="1744663" algn="l"/>
+                <a:tab pos="2327275" algn="l"/>
+                <a:tab pos="2908300" algn="l"/>
+                <a:tab pos="3489325" algn="l"/>
+                <a:tab pos="4071938" algn="l"/>
+                <a:tab pos="4652963" algn="l"/>
+                <a:tab pos="5235575" algn="l"/>
+                <a:tab pos="5816600" algn="l"/>
+                <a:tab pos="6397625" algn="l"/>
+                <a:tab pos="6980238" algn="l"/>
+                <a:tab pos="7561263" algn="l"/>
+                <a:tab pos="8143875" algn="l"/>
+                <a:tab pos="8724900" algn="l"/>
+                <a:tab pos="9305925" algn="l"/>
+              </a:tabLst>
+            </a:pPr>
+            <a:r>
+              <a:rPr lang="en-US" altLang="ko-KR" sz="1400" dirty="0">
+                <a:solidFill>
+                  <a:srgbClr val="2F6F9F"/>
+                </a:solidFill>
+                <a:latin typeface="Consolas" panose="020B0609020204030204" pitchFamily="49" charset="0"/>
+                <a:ea typeface="Times New Roman" panose="02020603050405020304" pitchFamily="18" charset="0"/>
+                <a:cs typeface="Courier New" panose="02070309020205020404" pitchFamily="49" charset="0"/>
+              </a:rPr>
+              <a:t>&lt;/head</a:t>
+            </a:r>
+            <a:r>
+              <a:rPr lang="en-US" altLang="ko-KR" sz="1400" dirty="0" smtClean="0">
+                <a:solidFill>
+                  <a:srgbClr val="2F6F9F"/>
+                </a:solidFill>
+                <a:latin typeface="Consolas" panose="020B0609020204030204" pitchFamily="49" charset="0"/>
+                <a:ea typeface="Times New Roman" panose="02020603050405020304" pitchFamily="18" charset="0"/>
+                <a:cs typeface="Courier New" panose="02070309020205020404" pitchFamily="49" charset="0"/>
+              </a:rPr>
+              <a:t>&gt;</a:t>
+            </a:r>
+            <a:endParaRPr lang="en-US" altLang="ko-KR" sz="1400" dirty="0">
+              <a:solidFill>
+                <a:srgbClr val="999999"/>
+              </a:solidFill>
+              <a:latin typeface="Consolas" panose="020B0609020204030204" pitchFamily="49" charset="0"/>
+              <a:ea typeface="Times New Roman" panose="02020603050405020304" pitchFamily="18" charset="0"/>
+              <a:cs typeface="Courier New" panose="02070309020205020404" pitchFamily="49" charset="0"/>
+            </a:endParaRPr>
+          </a:p>
+        </p:txBody>
+      </p:sp>
+    </p:spTree>
+    <p:extLst>
+      <p:ext uri="{BB962C8B-B14F-4D97-AF65-F5344CB8AC3E}">
+        <p14:creationId xmlns:p14="http://schemas.microsoft.com/office/powerpoint/2010/main" val="2655668008"/>
+      </p:ext>
+    </p:extLst>
+  </p:cSld>
+  <p:clrMapOvr>
+    <a:masterClrMapping/>
+  </p:clrMapOvr>
+</p:sld>
+</file>
+
+<file path=ppt/slides/slide24.xml><?xml version="1.0" encoding="utf-8"?>
+<p:sld xmlns:a="http://schemas.openxmlformats.org/drawingml/2006/main" xmlns:r="http://schemas.openxmlformats.org/officeDocument/2006/relationships" xmlns:p="http://schemas.openxmlformats.org/presentationml/2006/main">
+  <p:cSld>
+    <p:spTree>
+      <p:nvGrpSpPr>
+        <p:cNvPr id="1" name=""/>
+        <p:cNvGrpSpPr/>
+        <p:nvPr/>
+      </p:nvGrpSpPr>
+      <p:grpSpPr>
+        <a:xfrm>
+          <a:off x="0" y="0"/>
+          <a:ext cx="0" cy="0"/>
+          <a:chOff x="0" y="0"/>
+          <a:chExt cx="0" cy="0"/>
+        </a:xfrm>
+      </p:grpSpPr>
+      <p:sp>
+        <p:nvSpPr>
+          <p:cNvPr id="4" name="Footer Placeholder 3">
+            <a:extLst>
+              <a:ext uri="{FF2B5EF4-FFF2-40B4-BE49-F238E27FC236}">
+                <a16:creationId xmlns:a16="http://schemas.microsoft.com/office/drawing/2014/main" xmlns="" id="{58067873-E821-413C-A873-01CC7AF6309D}"/>
+              </a:ext>
+            </a:extLst>
+          </p:cNvPr>
+          <p:cNvSpPr>
+            <a:spLocks noGrp="1"/>
+          </p:cNvSpPr>
+          <p:nvPr>
+            <p:ph type="ftr" sz="quarter" idx="11"/>
+          </p:nvPr>
+        </p:nvSpPr>
+        <p:spPr>
+          <a:xfrm>
+            <a:off x="677334" y="6502682"/>
+            <a:ext cx="6297612" cy="365125"/>
+          </a:xfrm>
+        </p:spPr>
+        <p:txBody>
+          <a:bodyPr/>
+          <a:lstStyle/>
+          <a:p>
+            <a:r>
+              <a:rPr lang="en-US" dirty="0"/>
+              <a:t>Lecturer: Mai Anh Phuong</a:t>
+            </a:r>
+          </a:p>
+        </p:txBody>
+      </p:sp>
+      <p:sp>
+        <p:nvSpPr>
+          <p:cNvPr id="10" name="Title 1"/>
+          <p:cNvSpPr>
+            <a:spLocks noGrp="1"/>
+          </p:cNvSpPr>
+          <p:nvPr>
+            <p:ph type="title"/>
+          </p:nvPr>
+        </p:nvSpPr>
+        <p:spPr>
+          <a:xfrm>
+            <a:off x="677334" y="266700"/>
+            <a:ext cx="8596668" cy="657225"/>
+          </a:xfrm>
+        </p:spPr>
+        <p:txBody>
+          <a:bodyPr/>
+          <a:lstStyle/>
+          <a:p>
+            <a:r>
+              <a:rPr lang="en-US" dirty="0" smtClean="0"/>
+              <a:t>Bootstrap Components</a:t>
+            </a:r>
+            <a:endParaRPr lang="en-US" dirty="0"/>
+          </a:p>
+        </p:txBody>
+      </p:sp>
+      <p:sp>
+        <p:nvSpPr>
+          <p:cNvPr id="11" name="Content Placeholder 2"/>
+          <p:cNvSpPr>
+            <a:spLocks noGrp="1"/>
+          </p:cNvSpPr>
+          <p:nvPr>
+            <p:ph idx="1"/>
+          </p:nvPr>
+        </p:nvSpPr>
+        <p:spPr>
+          <a:xfrm>
+            <a:off x="677334" y="1028700"/>
+            <a:ext cx="8596668" cy="5473982"/>
+          </a:xfrm>
+        </p:spPr>
+        <p:txBody>
+          <a:bodyPr>
+            <a:normAutofit fontScale="92500" lnSpcReduction="10000"/>
+          </a:bodyPr>
+          <a:lstStyle/>
+          <a:p>
+            <a:pPr lvl="0"/>
+            <a:r>
+              <a:rPr lang="en-US" i="1" dirty="0"/>
+              <a:t>Buttons</a:t>
+            </a:r>
+            <a:endParaRPr lang="en-US" dirty="0"/>
+          </a:p>
+          <a:p>
+            <a:pPr lvl="0"/>
+            <a:r>
+              <a:rPr lang="en-US" i="1" dirty="0"/>
+              <a:t>Tables</a:t>
+            </a:r>
+            <a:endParaRPr lang="en-US" dirty="0"/>
+          </a:p>
+          <a:p>
+            <a:pPr lvl="0"/>
+            <a:r>
+              <a:rPr lang="en-US" i="1" dirty="0"/>
+              <a:t>Thumbnails</a:t>
+            </a:r>
+            <a:endParaRPr lang="en-US" dirty="0"/>
+          </a:p>
+          <a:p>
+            <a:pPr lvl="0"/>
+            <a:r>
+              <a:rPr lang="en-US" i="1" dirty="0"/>
+              <a:t>Labels</a:t>
+            </a:r>
+            <a:endParaRPr lang="en-US" dirty="0"/>
+          </a:p>
+          <a:p>
+            <a:pPr lvl="0"/>
+            <a:r>
+              <a:rPr lang="en-US" i="1" dirty="0"/>
+              <a:t>Badges</a:t>
+            </a:r>
+            <a:endParaRPr lang="en-US" dirty="0"/>
+          </a:p>
+          <a:p>
+            <a:pPr lvl="0"/>
+            <a:r>
+              <a:rPr lang="en-US" i="1" dirty="0"/>
+              <a:t>Dropdown menus</a:t>
+            </a:r>
+            <a:endParaRPr lang="en-US" dirty="0"/>
+          </a:p>
+          <a:p>
+            <a:pPr lvl="0"/>
+            <a:r>
+              <a:rPr lang="en-US" i="1" dirty="0" err="1"/>
+              <a:t>Navs</a:t>
+            </a:r>
+            <a:endParaRPr lang="en-US" dirty="0"/>
+          </a:p>
+          <a:p>
+            <a:pPr lvl="0"/>
+            <a:r>
+              <a:rPr lang="en-US" i="1" dirty="0" err="1"/>
+              <a:t>Navbars</a:t>
+            </a:r>
+            <a:endParaRPr lang="en-US" dirty="0"/>
+          </a:p>
+          <a:p>
+            <a:pPr lvl="0"/>
+            <a:r>
+              <a:rPr lang="en-US" i="1" dirty="0"/>
+              <a:t>Alerts</a:t>
+            </a:r>
+            <a:endParaRPr lang="en-US" dirty="0"/>
+          </a:p>
+          <a:p>
+            <a:pPr lvl="0"/>
+            <a:r>
+              <a:rPr lang="en-US" i="1" dirty="0"/>
+              <a:t>Process bars</a:t>
+            </a:r>
+            <a:endParaRPr lang="en-US" dirty="0"/>
+          </a:p>
+          <a:p>
+            <a:pPr lvl="0"/>
+            <a:r>
+              <a:rPr lang="en-US" i="1" dirty="0"/>
+              <a:t>List groups</a:t>
+            </a:r>
+            <a:endParaRPr lang="en-US" dirty="0"/>
+          </a:p>
+          <a:p>
+            <a:pPr lvl="0"/>
+            <a:r>
+              <a:rPr lang="en-US" i="1" dirty="0"/>
+              <a:t>Panels</a:t>
+            </a:r>
+            <a:endParaRPr lang="en-US" dirty="0"/>
+          </a:p>
+          <a:p>
+            <a:pPr lvl="0"/>
+            <a:r>
+              <a:rPr lang="en-US" i="1" dirty="0"/>
+              <a:t>Wells</a:t>
+            </a:r>
+            <a:endParaRPr lang="en-US" dirty="0"/>
+          </a:p>
+          <a:p>
+            <a:pPr lvl="0"/>
+            <a:r>
+              <a:rPr lang="en-US" i="1" dirty="0" smtClean="0"/>
+              <a:t>Carousel</a:t>
+            </a:r>
+          </a:p>
+          <a:p>
+            <a:pPr lvl="0"/>
+            <a:r>
+              <a:rPr lang="en-US" i="1" dirty="0" smtClean="0"/>
+              <a:t>...</a:t>
+            </a:r>
+            <a:endParaRPr lang="en-US" dirty="0"/>
+          </a:p>
+          <a:p>
+            <a:endParaRPr lang="en-US" dirty="0"/>
+          </a:p>
+        </p:txBody>
+      </p:sp>
+    </p:spTree>
+    <p:extLst>
+      <p:ext uri="{BB962C8B-B14F-4D97-AF65-F5344CB8AC3E}">
+        <p14:creationId xmlns:p14="http://schemas.microsoft.com/office/powerpoint/2010/main" val="2694104903"/>
+      </p:ext>
+    </p:extLst>
+  </p:cSld>
+  <p:clrMapOvr>
+    <a:masterClrMapping/>
+  </p:clrMapOvr>
+</p:sld>
+</file>
+
+<file path=ppt/slides/slide25.xml><?xml version="1.0" encoding="utf-8"?>
+<p:sld xmlns:a="http://schemas.openxmlformats.org/drawingml/2006/main" xmlns:r="http://schemas.openxmlformats.org/officeDocument/2006/relationships" xmlns:p="http://schemas.openxmlformats.org/presentationml/2006/main">
+  <p:cSld>
+    <p:bg>
+      <p:bgPr>
+        <a:solidFill>
+          <a:schemeClr val="bg1"/>
+        </a:solidFill>
+        <a:effectLst/>
+      </p:bgPr>
+    </p:bg>
+    <p:spTree>
+      <p:nvGrpSpPr>
+        <p:cNvPr id="1" name=""/>
+        <p:cNvGrpSpPr/>
+        <p:nvPr/>
+      </p:nvGrpSpPr>
+      <p:grpSpPr>
+        <a:xfrm>
+          <a:off x="0" y="0"/>
+          <a:ext cx="0" cy="0"/>
+          <a:chOff x="0" y="0"/>
+          <a:chExt cx="0" cy="0"/>
+        </a:xfrm>
+      </p:grpSpPr>
+      <p:sp>
+        <p:nvSpPr>
+          <p:cNvPr id="4" name="Footer Placeholder 3">
+            <a:extLst>
+              <a:ext uri="{FF2B5EF4-FFF2-40B4-BE49-F238E27FC236}">
+                <a16:creationId xmlns:a16="http://schemas.microsoft.com/office/drawing/2014/main" xmlns="" id="{58067873-E821-413C-A873-01CC7AF6309D}"/>
+              </a:ext>
+            </a:extLst>
+          </p:cNvPr>
+          <p:cNvSpPr>
+            <a:spLocks noGrp="1"/>
+          </p:cNvSpPr>
+          <p:nvPr>
+            <p:ph type="ftr" sz="quarter" idx="11"/>
+          </p:nvPr>
+        </p:nvSpPr>
+        <p:spPr>
+          <a:xfrm>
+            <a:off x="677334" y="6502682"/>
+            <a:ext cx="6297612" cy="365125"/>
+          </a:xfrm>
+        </p:spPr>
+        <p:txBody>
+          <a:bodyPr/>
+          <a:lstStyle/>
+          <a:p>
+            <a:r>
+              <a:rPr lang="en-US" dirty="0"/>
+              <a:t>Lecturer: Mai Anh Phuong</a:t>
+            </a:r>
+          </a:p>
+        </p:txBody>
+      </p:sp>
+      <p:sp>
+        <p:nvSpPr>
+          <p:cNvPr id="6" name="Rectangle 5">
+            <a:extLst>
+              <a:ext uri="{FF2B5EF4-FFF2-40B4-BE49-F238E27FC236}">
+                <a16:creationId xmlns:a16="http://schemas.microsoft.com/office/drawing/2014/main" xmlns="" id="{9BF65F1D-032E-4BC9-965B-AC131CD9699D}"/>
+              </a:ext>
+            </a:extLst>
+          </p:cNvPr>
+          <p:cNvSpPr/>
+          <p:nvPr/>
+        </p:nvSpPr>
+        <p:spPr>
+          <a:xfrm rot="20263870">
+            <a:off x="1166313" y="1440820"/>
+            <a:ext cx="8767042" cy="3705996"/>
+          </a:xfrm>
+          <a:prstGeom prst="rect">
+            <a:avLst/>
+          </a:prstGeom>
+        </p:spPr>
+        <p:txBody>
+          <a:bodyPr vert="horz" lIns="91440" tIns="45720" rIns="91440" bIns="45720" rtlCol="0" anchor="ctr">
+            <a:noAutofit/>
+          </a:bodyPr>
+          <a:lstStyle/>
+          <a:p>
+            <a:pPr algn="ctr">
+              <a:spcBef>
+                <a:spcPct val="0"/>
+              </a:spcBef>
+            </a:pPr>
+            <a:r>
+              <a:rPr lang="en-US" sz="8000" dirty="0" smtClean="0">
+                <a:solidFill>
+                  <a:schemeClr val="accent1"/>
+                </a:solidFill>
+                <a:latin typeface="+mj-lt"/>
+                <a:ea typeface="+mj-ea"/>
+                <a:cs typeface="+mj-cs"/>
+              </a:rPr>
+              <a:t>Q &amp; A</a:t>
+            </a:r>
+            <a:endParaRPr lang="en-US" sz="8000" dirty="0">
+              <a:solidFill>
+                <a:schemeClr val="accent1"/>
+              </a:solidFill>
+              <a:latin typeface="+mj-lt"/>
+              <a:ea typeface="+mj-ea"/>
+              <a:cs typeface="+mj-cs"/>
+            </a:endParaRPr>
+          </a:p>
+        </p:txBody>
+      </p:sp>
+    </p:spTree>
+    <p:extLst>
+      <p:ext uri="{BB962C8B-B14F-4D97-AF65-F5344CB8AC3E}">
+        <p14:creationId xmlns:p14="http://schemas.microsoft.com/office/powerpoint/2010/main" val="3211822885"/>
+      </p:ext>
+    </p:extLst>
+  </p:cSld>
+  <p:clrMapOvr>
+    <a:masterClrMapping/>
+  </p:clrMapOvr>
+  <p:timing>
+    <p:tnLst>
+      <p:par>
+        <p:cTn id="1" dur="indefinite" restart="never" nodeType="tmRoot">
+          <p:childTnLst>
+            <p:seq concurrent="1" nextAc="seek">
+              <p:cTn id="2" dur="indefinite" nodeType="mainSeq">
+                <p:childTnLst>
+                  <p:par>
+                    <p:cTn id="3" fill="hold">
+                      <p:stCondLst>
+                        <p:cond delay="indefinite"/>
+                      </p:stCondLst>
+                      <p:childTnLst>
+                        <p:par>
+                          <p:cTn id="4" fill="hold">
+                            <p:stCondLst>
+                              <p:cond delay="0"/>
+                            </p:stCondLst>
+                            <p:childTnLst>
+                              <p:par>
+                                <p:cTn id="5" presetID="53" presetClass="entr" presetSubtype="16" fill="hold" grpId="0" nodeType="clickEffect">
+                                  <p:stCondLst>
+                                    <p:cond delay="0"/>
+                                  </p:stCondLst>
+                                  <p:childTnLst>
+                                    <p:set>
+                                      <p:cBhvr>
+                                        <p:cTn id="6" dur="1" fill="hold">
+                                          <p:stCondLst>
+                                            <p:cond delay="0"/>
+                                          </p:stCondLst>
+                                        </p:cTn>
+                                        <p:tgtEl>
+                                          <p:spTgt spid="6"/>
+                                        </p:tgtEl>
+                                        <p:attrNameLst>
+                                          <p:attrName>style.visibility</p:attrName>
+                                        </p:attrNameLst>
+                                      </p:cBhvr>
+                                      <p:to>
+                                        <p:strVal val="visible"/>
+                                      </p:to>
+                                    </p:set>
+                                    <p:anim calcmode="lin" valueType="num">
+                                      <p:cBhvr>
+                                        <p:cTn id="7" dur="500" fill="hold"/>
+                                        <p:tgtEl>
+                                          <p:spTgt spid="6"/>
+                                        </p:tgtEl>
+                                        <p:attrNameLst>
+                                          <p:attrName>ppt_w</p:attrName>
+                                        </p:attrNameLst>
+                                      </p:cBhvr>
+                                      <p:tavLst>
+                                        <p:tav tm="0">
+                                          <p:val>
+                                            <p:fltVal val="0"/>
+                                          </p:val>
+                                        </p:tav>
+                                        <p:tav tm="100000">
+                                          <p:val>
+                                            <p:strVal val="#ppt_w"/>
+                                          </p:val>
+                                        </p:tav>
+                                      </p:tavLst>
+                                    </p:anim>
+                                    <p:anim calcmode="lin" valueType="num">
+                                      <p:cBhvr>
+                                        <p:cTn id="8" dur="500" fill="hold"/>
+                                        <p:tgtEl>
+                                          <p:spTgt spid="6"/>
+                                        </p:tgtEl>
+                                        <p:attrNameLst>
+                                          <p:attrName>ppt_h</p:attrName>
+                                        </p:attrNameLst>
+                                      </p:cBhvr>
+                                      <p:tavLst>
+                                        <p:tav tm="0">
+                                          <p:val>
+                                            <p:fltVal val="0"/>
+                                          </p:val>
+                                        </p:tav>
+                                        <p:tav tm="100000">
+                                          <p:val>
+                                            <p:strVal val="#ppt_h"/>
+                                          </p:val>
+                                        </p:tav>
+                                      </p:tavLst>
+                                    </p:anim>
+                                    <p:animEffect transition="in" filter="fade">
+                                      <p:cBhvr>
+                                        <p:cTn id="9" dur="500"/>
+                                        <p:tgtEl>
+                                          <p:spTgt spid="6"/>
+                                        </p:tgtEl>
+                                      </p:cBhvr>
+                                    </p:animEffect>
+                                  </p:childTnLst>
+                                </p:cTn>
+                              </p:par>
+                            </p:childTnLst>
+                          </p:cTn>
+                        </p:par>
+                      </p:childTnLst>
+                    </p:cTn>
+                  </p:par>
+                </p:childTnLst>
+              </p:cTn>
+              <p:prevCondLst>
+                <p:cond evt="onPrev" delay="0">
+                  <p:tgtEl>
+                    <p:sldTgt/>
+                  </p:tgtEl>
+                </p:cond>
+              </p:prevCondLst>
+              <p:nextCondLst>
+                <p:cond evt="onNext" delay="0">
+                  <p:tgtEl>
+                    <p:sldTgt/>
+                  </p:tgtEl>
+                </p:cond>
+              </p:nextCondLst>
+            </p:seq>
+          </p:childTnLst>
+        </p:cTn>
+      </p:par>
+    </p:tnLst>
+    <p:bldLst>
+      <p:bldP spid="6" grpId="0"/>
+    </p:bldLst>
+  </p:timing>
+</p:sld>
+</file>
+
+<file path=ppt/slides/slide26.xml><?xml version="1.0" encoding="utf-8"?>
+<p:sld xmlns:a="http://schemas.openxmlformats.org/drawingml/2006/main" xmlns:r="http://schemas.openxmlformats.org/officeDocument/2006/relationships" xmlns:p="http://schemas.openxmlformats.org/presentationml/2006/main">
+  <p:cSld>
+    <p:bg>
+      <p:bgPr>
+        <a:solidFill>
+          <a:schemeClr val="bg1"/>
+        </a:solidFill>
+        <a:effectLst/>
+      </p:bgPr>
+    </p:bg>
+    <p:spTree>
+      <p:nvGrpSpPr>
+        <p:cNvPr id="1" name=""/>
+        <p:cNvGrpSpPr/>
+        <p:nvPr/>
+      </p:nvGrpSpPr>
+      <p:grpSpPr>
+        <a:xfrm>
+          <a:off x="0" y="0"/>
+          <a:ext cx="0" cy="0"/>
+          <a:chOff x="0" y="0"/>
+          <a:chExt cx="0" cy="0"/>
+        </a:xfrm>
+      </p:grpSpPr>
+      <p:sp>
+        <p:nvSpPr>
+          <p:cNvPr id="4" name="Footer Placeholder 3">
+            <a:extLst>
+              <a:ext uri="{FF2B5EF4-FFF2-40B4-BE49-F238E27FC236}">
+                <a16:creationId xmlns:a16="http://schemas.microsoft.com/office/drawing/2014/main" xmlns="" id="{58067873-E821-413C-A873-01CC7AF6309D}"/>
+              </a:ext>
+            </a:extLst>
+          </p:cNvPr>
+          <p:cNvSpPr>
+            <a:spLocks noGrp="1"/>
+          </p:cNvSpPr>
+          <p:nvPr>
+            <p:ph type="ftr" sz="quarter" idx="11"/>
+          </p:nvPr>
+        </p:nvSpPr>
+        <p:spPr>
+          <a:xfrm>
+            <a:off x="677334" y="6502682"/>
+            <a:ext cx="6297612" cy="365125"/>
+          </a:xfrm>
+        </p:spPr>
+        <p:txBody>
+          <a:bodyPr/>
+          <a:lstStyle/>
+          <a:p>
+            <a:r>
+              <a:rPr lang="en-US" dirty="0"/>
+              <a:t>Lecturer: Mai Anh Phuong</a:t>
+            </a:r>
+          </a:p>
+        </p:txBody>
+      </p:sp>
+      <p:sp>
+        <p:nvSpPr>
+          <p:cNvPr id="6" name="Rectangle 5">
+            <a:extLst>
+              <a:ext uri="{FF2B5EF4-FFF2-40B4-BE49-F238E27FC236}">
+                <a16:creationId xmlns:a16="http://schemas.microsoft.com/office/drawing/2014/main" xmlns="" id="{9BF65F1D-032E-4BC9-965B-AC131CD9699D}"/>
+              </a:ext>
+            </a:extLst>
+          </p:cNvPr>
+          <p:cNvSpPr/>
+          <p:nvPr/>
+        </p:nvSpPr>
+        <p:spPr>
+          <a:xfrm rot="20263870">
+            <a:off x="1166313" y="1440820"/>
+            <a:ext cx="8767042" cy="3705996"/>
+          </a:xfrm>
+          <a:prstGeom prst="rect">
+            <a:avLst/>
+          </a:prstGeom>
+        </p:spPr>
+        <p:txBody>
+          <a:bodyPr vert="horz" lIns="91440" tIns="45720" rIns="91440" bIns="45720" rtlCol="0" anchor="ctr">
+            <a:noAutofit/>
+          </a:bodyPr>
+          <a:lstStyle/>
+          <a:p>
+            <a:pPr algn="ctr">
+              <a:spcBef>
+                <a:spcPct val="0"/>
+              </a:spcBef>
+            </a:pPr>
+            <a:r>
+              <a:rPr lang="en-US" sz="8000" dirty="0" smtClean="0">
+                <a:solidFill>
+                  <a:schemeClr val="accent1"/>
+                </a:solidFill>
+                <a:latin typeface="+mj-lt"/>
+                <a:ea typeface="+mj-ea"/>
+                <a:cs typeface="+mj-cs"/>
+              </a:rPr>
+              <a:t>Assignment</a:t>
+            </a:r>
+            <a:endParaRPr lang="en-US" sz="8000" dirty="0">
+              <a:solidFill>
+                <a:schemeClr val="accent1"/>
+              </a:solidFill>
+              <a:latin typeface="+mj-lt"/>
+              <a:ea typeface="+mj-ea"/>
+              <a:cs typeface="+mj-cs"/>
+            </a:endParaRPr>
+          </a:p>
+        </p:txBody>
+      </p:sp>
+    </p:spTree>
+    <p:extLst>
+      <p:ext uri="{BB962C8B-B14F-4D97-AF65-F5344CB8AC3E}">
+        <p14:creationId xmlns:p14="http://schemas.microsoft.com/office/powerpoint/2010/main" val="1242798563"/>
+      </p:ext>
+    </p:extLst>
+  </p:cSld>
+  <p:clrMapOvr>
+    <a:masterClrMapping/>
+  </p:clrMapOvr>
+  <p:timing>
+    <p:tnLst>
+      <p:par>
+        <p:cTn id="1" dur="indefinite" restart="never" nodeType="tmRoot">
+          <p:childTnLst>
+            <p:seq concurrent="1" nextAc="seek">
+              <p:cTn id="2" dur="indefinite" nodeType="mainSeq">
+                <p:childTnLst>
+                  <p:par>
+                    <p:cTn id="3" fill="hold">
+                      <p:stCondLst>
+                        <p:cond delay="indefinite"/>
+                      </p:stCondLst>
+                      <p:childTnLst>
+                        <p:par>
+                          <p:cTn id="4" fill="hold">
+                            <p:stCondLst>
+                              <p:cond delay="0"/>
+                            </p:stCondLst>
+                            <p:childTnLst>
+                              <p:par>
+                                <p:cTn id="5" presetID="53" presetClass="entr" presetSubtype="16" fill="hold" grpId="0" nodeType="clickEffect">
+                                  <p:stCondLst>
+                                    <p:cond delay="0"/>
+                                  </p:stCondLst>
+                                  <p:childTnLst>
+                                    <p:set>
+                                      <p:cBhvr>
+                                        <p:cTn id="6" dur="1" fill="hold">
+                                          <p:stCondLst>
+                                            <p:cond delay="0"/>
+                                          </p:stCondLst>
+                                        </p:cTn>
+                                        <p:tgtEl>
+                                          <p:spTgt spid="6"/>
+                                        </p:tgtEl>
+                                        <p:attrNameLst>
+                                          <p:attrName>style.visibility</p:attrName>
+                                        </p:attrNameLst>
+                                      </p:cBhvr>
+                                      <p:to>
+                                        <p:strVal val="visible"/>
+                                      </p:to>
+                                    </p:set>
+                                    <p:anim calcmode="lin" valueType="num">
+                                      <p:cBhvr>
+                                        <p:cTn id="7" dur="500" fill="hold"/>
+                                        <p:tgtEl>
+                                          <p:spTgt spid="6"/>
+                                        </p:tgtEl>
+                                        <p:attrNameLst>
+                                          <p:attrName>ppt_w</p:attrName>
+                                        </p:attrNameLst>
+                                      </p:cBhvr>
+                                      <p:tavLst>
+                                        <p:tav tm="0">
+                                          <p:val>
+                                            <p:fltVal val="0"/>
+                                          </p:val>
+                                        </p:tav>
+                                        <p:tav tm="100000">
+                                          <p:val>
+                                            <p:strVal val="#ppt_w"/>
+                                          </p:val>
+                                        </p:tav>
+                                      </p:tavLst>
+                                    </p:anim>
+                                    <p:anim calcmode="lin" valueType="num">
+                                      <p:cBhvr>
+                                        <p:cTn id="8" dur="500" fill="hold"/>
+                                        <p:tgtEl>
+                                          <p:spTgt spid="6"/>
+                                        </p:tgtEl>
+                                        <p:attrNameLst>
+                                          <p:attrName>ppt_h</p:attrName>
+                                        </p:attrNameLst>
+                                      </p:cBhvr>
+                                      <p:tavLst>
+                                        <p:tav tm="0">
+                                          <p:val>
+                                            <p:fltVal val="0"/>
+                                          </p:val>
+                                        </p:tav>
+                                        <p:tav tm="100000">
+                                          <p:val>
+                                            <p:strVal val="#ppt_h"/>
+                                          </p:val>
+                                        </p:tav>
+                                      </p:tavLst>
+                                    </p:anim>
+                                    <p:animEffect transition="in" filter="fade">
+                                      <p:cBhvr>
+                                        <p:cTn id="9" dur="500"/>
+                                        <p:tgtEl>
+                                          <p:spTgt spid="6"/>
+                                        </p:tgtEl>
+                                      </p:cBhvr>
+                                    </p:animEffect>
+                                  </p:childTnLst>
+                                </p:cTn>
+                              </p:par>
+                            </p:childTnLst>
+                          </p:cTn>
+                        </p:par>
+                      </p:childTnLst>
+                    </p:cTn>
+                  </p:par>
+                </p:childTnLst>
+              </p:cTn>
+              <p:prevCondLst>
+                <p:cond evt="onPrev" delay="0">
+                  <p:tgtEl>
+                    <p:sldTgt/>
+                  </p:tgtEl>
+                </p:cond>
+              </p:prevCondLst>
+              <p:nextCondLst>
+                <p:cond evt="onNext" delay="0">
+                  <p:tgtEl>
+                    <p:sldTgt/>
+                  </p:tgtEl>
+                </p:cond>
+              </p:nextCondLst>
+            </p:seq>
+          </p:childTnLst>
+        </p:cTn>
+      </p:par>
+    </p:tnLst>
+    <p:bldLst>
+      <p:bldP spid="6" grpId="0"/>
+    </p:bldLst>
+  </p:timing>
 </p:sld>
 </file>
 
@@ -7355,7 +14186,7 @@
           <p:cNvPr id="4" name="Footer Placeholder 3">
             <a:extLst>
               <a:ext uri="{FF2B5EF4-FFF2-40B4-BE49-F238E27FC236}">
-                <a16:creationId xmlns:a16="http://schemas.microsoft.com/office/drawing/2014/main" id="{58067873-E821-413C-A873-01CC7AF6309D}"/>
+                <a16:creationId xmlns:a16="http://schemas.microsoft.com/office/drawing/2014/main" xmlns="" id="{58067873-E821-413C-A873-01CC7AF6309D}"/>
               </a:ext>
             </a:extLst>
           </p:cNvPr>
@@ -7388,7 +14219,7 @@
           <p:cNvPr id="6" name="Content Placeholder 5">
             <a:extLst>
               <a:ext uri="{FF2B5EF4-FFF2-40B4-BE49-F238E27FC236}">
-                <a16:creationId xmlns:a16="http://schemas.microsoft.com/office/drawing/2014/main" id="{8CF76ED8-5E43-4F27-B273-BA4E50F02B5A}"/>
+                <a16:creationId xmlns:a16="http://schemas.microsoft.com/office/drawing/2014/main" xmlns="" id="{8CF76ED8-5E43-4F27-B273-BA4E50F02B5A}"/>
               </a:ext>
             </a:extLst>
           </p:cNvPr>
@@ -7433,7 +14264,7 @@
           <p:cNvPr id="8" name="Title 7">
             <a:extLst>
               <a:ext uri="{FF2B5EF4-FFF2-40B4-BE49-F238E27FC236}">
-                <a16:creationId xmlns:a16="http://schemas.microsoft.com/office/drawing/2014/main" id="{113753B0-5CB0-4705-98B4-EB0C2E4AA403}"/>
+                <a16:creationId xmlns:a16="http://schemas.microsoft.com/office/drawing/2014/main" xmlns="" id="{113753B0-5CB0-4705-98B4-EB0C2E4AA403}"/>
               </a:ext>
             </a:extLst>
           </p:cNvPr>
@@ -7501,7 +14332,7 @@
           <p:cNvPr id="4" name="Footer Placeholder 3">
             <a:extLst>
               <a:ext uri="{FF2B5EF4-FFF2-40B4-BE49-F238E27FC236}">
-                <a16:creationId xmlns:a16="http://schemas.microsoft.com/office/drawing/2014/main" id="{58067873-E821-413C-A873-01CC7AF6309D}"/>
+                <a16:creationId xmlns:a16="http://schemas.microsoft.com/office/drawing/2014/main" xmlns="" id="{58067873-E821-413C-A873-01CC7AF6309D}"/>
               </a:ext>
             </a:extLst>
           </p:cNvPr>
@@ -7534,7 +14365,7 @@
           <p:cNvPr id="6" name="Content Placeholder 5">
             <a:extLst>
               <a:ext uri="{FF2B5EF4-FFF2-40B4-BE49-F238E27FC236}">
-                <a16:creationId xmlns:a16="http://schemas.microsoft.com/office/drawing/2014/main" id="{8CF76ED8-5E43-4F27-B273-BA4E50F02B5A}"/>
+                <a16:creationId xmlns:a16="http://schemas.microsoft.com/office/drawing/2014/main" xmlns="" id="{8CF76ED8-5E43-4F27-B273-BA4E50F02B5A}"/>
               </a:ext>
             </a:extLst>
           </p:cNvPr>
@@ -7560,8 +14391,13 @@
           <a:p>
             <a:r>
               <a:rPr lang="en-US" sz="2200" dirty="0"/>
-              <a:t>Trainees can utilize Bootstrap framework strength – </a:t>
-            </a:r>
+              <a:t>Trainees can utilize Bootstrap framework </a:t>
+            </a:r>
+            <a:r>
+              <a:rPr lang="en-US" sz="2200" dirty="0" smtClean="0"/>
+              <a:t>strength </a:t>
+            </a:r>
+            <a:endParaRPr lang="en-US" sz="2200" dirty="0"/>
           </a:p>
           <a:p>
             <a:r>
@@ -7585,7 +14421,7 @@
           <p:cNvPr id="8" name="Title 7">
             <a:extLst>
               <a:ext uri="{FF2B5EF4-FFF2-40B4-BE49-F238E27FC236}">
-                <a16:creationId xmlns:a16="http://schemas.microsoft.com/office/drawing/2014/main" id="{113753B0-5CB0-4705-98B4-EB0C2E4AA403}"/>
+                <a16:creationId xmlns:a16="http://schemas.microsoft.com/office/drawing/2014/main" xmlns="" id="{113753B0-5CB0-4705-98B4-EB0C2E4AA403}"/>
               </a:ext>
             </a:extLst>
           </p:cNvPr>
@@ -7653,7 +14489,7 @@
           <p:cNvPr id="4" name="Footer Placeholder 3">
             <a:extLst>
               <a:ext uri="{FF2B5EF4-FFF2-40B4-BE49-F238E27FC236}">
-                <a16:creationId xmlns:a16="http://schemas.microsoft.com/office/drawing/2014/main" id="{58067873-E821-413C-A873-01CC7AF6309D}"/>
+                <a16:creationId xmlns:a16="http://schemas.microsoft.com/office/drawing/2014/main" xmlns="" id="{58067873-E821-413C-A873-01CC7AF6309D}"/>
               </a:ext>
             </a:extLst>
           </p:cNvPr>
@@ -7686,7 +14522,7 @@
           <p:cNvPr id="6" name="Content Placeholder 5">
             <a:extLst>
               <a:ext uri="{FF2B5EF4-FFF2-40B4-BE49-F238E27FC236}">
-                <a16:creationId xmlns:a16="http://schemas.microsoft.com/office/drawing/2014/main" id="{8CF76ED8-5E43-4F27-B273-BA4E50F02B5A}"/>
+                <a16:creationId xmlns:a16="http://schemas.microsoft.com/office/drawing/2014/main" xmlns="" id="{8CF76ED8-5E43-4F27-B273-BA4E50F02B5A}"/>
               </a:ext>
             </a:extLst>
           </p:cNvPr>
@@ -7706,14 +14542,41 @@
           <a:p>
             <a:r>
               <a:rPr lang="en-US" sz="2200" dirty="0"/>
-              <a:t>What’s Bootstrap framework?</a:t>
-            </a:r>
-          </a:p>
-          <a:p>
+              <a:t>What’s </a:t>
+            </a:r>
+            <a:r>
+              <a:rPr lang="en-US" sz="2200" dirty="0" smtClean="0"/>
+              <a:t>CSS?</a:t>
+            </a:r>
+          </a:p>
+          <a:p>
+            <a:r>
+              <a:rPr lang="en-US" sz="2200" dirty="0" smtClean="0"/>
+              <a:t>Why’s CSS?</a:t>
+            </a:r>
+          </a:p>
+          <a:p>
+            <a:r>
+              <a:rPr lang="en-US" sz="2200" dirty="0" smtClean="0"/>
+              <a:t>How to use it?</a:t>
+            </a:r>
+          </a:p>
+          <a:p>
+            <a:r>
+              <a:rPr lang="en-US" sz="2200" dirty="0" smtClean="0"/>
+              <a:t>What’s Bootstrap </a:t>
+            </a:r>
             <a:r>
               <a:rPr lang="en-US" sz="2200" dirty="0"/>
-              <a:t>Why Bootstrap framework?</a:t>
-            </a:r>
+              <a:t>framework?</a:t>
+            </a:r>
+          </a:p>
+          <a:p>
+            <a:r>
+              <a:rPr lang="en-US" sz="2200" dirty="0" smtClean="0"/>
+              <a:t>Why’s Bootstrap?</a:t>
+            </a:r>
+            <a:endParaRPr lang="en-US" sz="2200" dirty="0"/>
           </a:p>
           <a:p>
             <a:r>
@@ -7731,7 +14594,7 @@
           <p:cNvPr id="8" name="Title 7">
             <a:extLst>
               <a:ext uri="{FF2B5EF4-FFF2-40B4-BE49-F238E27FC236}">
-                <a16:creationId xmlns:a16="http://schemas.microsoft.com/office/drawing/2014/main" id="{113753B0-5CB0-4705-98B4-EB0C2E4AA403}"/>
+                <a16:creationId xmlns:a16="http://schemas.microsoft.com/office/drawing/2014/main" xmlns="" id="{113753B0-5CB0-4705-98B4-EB0C2E4AA403}"/>
               </a:ext>
             </a:extLst>
           </p:cNvPr>
@@ -7799,7 +14662,7 @@
           <p:cNvPr id="4" name="Footer Placeholder 3">
             <a:extLst>
               <a:ext uri="{FF2B5EF4-FFF2-40B4-BE49-F238E27FC236}">
-                <a16:creationId xmlns:a16="http://schemas.microsoft.com/office/drawing/2014/main" id="{58067873-E821-413C-A873-01CC7AF6309D}"/>
+                <a16:creationId xmlns:a16="http://schemas.microsoft.com/office/drawing/2014/main" xmlns="" id="{58067873-E821-413C-A873-01CC7AF6309D}"/>
               </a:ext>
             </a:extLst>
           </p:cNvPr>
@@ -7832,7 +14695,7 @@
           <p:cNvPr id="5" name="Rectangle 4">
             <a:extLst>
               <a:ext uri="{FF2B5EF4-FFF2-40B4-BE49-F238E27FC236}">
-                <a16:creationId xmlns:a16="http://schemas.microsoft.com/office/drawing/2014/main" id="{9BF65F1D-032E-4BC9-965B-AC131CD9699D}"/>
+                <a16:creationId xmlns:a16="http://schemas.microsoft.com/office/drawing/2014/main" xmlns="" id="{9BF65F1D-032E-4BC9-965B-AC131CD9699D}"/>
               </a:ext>
             </a:extLst>
           </p:cNvPr>
@@ -7840,8 +14703,8 @@
           <p:nvPr/>
         </p:nvSpPr>
         <p:spPr>
-          <a:xfrm rot="20010298">
-            <a:off x="801141" y="863193"/>
+          <a:xfrm rot="20116986">
+            <a:off x="1132913" y="1219241"/>
             <a:ext cx="8767042" cy="3919033"/>
           </a:xfrm>
           <a:prstGeom prst="rect">
@@ -7868,8 +14731,27 @@
                 <a:ea typeface="+mj-ea"/>
                 <a:cs typeface="+mj-cs"/>
               </a:rPr>
-              <a:t>What’s Bootstrap framework?</a:t>
-            </a:r>
+              <a:t>What’s </a:t>
+            </a:r>
+            <a:r>
+              <a:rPr lang="en-US" sz="8000" dirty="0" smtClean="0">
+                <a:solidFill>
+                  <a:schemeClr val="accent1"/>
+                </a:solidFill>
+                <a:latin typeface="+mj-lt"/>
+                <a:ea typeface="+mj-ea"/>
+                <a:cs typeface="+mj-cs"/>
+              </a:rPr>
+              <a:t>CSS?</a:t>
+            </a:r>
+            <a:endParaRPr lang="en-US" sz="8000" dirty="0">
+              <a:solidFill>
+                <a:schemeClr val="accent1"/>
+              </a:solidFill>
+              <a:latin typeface="+mj-lt"/>
+              <a:ea typeface="+mj-ea"/>
+              <a:cs typeface="+mj-cs"/>
+            </a:endParaRPr>
           </a:p>
         </p:txBody>
       </p:sp>
@@ -8021,14 +14903,6 @@
 <file path=ppt/slides/slide7.xml><?xml version="1.0" encoding="utf-8"?>
 <p:sld xmlns:a="http://schemas.openxmlformats.org/drawingml/2006/main" xmlns:r="http://schemas.openxmlformats.org/officeDocument/2006/relationships" xmlns:p="http://schemas.openxmlformats.org/presentationml/2006/main">
   <p:cSld>
-    <p:bg>
-      <p:bgPr>
-        <a:solidFill>
-          <a:schemeClr val="bg1"/>
-        </a:solidFill>
-        <a:effectLst/>
-      </p:bgPr>
-    </p:bg>
     <p:spTree>
       <p:nvGrpSpPr>
         <p:cNvPr id="1" name=""/>
@@ -8048,7 +14922,7 @@
           <p:cNvPr id="4" name="Footer Placeholder 3">
             <a:extLst>
               <a:ext uri="{FF2B5EF4-FFF2-40B4-BE49-F238E27FC236}">
-                <a16:creationId xmlns:a16="http://schemas.microsoft.com/office/drawing/2014/main" id="{58067873-E821-413C-A873-01CC7AF6309D}"/>
+                <a16:creationId xmlns:a16="http://schemas.microsoft.com/office/drawing/2014/main" xmlns="" id="{58067873-E821-413C-A873-01CC7AF6309D}"/>
               </a:ext>
             </a:extLst>
           </p:cNvPr>
@@ -8076,129 +14950,24 @@
           </a:p>
         </p:txBody>
       </p:sp>
-      <p:sp>
-        <p:nvSpPr>
-          <p:cNvPr id="6" name="Content Placeholder 5">
-            <a:extLst>
-              <a:ext uri="{FF2B5EF4-FFF2-40B4-BE49-F238E27FC236}">
-                <a16:creationId xmlns:a16="http://schemas.microsoft.com/office/drawing/2014/main" id="{8CF76ED8-5E43-4F27-B273-BA4E50F02B5A}"/>
-              </a:ext>
-            </a:extLst>
-          </p:cNvPr>
-          <p:cNvSpPr>
-            <a:spLocks noGrp="1"/>
-          </p:cNvSpPr>
-          <p:nvPr>
-            <p:ph idx="1"/>
-          </p:nvPr>
-        </p:nvSpPr>
-        <p:spPr>
-          <a:xfrm>
-            <a:off x="677334" y="600076"/>
-            <a:ext cx="8596668" cy="5431762"/>
-          </a:xfrm>
-        </p:spPr>
-        <p:txBody>
-          <a:bodyPr vert="horz" lIns="91440" tIns="45720" rIns="91440" bIns="45720" rtlCol="0">
-            <a:normAutofit/>
-          </a:bodyPr>
-          <a:lstStyle/>
-          <a:p>
-            <a:r>
-              <a:rPr lang="en-US" sz="2200" dirty="0"/>
-              <a:t>Open-source front-end framework</a:t>
-            </a:r>
-          </a:p>
-          <a:p>
-            <a:endParaRPr lang="en-US" sz="2200" dirty="0"/>
-          </a:p>
-          <a:p>
-            <a:r>
-              <a:rPr lang="en-US" sz="2200" dirty="0"/>
-              <a:t>The most popular HTML, CSS, and JS framework for developing responsive, mobile first projects on the web.</a:t>
-            </a:r>
-          </a:p>
-          <a:p>
-            <a:endParaRPr lang="en-US" sz="2200" dirty="0"/>
-          </a:p>
-          <a:p>
-            <a:r>
-              <a:rPr lang="en-US" sz="2200" dirty="0"/>
-              <a:t>Three main files</a:t>
-            </a:r>
-          </a:p>
-          <a:p>
-            <a:pPr lvl="1">
-              <a:buFont typeface="Arial" panose="020B0604020202020204" pitchFamily="34" charset="0"/>
-              <a:buChar char="•"/>
-            </a:pPr>
-            <a:r>
-              <a:rPr lang="en-US" sz="2000" dirty="0"/>
-              <a:t>bootstrap.css – a CSS framework</a:t>
-            </a:r>
-          </a:p>
-          <a:p>
-            <a:pPr lvl="1">
-              <a:buFont typeface="Arial" panose="020B0604020202020204" pitchFamily="34" charset="0"/>
-              <a:buChar char="•"/>
-            </a:pPr>
-            <a:r>
-              <a:rPr lang="en-US" sz="2000" dirty="0"/>
-              <a:t>bootstrap.js – a </a:t>
-            </a:r>
-            <a:r>
-              <a:rPr lang="en-US" sz="2000" dirty="0" err="1"/>
-              <a:t>Javascript</a:t>
-            </a:r>
-            <a:r>
-              <a:rPr lang="en-US" sz="2000" dirty="0"/>
-              <a:t>/jQuery</a:t>
-            </a:r>
-          </a:p>
-          <a:p>
-            <a:pPr lvl="1">
-              <a:buFont typeface="Arial" panose="020B0604020202020204" pitchFamily="34" charset="0"/>
-              <a:buChar char="•"/>
-            </a:pPr>
-            <a:r>
-              <a:rPr lang="en-US" sz="2000" dirty="0" err="1"/>
-              <a:t>glyphicons</a:t>
-            </a:r>
-            <a:r>
-              <a:rPr lang="en-US" sz="2000" dirty="0"/>
-              <a:t> – a font (an icon font set)</a:t>
-            </a:r>
-          </a:p>
-          <a:p>
-            <a:endParaRPr lang="en-US" sz="2200" dirty="0"/>
-          </a:p>
-          <a:p>
-            <a:endParaRPr lang="en-US" sz="2200" dirty="0"/>
-          </a:p>
-        </p:txBody>
-      </p:sp>
       <p:pic>
         <p:nvPicPr>
-          <p:cNvPr id="5" name="Picture 4">
-            <a:extLst>
-              <a:ext uri="{FF2B5EF4-FFF2-40B4-BE49-F238E27FC236}">
-                <a16:creationId xmlns:a16="http://schemas.microsoft.com/office/drawing/2014/main" id="{BD364901-0A7B-4750-A8C2-04F1ECD8B466}"/>
-              </a:ext>
-            </a:extLst>
-          </p:cNvPr>
-          <p:cNvPicPr/>
+          <p:cNvPr id="2" name="Picture 1"/>
+          <p:cNvPicPr>
+            <a:picLocks noChangeAspect="1"/>
+          </p:cNvPicPr>
           <p:nvPr/>
         </p:nvPicPr>
         <p:blipFill>
-          <a:blip r:embed="rId2"/>
+          <a:blip r:embed="rId3"/>
           <a:stretch>
             <a:fillRect/>
           </a:stretch>
         </p:blipFill>
         <p:spPr>
           <a:xfrm>
-            <a:off x="5788578" y="3241604"/>
-            <a:ext cx="3907357" cy="3387026"/>
+            <a:off x="0" y="390525"/>
+            <a:ext cx="12192000" cy="5981700"/>
           </a:xfrm>
           <a:prstGeom prst="rect">
             <a:avLst/>
@@ -8208,7 +14977,162 @@
     </p:spTree>
     <p:extLst>
       <p:ext uri="{BB962C8B-B14F-4D97-AF65-F5344CB8AC3E}">
-        <p14:creationId xmlns:p14="http://schemas.microsoft.com/office/powerpoint/2010/main" val="1158962401"/>
+        <p14:creationId xmlns:p14="http://schemas.microsoft.com/office/powerpoint/2010/main" val="3662277515"/>
+      </p:ext>
+    </p:extLst>
+  </p:cSld>
+  <p:clrMapOvr>
+    <a:masterClrMapping/>
+  </p:clrMapOvr>
+  <p:timing>
+    <p:tnLst>
+      <p:par>
+        <p:cTn id="1" dur="indefinite" restart="never" nodeType="tmRoot"/>
+      </p:par>
+    </p:tnLst>
+  </p:timing>
+</p:sld>
+</file>
+
+<file path=ppt/slides/slide8.xml><?xml version="1.0" encoding="utf-8"?>
+<p:sld xmlns:a="http://schemas.openxmlformats.org/drawingml/2006/main" xmlns:r="http://schemas.openxmlformats.org/officeDocument/2006/relationships" xmlns:p="http://schemas.openxmlformats.org/presentationml/2006/main">
+  <p:cSld>
+    <p:spTree>
+      <p:nvGrpSpPr>
+        <p:cNvPr id="1" name=""/>
+        <p:cNvGrpSpPr/>
+        <p:nvPr/>
+      </p:nvGrpSpPr>
+      <p:grpSpPr>
+        <a:xfrm>
+          <a:off x="0" y="0"/>
+          <a:ext cx="0" cy="0"/>
+          <a:chOff x="0" y="0"/>
+          <a:chExt cx="0" cy="0"/>
+        </a:xfrm>
+      </p:grpSpPr>
+      <p:sp>
+        <p:nvSpPr>
+          <p:cNvPr id="4" name="Footer Placeholder 3">
+            <a:extLst>
+              <a:ext uri="{FF2B5EF4-FFF2-40B4-BE49-F238E27FC236}">
+                <a16:creationId xmlns:a16="http://schemas.microsoft.com/office/drawing/2014/main" xmlns="" id="{58067873-E821-413C-A873-01CC7AF6309D}"/>
+              </a:ext>
+            </a:extLst>
+          </p:cNvPr>
+          <p:cNvSpPr>
+            <a:spLocks noGrp="1"/>
+          </p:cNvSpPr>
+          <p:nvPr>
+            <p:ph type="ftr" sz="quarter" idx="11"/>
+          </p:nvPr>
+        </p:nvSpPr>
+        <p:spPr>
+          <a:xfrm>
+            <a:off x="677334" y="6502682"/>
+            <a:ext cx="6297612" cy="365125"/>
+          </a:xfrm>
+        </p:spPr>
+        <p:txBody>
+          <a:bodyPr/>
+          <a:lstStyle/>
+          <a:p>
+            <a:r>
+              <a:rPr lang="en-US" dirty="0"/>
+              <a:t>Lecturer: Mai Anh Phuong</a:t>
+            </a:r>
+          </a:p>
+        </p:txBody>
+      </p:sp>
+      <p:sp>
+        <p:nvSpPr>
+          <p:cNvPr id="5" name="Content Placeholder 5">
+            <a:extLst>
+              <a:ext uri="{FF2B5EF4-FFF2-40B4-BE49-F238E27FC236}">
+                <a16:creationId xmlns:a16="http://schemas.microsoft.com/office/drawing/2014/main" xmlns="" id="{8CF76ED8-5E43-4F27-B273-BA4E50F02B5A}"/>
+              </a:ext>
+            </a:extLst>
+          </p:cNvPr>
+          <p:cNvSpPr>
+            <a:spLocks noGrp="1"/>
+          </p:cNvSpPr>
+          <p:nvPr>
+            <p:ph idx="1"/>
+          </p:nvPr>
+        </p:nvSpPr>
+        <p:spPr>
+          <a:xfrm>
+            <a:off x="677334" y="600076"/>
+            <a:ext cx="8596668" cy="5431762"/>
+          </a:xfrm>
+        </p:spPr>
+        <p:txBody>
+          <a:bodyPr vert="horz" lIns="91440" tIns="45720" rIns="91440" bIns="45720" rtlCol="0">
+            <a:normAutofit/>
+          </a:bodyPr>
+          <a:lstStyle/>
+          <a:p>
+            <a:r>
+              <a:rPr lang="en-US" sz="2200" dirty="0"/>
+              <a:t>CSS stands for Cascading Style Sheets </a:t>
+            </a:r>
+            <a:endParaRPr lang="en-US" sz="2200" dirty="0" smtClean="0"/>
+          </a:p>
+          <a:p>
+            <a:endParaRPr lang="en-US" sz="2200" dirty="0"/>
+          </a:p>
+          <a:p>
+            <a:r>
+              <a:rPr lang="en-US" sz="2200" dirty="0" smtClean="0"/>
+              <a:t>CSS </a:t>
+            </a:r>
+            <a:r>
+              <a:rPr lang="en-US" sz="2200" dirty="0"/>
+              <a:t>describes how HTML elements are to be displayed on screen, paper, or in other media </a:t>
+            </a:r>
+            <a:endParaRPr lang="en-US" sz="2200" dirty="0" smtClean="0"/>
+          </a:p>
+          <a:p>
+            <a:endParaRPr lang="en-US" sz="2200" dirty="0" smtClean="0"/>
+          </a:p>
+          <a:p>
+            <a:r>
+              <a:rPr lang="en-US" sz="2200" dirty="0" smtClean="0"/>
+              <a:t>CSS </a:t>
+            </a:r>
+            <a:r>
+              <a:rPr lang="en-US" sz="2200" dirty="0"/>
+              <a:t>saves a lot of work. It can control the layout of multiple web pages all at once </a:t>
+            </a:r>
+            <a:endParaRPr lang="en-US" sz="2200" dirty="0" smtClean="0"/>
+          </a:p>
+          <a:p>
+            <a:endParaRPr lang="en-US" sz="2200" dirty="0"/>
+          </a:p>
+          <a:p>
+            <a:r>
+              <a:rPr lang="en-US" sz="2200" dirty="0" smtClean="0"/>
+              <a:t>External style-sheets </a:t>
+            </a:r>
+            <a:r>
+              <a:rPr lang="en-US" sz="2200" dirty="0"/>
+              <a:t>are stored in CSS </a:t>
+            </a:r>
+            <a:r>
+              <a:rPr lang="en-US" sz="2200" dirty="0" smtClean="0"/>
+              <a:t>files</a:t>
+            </a:r>
+            <a:endParaRPr lang="en-US" sz="2200" dirty="0"/>
+          </a:p>
+          <a:p>
+            <a:endParaRPr lang="en-US" sz="2200" dirty="0"/>
+          </a:p>
+        </p:txBody>
+      </p:sp>
+    </p:spTree>
+    <p:extLst>
+      <p:ext uri="{BB962C8B-B14F-4D97-AF65-F5344CB8AC3E}">
+        <p14:creationId xmlns:p14="http://schemas.microsoft.com/office/powerpoint/2010/main" val="1727935574"/>
       </p:ext>
     </p:extLst>
   </p:cSld>
@@ -8218,7 +15142,7 @@
 </p:sld>
 </file>
 
-<file path=ppt/slides/slide8.xml><?xml version="1.0" encoding="utf-8"?>
+<file path=ppt/slides/slide9.xml><?xml version="1.0" encoding="utf-8"?>
 <p:sld xmlns:a="http://schemas.openxmlformats.org/drawingml/2006/main" xmlns:r="http://schemas.openxmlformats.org/officeDocument/2006/relationships" xmlns:p="http://schemas.openxmlformats.org/presentationml/2006/main">
   <p:cSld>
     <p:bg>
@@ -8248,7 +15172,7 @@
           <p:cNvPr id="4" name="Footer Placeholder 3">
             <a:extLst>
               <a:ext uri="{FF2B5EF4-FFF2-40B4-BE49-F238E27FC236}">
-                <a16:creationId xmlns:a16="http://schemas.microsoft.com/office/drawing/2014/main" id="{58067873-E821-413C-A873-01CC7AF6309D}"/>
+                <a16:creationId xmlns:a16="http://schemas.microsoft.com/office/drawing/2014/main" xmlns="" id="{58067873-E821-413C-A873-01CC7AF6309D}"/>
               </a:ext>
             </a:extLst>
           </p:cNvPr>
@@ -8281,7 +15205,7 @@
           <p:cNvPr id="5" name="Rectangle 4">
             <a:extLst>
               <a:ext uri="{FF2B5EF4-FFF2-40B4-BE49-F238E27FC236}">
-                <a16:creationId xmlns:a16="http://schemas.microsoft.com/office/drawing/2014/main" id="{9BF65F1D-032E-4BC9-965B-AC131CD9699D}"/>
+                <a16:creationId xmlns:a16="http://schemas.microsoft.com/office/drawing/2014/main" xmlns="" id="{9BF65F1D-032E-4BC9-965B-AC131CD9699D}"/>
               </a:ext>
             </a:extLst>
           </p:cNvPr>
@@ -8289,9 +15213,9 @@
           <p:nvPr/>
         </p:nvSpPr>
         <p:spPr>
-          <a:xfrm rot="20010298">
-            <a:off x="753621" y="874380"/>
-            <a:ext cx="8767042" cy="3705996"/>
+          <a:xfrm rot="20116986">
+            <a:off x="1132913" y="1219241"/>
+            <a:ext cx="8767042" cy="3919033"/>
           </a:xfrm>
           <a:prstGeom prst="rect">
             <a:avLst/>
@@ -8309,7 +15233,7 @@
               </a:spcBef>
             </a:pPr>
             <a:r>
-              <a:rPr lang="en-US" sz="8000" dirty="0">
+              <a:rPr lang="en-US" sz="8000" dirty="0" smtClean="0">
                 <a:solidFill>
                   <a:schemeClr val="accent1"/>
                 </a:solidFill>
@@ -8317,15 +15241,45 @@
                 <a:ea typeface="+mj-ea"/>
                 <a:cs typeface="+mj-cs"/>
               </a:rPr>
-              <a:t>Why’s Bootstrap?</a:t>
-            </a:r>
+              <a:t>HTML </a:t>
+            </a:r>
+            <a:r>
+              <a:rPr lang="en-US" sz="8000" dirty="0" err="1" smtClean="0">
+                <a:solidFill>
+                  <a:schemeClr val="accent1"/>
+                </a:solidFill>
+                <a:latin typeface="+mj-lt"/>
+                <a:ea typeface="+mj-ea"/>
+                <a:cs typeface="+mj-cs"/>
+              </a:rPr>
+              <a:t>vs</a:t>
+            </a:r>
+            <a:r>
+              <a:rPr lang="en-US" sz="8000" dirty="0" smtClean="0">
+                <a:solidFill>
+                  <a:schemeClr val="accent1"/>
+                </a:solidFill>
+                <a:latin typeface="+mj-lt"/>
+                <a:ea typeface="+mj-ea"/>
+                <a:cs typeface="+mj-cs"/>
+              </a:rPr>
+              <a:t> CSS</a:t>
+            </a:r>
+            <a:endParaRPr lang="en-US" sz="8000" dirty="0">
+              <a:solidFill>
+                <a:schemeClr val="accent1"/>
+              </a:solidFill>
+              <a:latin typeface="+mj-lt"/>
+              <a:ea typeface="+mj-ea"/>
+              <a:cs typeface="+mj-cs"/>
+            </a:endParaRPr>
           </a:p>
         </p:txBody>
       </p:sp>
     </p:spTree>
     <p:extLst>
       <p:ext uri="{BB962C8B-B14F-4D97-AF65-F5344CB8AC3E}">
-        <p14:creationId xmlns:p14="http://schemas.microsoft.com/office/powerpoint/2010/main" val="3030099454"/>
+        <p14:creationId xmlns:p14="http://schemas.microsoft.com/office/powerpoint/2010/main" val="4117991529"/>
       </p:ext>
     </p:extLst>
   </p:cSld>
@@ -8464,167 +15418,6 @@
       <p:bldP spid="5" grpId="0"/>
     </p:bldLst>
   </p:timing>
-</p:sld>
-</file>
-
-<file path=ppt/slides/slide9.xml><?xml version="1.0" encoding="utf-8"?>
-<p:sld xmlns:a="http://schemas.openxmlformats.org/drawingml/2006/main" xmlns:r="http://schemas.openxmlformats.org/officeDocument/2006/relationships" xmlns:p="http://schemas.openxmlformats.org/presentationml/2006/main">
-  <p:cSld>
-    <p:bg>
-      <p:bgPr>
-        <a:solidFill>
-          <a:schemeClr val="bg1"/>
-        </a:solidFill>
-        <a:effectLst/>
-      </p:bgPr>
-    </p:bg>
-    <p:spTree>
-      <p:nvGrpSpPr>
-        <p:cNvPr id="1" name=""/>
-        <p:cNvGrpSpPr/>
-        <p:nvPr/>
-      </p:nvGrpSpPr>
-      <p:grpSpPr>
-        <a:xfrm>
-          <a:off x="0" y="0"/>
-          <a:ext cx="0" cy="0"/>
-          <a:chOff x="0" y="0"/>
-          <a:chExt cx="0" cy="0"/>
-        </a:xfrm>
-      </p:grpSpPr>
-      <p:sp>
-        <p:nvSpPr>
-          <p:cNvPr id="4" name="Footer Placeholder 3">
-            <a:extLst>
-              <a:ext uri="{FF2B5EF4-FFF2-40B4-BE49-F238E27FC236}">
-                <a16:creationId xmlns:a16="http://schemas.microsoft.com/office/drawing/2014/main" id="{58067873-E821-413C-A873-01CC7AF6309D}"/>
-              </a:ext>
-            </a:extLst>
-          </p:cNvPr>
-          <p:cNvSpPr>
-            <a:spLocks noGrp="1"/>
-          </p:cNvSpPr>
-          <p:nvPr>
-            <p:ph type="ftr" sz="quarter" idx="11"/>
-          </p:nvPr>
-        </p:nvSpPr>
-        <p:spPr>
-          <a:xfrm>
-            <a:off x="677334" y="6502682"/>
-            <a:ext cx="6297612" cy="365125"/>
-          </a:xfrm>
-        </p:spPr>
-        <p:txBody>
-          <a:bodyPr/>
-          <a:lstStyle/>
-          <a:p>
-            <a:r>
-              <a:rPr lang="en-US" dirty="0"/>
-              <a:t>Lecturer: Mai Anh Phuong</a:t>
-            </a:r>
-          </a:p>
-        </p:txBody>
-      </p:sp>
-      <p:sp>
-        <p:nvSpPr>
-          <p:cNvPr id="6" name="Content Placeholder 5">
-            <a:extLst>
-              <a:ext uri="{FF2B5EF4-FFF2-40B4-BE49-F238E27FC236}">
-                <a16:creationId xmlns:a16="http://schemas.microsoft.com/office/drawing/2014/main" id="{8CF76ED8-5E43-4F27-B273-BA4E50F02B5A}"/>
-              </a:ext>
-            </a:extLst>
-          </p:cNvPr>
-          <p:cNvSpPr>
-            <a:spLocks noGrp="1"/>
-          </p:cNvSpPr>
-          <p:nvPr>
-            <p:ph idx="1"/>
-          </p:nvPr>
-        </p:nvSpPr>
-        <p:spPr>
-          <a:xfrm>
-            <a:off x="677334" y="600076"/>
-            <a:ext cx="8596668" cy="5431762"/>
-          </a:xfrm>
-        </p:spPr>
-        <p:txBody>
-          <a:bodyPr vert="horz" lIns="91440" tIns="45720" rIns="91440" bIns="45720" rtlCol="0">
-            <a:normAutofit/>
-          </a:bodyPr>
-          <a:lstStyle/>
-          <a:p>
-            <a:r>
-              <a:rPr lang="en-US" sz="2200" b="1" dirty="0"/>
-              <a:t>Easy to use</a:t>
-            </a:r>
-            <a:br>
-              <a:rPr lang="en-US" sz="2200" b="1" dirty="0"/>
-            </a:br>
-            <a:r>
-              <a:rPr lang="en-US" sz="2000" i="1" dirty="0"/>
-              <a:t>Anybody with just basic knowledge of HTML and CSS can start using Bootstrap</a:t>
-            </a:r>
-          </a:p>
-          <a:p>
-            <a:endParaRPr lang="en-US" sz="2000" i="1" dirty="0"/>
-          </a:p>
-          <a:p>
-            <a:r>
-              <a:rPr lang="en-US" sz="2200" b="1" dirty="0"/>
-              <a:t>Responsive features</a:t>
-            </a:r>
-            <a:br>
-              <a:rPr lang="en-US" sz="2200" dirty="0"/>
-            </a:br>
-            <a:r>
-              <a:rPr lang="en-US" sz="2000" i="1" dirty="0"/>
-              <a:t>Bootstrap's responsive CSS adjusts to phones, tablets, and desktops</a:t>
-            </a:r>
-          </a:p>
-          <a:p>
-            <a:endParaRPr lang="en-US" sz="2000" i="1" dirty="0"/>
-          </a:p>
-          <a:p>
-            <a:r>
-              <a:rPr lang="en-US" sz="2200" b="1" dirty="0"/>
-              <a:t>Mobile-first approach</a:t>
-            </a:r>
-            <a:br>
-              <a:rPr lang="en-US" sz="2200" dirty="0"/>
-            </a:br>
-            <a:r>
-              <a:rPr lang="en-US" sz="2000" i="1" dirty="0"/>
-              <a:t>In Bootstrap 3, mobile-first styles are part of the core framework</a:t>
-            </a:r>
-          </a:p>
-          <a:p>
-            <a:endParaRPr lang="en-US" sz="2200" dirty="0"/>
-          </a:p>
-          <a:p>
-            <a:r>
-              <a:rPr lang="en-US" sz="2200" b="1" dirty="0"/>
-              <a:t>Browser compatibility</a:t>
-            </a:r>
-            <a:br>
-              <a:rPr lang="en-US" sz="2200" b="1" dirty="0"/>
-            </a:br>
-            <a:r>
-              <a:rPr lang="en-US" sz="2000" i="1" dirty="0"/>
-              <a:t>Bootstrap is compatible with all modern browsers (Chrome, Firefox, Internet Explorer, Edge, Safari, and Opera)</a:t>
-            </a:r>
-          </a:p>
-        </p:txBody>
-      </p:sp>
-    </p:spTree>
-    <p:extLst>
-      <p:ext uri="{BB962C8B-B14F-4D97-AF65-F5344CB8AC3E}">
-        <p14:creationId xmlns:p14="http://schemas.microsoft.com/office/powerpoint/2010/main" val="2003335289"/>
-      </p:ext>
-    </p:extLst>
-  </p:cSld>
-  <p:clrMapOvr>
-    <a:masterClrMapping/>
-  </p:clrMapOvr>
 </p:sld>
 </file>
 
